--- a/后台文档/后台移动端界面.pptx
+++ b/后台文档/后台移动端界面.pptx
@@ -8,6 +8,9 @@
     <p:sldId id="256" r:id="rId3"/>
     <p:sldId id="258" r:id="rId4"/>
     <p:sldId id="259" r:id="rId5"/>
+    <p:sldId id="260" r:id="rId6"/>
+    <p:sldId id="261" r:id="rId7"/>
+    <p:sldId id="262" r:id="rId8"/>
   </p:sldIdLst>
   <p:sldSz cx="12192000" cy="6858000"/>
   <p:notesSz cx="6858000" cy="9144000"/>
@@ -4512,6 +4515,98 @@
           </a:p>
         </p:txBody>
       </p:sp>
+      <p:sp>
+        <p:nvSpPr>
+          <p:cNvPr id="13" name="文本框 12"/>
+          <p:cNvSpPr txBox="1"/>
+          <p:nvPr/>
+        </p:nvSpPr>
+        <p:spPr>
+          <a:xfrm>
+            <a:off x="8114665" y="1401445"/>
+            <a:ext cx="3604895" cy="460375"/>
+          </a:xfrm>
+          <a:prstGeom prst="rect">
+            <a:avLst/>
+          </a:prstGeom>
+          <a:noFill/>
+        </p:spPr>
+        <p:txBody>
+          <a:bodyPr wrap="none" rtlCol="0">
+            <a:spAutoFit/>
+          </a:bodyPr>
+          <a:p>
+            <a:pPr algn="l"/>
+            <a:r>
+              <a:rPr lang="en-US" altLang="zh-CN" sz="1200"/>
+              <a:t>px</a:t>
+            </a:r>
+            <a:r>
+              <a:rPr lang="zh-CN" altLang="en-US" sz="1200"/>
+              <a:t>转</a:t>
+            </a:r>
+            <a:r>
+              <a:rPr lang="en-US" altLang="zh-CN" sz="1200"/>
+              <a:t>rem</a:t>
+            </a:r>
+            <a:endParaRPr lang="zh-CN" altLang="en-US" sz="1200"/>
+          </a:p>
+          <a:p>
+            <a:pPr algn="l"/>
+            <a:r>
+              <a:rPr lang="zh-CN" altLang="en-US" sz="1200"/>
+              <a:t>https://www.cnblogs.com/both-eyes/p/10106021.html</a:t>
+            </a:r>
+            <a:endParaRPr lang="zh-CN" altLang="en-US" sz="1200"/>
+          </a:p>
+        </p:txBody>
+      </p:sp>
+      <p:sp>
+        <p:nvSpPr>
+          <p:cNvPr id="14" name="文本框 13"/>
+          <p:cNvSpPr txBox="1"/>
+          <p:nvPr/>
+        </p:nvSpPr>
+        <p:spPr>
+          <a:xfrm>
+            <a:off x="8211185" y="2081530"/>
+            <a:ext cx="2080260" cy="460375"/>
+          </a:xfrm>
+          <a:prstGeom prst="rect">
+            <a:avLst/>
+          </a:prstGeom>
+          <a:noFill/>
+        </p:spPr>
+        <p:txBody>
+          <a:bodyPr wrap="none" rtlCol="0">
+            <a:spAutoFit/>
+          </a:bodyPr>
+          <a:p>
+            <a:pPr algn="l"/>
+            <a:r>
+              <a:rPr lang="zh-CN" sz="1200"/>
+              <a:t>样式框架  </a:t>
+            </a:r>
+            <a:r>
+              <a:rPr lang="zh-CN" sz="1200">
+                <a:solidFill>
+                  <a:srgbClr val="FF0000"/>
+                </a:solidFill>
+              </a:rPr>
+              <a:t>先试试日期选择器</a:t>
+            </a:r>
+            <a:endParaRPr lang="zh-CN" sz="1200"/>
+          </a:p>
+          <a:p>
+            <a:pPr algn="l"/>
+            <a:r>
+              <a:rPr lang="en-US" altLang="zh-CN" sz="1200"/>
+              <a:t>view ui</a:t>
+            </a:r>
+            <a:endParaRPr lang="en-US" altLang="zh-CN" sz="1200"/>
+          </a:p>
+        </p:txBody>
+      </p:sp>
     </p:spTree>
   </p:cSld>
   <p:clrMapOvr>
@@ -6404,6 +6499,47 @@
         </p:nvSpPr>
         <p:spPr>
           <a:xfrm>
+            <a:off x="4690110" y="3672205"/>
+            <a:ext cx="1384935" cy="495300"/>
+          </a:xfrm>
+          <a:prstGeom prst="roundRect">
+            <a:avLst/>
+          </a:prstGeom>
+        </p:spPr>
+        <p:style>
+          <a:lnRef idx="1">
+            <a:schemeClr val="accent3"/>
+          </a:lnRef>
+          <a:fillRef idx="3">
+            <a:schemeClr val="accent3"/>
+          </a:fillRef>
+          <a:effectRef idx="2">
+            <a:schemeClr val="accent3"/>
+          </a:effectRef>
+          <a:fontRef idx="minor">
+            <a:schemeClr val="lt1"/>
+          </a:fontRef>
+        </p:style>
+        <p:txBody>
+          <a:bodyPr rtlCol="0" anchor="ctr"/>
+          <a:p>
+            <a:pPr algn="ctr"/>
+            <a:r>
+              <a:rPr lang="zh-CN" altLang="en-US"/>
+              <a:t>订 单</a:t>
+            </a:r>
+            <a:endParaRPr lang="zh-CN" altLang="en-US"/>
+          </a:p>
+        </p:txBody>
+      </p:sp>
+      <p:sp>
+        <p:nvSpPr>
+          <p:cNvPr id="37" name="圆角矩形 36"/>
+          <p:cNvSpPr/>
+          <p:nvPr/>
+        </p:nvSpPr>
+        <p:spPr>
+          <a:xfrm>
             <a:off x="6325870" y="2915285"/>
             <a:ext cx="1384935" cy="495300"/>
           </a:xfrm>
@@ -6413,13 +6549,13 @@
         </p:spPr>
         <p:style>
           <a:lnRef idx="1">
-            <a:schemeClr val="accent3"/>
+            <a:schemeClr val="dk1"/>
           </a:lnRef>
           <a:fillRef idx="3">
-            <a:schemeClr val="accent3"/>
+            <a:schemeClr val="dk1"/>
           </a:fillRef>
           <a:effectRef idx="2">
-            <a:schemeClr val="accent3"/>
+            <a:schemeClr val="dk1"/>
           </a:effectRef>
           <a:fontRef idx="minor">
             <a:schemeClr val="lt1"/>
@@ -6431,7 +6567,7 @@
             <a:pPr algn="ctr"/>
             <a:r>
               <a:rPr lang="zh-CN" altLang="en-US"/>
-              <a:t>订 单</a:t>
+              <a:t>续 房</a:t>
             </a:r>
             <a:endParaRPr lang="zh-CN" altLang="en-US"/>
           </a:p>
@@ -6861,7 +6997,7 @@
         <p:spPr>
           <a:xfrm>
             <a:off x="812800" y="647065"/>
-            <a:ext cx="1097280" cy="368300"/>
+            <a:ext cx="1325880" cy="922020"/>
           </a:xfrm>
           <a:prstGeom prst="rect">
             <a:avLst/>
@@ -6873,28 +7009,46 @@
             <a:spAutoFit/>
           </a:bodyPr>
           <a:p>
-            <a:r>
-              <a:rPr lang="zh-CN" altLang="en-US"/>
-              <a:t>默认首页</a:t>
+            <a:pPr algn="l"/>
+            <a:r>
+              <a:rPr lang="zh-CN" altLang="en-US">
+                <a:sym typeface="+mn-ea"/>
+              </a:rPr>
+              <a:t>默认订单页</a:t>
             </a:r>
             <a:endParaRPr lang="zh-CN" altLang="en-US"/>
           </a:p>
-        </p:txBody>
-      </p:sp>
-      <p:sp>
-        <p:nvSpPr>
-          <p:cNvPr id="13" name="矩形 12"/>
-          <p:cNvSpPr/>
-          <p:nvPr/>
-        </p:nvSpPr>
-        <p:spPr>
-          <a:xfrm>
-            <a:off x="4455795" y="245110"/>
-            <a:ext cx="3512820" cy="619760"/>
-          </a:xfrm>
-          <a:prstGeom prst="rect">
-            <a:avLst/>
-          </a:prstGeom>
+          <a:p>
+            <a:pPr algn="l"/>
+            <a:endParaRPr lang="zh-CN" altLang="en-US"/>
+          </a:p>
+          <a:p>
+            <a:pPr algn="l"/>
+            <a:r>
+              <a:rPr lang="zh-CN" altLang="en-US">
+                <a:sym typeface="+mn-ea"/>
+              </a:rPr>
+              <a:t>待入住页面</a:t>
+            </a:r>
+            <a:endParaRPr lang="zh-CN" altLang="en-US"/>
+          </a:p>
+        </p:txBody>
+      </p:sp>
+      <p:sp>
+        <p:nvSpPr>
+          <p:cNvPr id="6" name="矩形 5"/>
+          <p:cNvSpPr/>
+          <p:nvPr/>
+        </p:nvSpPr>
+        <p:spPr>
+          <a:xfrm>
+            <a:off x="4530090" y="771525"/>
+            <a:ext cx="3340735" cy="313055"/>
+          </a:xfrm>
+          <a:prstGeom prst="rect">
+            <a:avLst/>
+          </a:prstGeom>
+          <a:ln w="19050"/>
           <a:extLst>
             <a:ext uri="{909E8E84-426E-40DD-AFC4-6F175D3DCCD1}">
               <a14:hiddenFill xmlns:a14="http://schemas.microsoft.com/office/drawing/2010/main">
@@ -6906,6 +7060,1009 @@
           </a:extLst>
         </p:spPr>
         <p:style>
+          <a:lnRef idx="2">
+            <a:schemeClr val="accent6"/>
+          </a:lnRef>
+          <a:fillRef idx="1">
+            <a:schemeClr val="lt1"/>
+          </a:fillRef>
+          <a:effectRef idx="0">
+            <a:schemeClr val="accent6"/>
+          </a:effectRef>
+          <a:fontRef idx="minor">
+            <a:schemeClr val="dk1"/>
+          </a:fontRef>
+        </p:style>
+        <p:txBody>
+          <a:bodyPr rtlCol="0" anchor="ctr"/>
+          <a:p>
+            <a:pPr algn="ctr"/>
+            <a:endParaRPr lang="zh-CN" altLang="en-US"/>
+          </a:p>
+        </p:txBody>
+      </p:sp>
+      <p:sp>
+        <p:nvSpPr>
+          <p:cNvPr id="7" name="矩形 6"/>
+          <p:cNvSpPr/>
+          <p:nvPr/>
+        </p:nvSpPr>
+        <p:spPr>
+          <a:xfrm>
+            <a:off x="4520565" y="762000"/>
+            <a:ext cx="546735" cy="322580"/>
+          </a:xfrm>
+          <a:prstGeom prst="rect">
+            <a:avLst/>
+          </a:prstGeom>
+        </p:spPr>
+        <p:style>
+          <a:lnRef idx="2">
+            <a:schemeClr val="accent4">
+              <a:shade val="50000"/>
+            </a:schemeClr>
+          </a:lnRef>
+          <a:fillRef idx="1">
+            <a:schemeClr val="accent4"/>
+          </a:fillRef>
+          <a:effectRef idx="0">
+            <a:schemeClr val="accent4"/>
+          </a:effectRef>
+          <a:fontRef idx="minor">
+            <a:schemeClr val="lt1"/>
+          </a:fontRef>
+        </p:style>
+        <p:txBody>
+          <a:bodyPr rtlCol="0" anchor="ctr"/>
+          <a:p>
+            <a:pPr algn="ctr"/>
+            <a:r>
+              <a:rPr lang="zh-CN" altLang="en-US" sz="1000">
+                <a:solidFill>
+                  <a:schemeClr val="bg1"/>
+                </a:solidFill>
+              </a:rPr>
+              <a:t>美团</a:t>
+            </a:r>
+            <a:endParaRPr lang="zh-CN" altLang="en-US" sz="1000">
+              <a:solidFill>
+                <a:schemeClr val="bg1"/>
+              </a:solidFill>
+            </a:endParaRPr>
+          </a:p>
+        </p:txBody>
+      </p:sp>
+      <p:sp>
+        <p:nvSpPr>
+          <p:cNvPr id="8" name="矩形 7"/>
+          <p:cNvSpPr/>
+          <p:nvPr/>
+        </p:nvSpPr>
+        <p:spPr>
+          <a:xfrm>
+            <a:off x="5067300" y="762000"/>
+            <a:ext cx="445135" cy="322580"/>
+          </a:xfrm>
+          <a:prstGeom prst="rect">
+            <a:avLst/>
+          </a:prstGeom>
+        </p:spPr>
+        <p:style>
+          <a:lnRef idx="2">
+            <a:schemeClr val="accent6"/>
+          </a:lnRef>
+          <a:fillRef idx="1">
+            <a:schemeClr val="lt1"/>
+          </a:fillRef>
+          <a:effectRef idx="0">
+            <a:schemeClr val="accent6"/>
+          </a:effectRef>
+          <a:fontRef idx="minor">
+            <a:schemeClr val="dk1"/>
+          </a:fontRef>
+        </p:style>
+        <p:txBody>
+          <a:bodyPr rtlCol="0" anchor="ctr"/>
+          <a:p>
+            <a:pPr algn="ctr"/>
+            <a:r>
+              <a:rPr lang="zh-CN" altLang="en-US" sz="1000">
+                <a:solidFill>
+                  <a:schemeClr val="accent6"/>
+                </a:solidFill>
+              </a:rPr>
+              <a:t>张三</a:t>
+            </a:r>
+            <a:endParaRPr lang="zh-CN" altLang="en-US" sz="1000">
+              <a:solidFill>
+                <a:schemeClr val="accent6"/>
+              </a:solidFill>
+            </a:endParaRPr>
+          </a:p>
+        </p:txBody>
+      </p:sp>
+      <p:sp>
+        <p:nvSpPr>
+          <p:cNvPr id="14" name="矩形 13"/>
+          <p:cNvSpPr/>
+          <p:nvPr/>
+        </p:nvSpPr>
+        <p:spPr>
+          <a:xfrm>
+            <a:off x="5512435" y="762000"/>
+            <a:ext cx="1049020" cy="322580"/>
+          </a:xfrm>
+          <a:prstGeom prst="rect">
+            <a:avLst/>
+          </a:prstGeom>
+        </p:spPr>
+        <p:style>
+          <a:lnRef idx="2">
+            <a:schemeClr val="accent6"/>
+          </a:lnRef>
+          <a:fillRef idx="1">
+            <a:schemeClr val="lt1"/>
+          </a:fillRef>
+          <a:effectRef idx="0">
+            <a:schemeClr val="accent6"/>
+          </a:effectRef>
+          <a:fontRef idx="minor">
+            <a:schemeClr val="dk1"/>
+          </a:fontRef>
+        </p:style>
+        <p:txBody>
+          <a:bodyPr rtlCol="0" anchor="ctr"/>
+          <a:p>
+            <a:pPr algn="ctr"/>
+            <a:r>
+              <a:rPr lang="en-US" altLang="zh-CN" sz="1000">
+                <a:solidFill>
+                  <a:schemeClr val="accent6"/>
+                </a:solidFill>
+              </a:rPr>
+              <a:t>1</a:t>
+            </a:r>
+            <a:r>
+              <a:rPr lang="zh-CN" altLang="en-US" sz="1000">
+                <a:solidFill>
+                  <a:schemeClr val="accent6"/>
+                </a:solidFill>
+              </a:rPr>
+              <a:t>间 智享大床房</a:t>
+            </a:r>
+            <a:endParaRPr lang="zh-CN" altLang="en-US" sz="1000">
+              <a:solidFill>
+                <a:schemeClr val="accent6"/>
+              </a:solidFill>
+            </a:endParaRPr>
+          </a:p>
+        </p:txBody>
+      </p:sp>
+      <p:sp>
+        <p:nvSpPr>
+          <p:cNvPr id="15" name="矩形 14"/>
+          <p:cNvSpPr/>
+          <p:nvPr/>
+        </p:nvSpPr>
+        <p:spPr>
+          <a:xfrm>
+            <a:off x="6561455" y="762000"/>
+            <a:ext cx="908685" cy="322580"/>
+          </a:xfrm>
+          <a:prstGeom prst="rect">
+            <a:avLst/>
+          </a:prstGeom>
+        </p:spPr>
+        <p:style>
+          <a:lnRef idx="2">
+            <a:schemeClr val="accent6"/>
+          </a:lnRef>
+          <a:fillRef idx="1">
+            <a:schemeClr val="lt1"/>
+          </a:fillRef>
+          <a:effectRef idx="0">
+            <a:schemeClr val="accent6"/>
+          </a:effectRef>
+          <a:fontRef idx="minor">
+            <a:schemeClr val="dk1"/>
+          </a:fontRef>
+        </p:style>
+        <p:txBody>
+          <a:bodyPr rtlCol="0" anchor="ctr"/>
+          <a:p>
+            <a:pPr algn="ctr"/>
+            <a:r>
+              <a:rPr lang="en-US" sz="1000">
+                <a:solidFill>
+                  <a:schemeClr val="accent6"/>
+                </a:solidFill>
+              </a:rPr>
+              <a:t>05-26</a:t>
+            </a:r>
+            <a:r>
+              <a:rPr lang="zh-CN" altLang="en-US" sz="1000">
+                <a:solidFill>
+                  <a:schemeClr val="accent6"/>
+                </a:solidFill>
+              </a:rPr>
+              <a:t>至</a:t>
+            </a:r>
+            <a:r>
+              <a:rPr lang="en-US" altLang="zh-CN" sz="1000">
+                <a:solidFill>
+                  <a:schemeClr val="accent6"/>
+                </a:solidFill>
+              </a:rPr>
+              <a:t>05-27</a:t>
+            </a:r>
+            <a:endParaRPr lang="en-US" altLang="zh-CN" sz="1000">
+              <a:solidFill>
+                <a:schemeClr val="accent6"/>
+              </a:solidFill>
+            </a:endParaRPr>
+          </a:p>
+        </p:txBody>
+      </p:sp>
+      <p:sp>
+        <p:nvSpPr>
+          <p:cNvPr id="16" name="矩形 15"/>
+          <p:cNvSpPr/>
+          <p:nvPr/>
+        </p:nvSpPr>
+        <p:spPr>
+          <a:xfrm>
+            <a:off x="7470140" y="762000"/>
+            <a:ext cx="400050" cy="322580"/>
+          </a:xfrm>
+          <a:prstGeom prst="rect">
+            <a:avLst/>
+          </a:prstGeom>
+        </p:spPr>
+        <p:style>
+          <a:lnRef idx="2">
+            <a:schemeClr val="accent6"/>
+          </a:lnRef>
+          <a:fillRef idx="1">
+            <a:schemeClr val="lt1"/>
+          </a:fillRef>
+          <a:effectRef idx="0">
+            <a:schemeClr val="accent6"/>
+          </a:effectRef>
+          <a:fontRef idx="minor">
+            <a:schemeClr val="dk1"/>
+          </a:fontRef>
+        </p:style>
+        <p:txBody>
+          <a:bodyPr rtlCol="0" anchor="ctr"/>
+          <a:p>
+            <a:pPr algn="ctr"/>
+            <a:r>
+              <a:rPr lang="en-US" sz="1000">
+                <a:solidFill>
+                  <a:schemeClr val="accent6"/>
+                </a:solidFill>
+              </a:rPr>
+              <a:t>100</a:t>
+            </a:r>
+            <a:endParaRPr lang="en-US" sz="1000">
+              <a:solidFill>
+                <a:schemeClr val="accent6"/>
+              </a:solidFill>
+            </a:endParaRPr>
+          </a:p>
+        </p:txBody>
+      </p:sp>
+      <p:sp>
+        <p:nvSpPr>
+          <p:cNvPr id="17" name="矩形 16"/>
+          <p:cNvSpPr/>
+          <p:nvPr/>
+        </p:nvSpPr>
+        <p:spPr>
+          <a:xfrm>
+            <a:off x="4530090" y="1172845"/>
+            <a:ext cx="3340735" cy="313055"/>
+          </a:xfrm>
+          <a:prstGeom prst="rect">
+            <a:avLst/>
+          </a:prstGeom>
+          <a:ln w="19050"/>
+          <a:extLst>
+            <a:ext uri="{909E8E84-426E-40DD-AFC4-6F175D3DCCD1}">
+              <a14:hiddenFill xmlns:a14="http://schemas.microsoft.com/office/drawing/2010/main">
+                <a:solidFill>
+                  <a:schemeClr val="accent1"/>
+                </a:solidFill>
+              </a14:hiddenFill>
+            </a:ext>
+          </a:extLst>
+        </p:spPr>
+        <p:style>
+          <a:lnRef idx="2">
+            <a:schemeClr val="accent6"/>
+          </a:lnRef>
+          <a:fillRef idx="1">
+            <a:schemeClr val="lt1"/>
+          </a:fillRef>
+          <a:effectRef idx="0">
+            <a:schemeClr val="accent6"/>
+          </a:effectRef>
+          <a:fontRef idx="minor">
+            <a:schemeClr val="dk1"/>
+          </a:fontRef>
+        </p:style>
+        <p:txBody>
+          <a:bodyPr rtlCol="0" anchor="ctr"/>
+          <a:p>
+            <a:pPr algn="ctr"/>
+            <a:endParaRPr lang="zh-CN" altLang="en-US"/>
+          </a:p>
+        </p:txBody>
+      </p:sp>
+      <p:sp>
+        <p:nvSpPr>
+          <p:cNvPr id="18" name="矩形 17"/>
+          <p:cNvSpPr/>
+          <p:nvPr/>
+        </p:nvSpPr>
+        <p:spPr>
+          <a:xfrm>
+            <a:off x="4520565" y="1163320"/>
+            <a:ext cx="546735" cy="322580"/>
+          </a:xfrm>
+          <a:prstGeom prst="rect">
+            <a:avLst/>
+          </a:prstGeom>
+        </p:spPr>
+        <p:style>
+          <a:lnRef idx="2">
+            <a:schemeClr val="accent5">
+              <a:shade val="50000"/>
+            </a:schemeClr>
+          </a:lnRef>
+          <a:fillRef idx="1">
+            <a:schemeClr val="accent5"/>
+          </a:fillRef>
+          <a:effectRef idx="0">
+            <a:schemeClr val="accent5"/>
+          </a:effectRef>
+          <a:fontRef idx="minor">
+            <a:schemeClr val="lt1"/>
+          </a:fontRef>
+        </p:style>
+        <p:txBody>
+          <a:bodyPr rtlCol="0" anchor="ctr"/>
+          <a:p>
+            <a:pPr algn="ctr"/>
+            <a:r>
+              <a:rPr lang="zh-CN" altLang="en-US" sz="1000">
+                <a:solidFill>
+                  <a:schemeClr val="bg1"/>
+                </a:solidFill>
+              </a:rPr>
+              <a:t>携程</a:t>
+            </a:r>
+            <a:endParaRPr lang="zh-CN" altLang="en-US" sz="1000">
+              <a:solidFill>
+                <a:schemeClr val="bg1"/>
+              </a:solidFill>
+            </a:endParaRPr>
+          </a:p>
+        </p:txBody>
+      </p:sp>
+      <p:sp>
+        <p:nvSpPr>
+          <p:cNvPr id="19" name="矩形 18"/>
+          <p:cNvSpPr/>
+          <p:nvPr/>
+        </p:nvSpPr>
+        <p:spPr>
+          <a:xfrm>
+            <a:off x="5067300" y="1163320"/>
+            <a:ext cx="445135" cy="322580"/>
+          </a:xfrm>
+          <a:prstGeom prst="rect">
+            <a:avLst/>
+          </a:prstGeom>
+        </p:spPr>
+        <p:style>
+          <a:lnRef idx="2">
+            <a:schemeClr val="accent6"/>
+          </a:lnRef>
+          <a:fillRef idx="1">
+            <a:schemeClr val="lt1"/>
+          </a:fillRef>
+          <a:effectRef idx="0">
+            <a:schemeClr val="accent6"/>
+          </a:effectRef>
+          <a:fontRef idx="minor">
+            <a:schemeClr val="dk1"/>
+          </a:fontRef>
+        </p:style>
+        <p:txBody>
+          <a:bodyPr rtlCol="0" anchor="ctr"/>
+          <a:p>
+            <a:pPr algn="ctr"/>
+            <a:r>
+              <a:rPr lang="zh-CN" altLang="en-US" sz="1000">
+                <a:solidFill>
+                  <a:schemeClr val="accent6"/>
+                </a:solidFill>
+              </a:rPr>
+              <a:t>张三</a:t>
+            </a:r>
+            <a:endParaRPr lang="zh-CN" altLang="en-US" sz="1000">
+              <a:solidFill>
+                <a:schemeClr val="accent6"/>
+              </a:solidFill>
+            </a:endParaRPr>
+          </a:p>
+        </p:txBody>
+      </p:sp>
+      <p:sp>
+        <p:nvSpPr>
+          <p:cNvPr id="20" name="矩形 19"/>
+          <p:cNvSpPr/>
+          <p:nvPr/>
+        </p:nvSpPr>
+        <p:spPr>
+          <a:xfrm>
+            <a:off x="5512435" y="1163320"/>
+            <a:ext cx="1049020" cy="322580"/>
+          </a:xfrm>
+          <a:prstGeom prst="rect">
+            <a:avLst/>
+          </a:prstGeom>
+        </p:spPr>
+        <p:style>
+          <a:lnRef idx="2">
+            <a:schemeClr val="accent6"/>
+          </a:lnRef>
+          <a:fillRef idx="1">
+            <a:schemeClr val="lt1"/>
+          </a:fillRef>
+          <a:effectRef idx="0">
+            <a:schemeClr val="accent6"/>
+          </a:effectRef>
+          <a:fontRef idx="minor">
+            <a:schemeClr val="dk1"/>
+          </a:fontRef>
+        </p:style>
+        <p:txBody>
+          <a:bodyPr rtlCol="0" anchor="ctr"/>
+          <a:p>
+            <a:pPr algn="ctr"/>
+            <a:r>
+              <a:rPr lang="en-US" altLang="zh-CN" sz="1000">
+                <a:solidFill>
+                  <a:schemeClr val="accent6"/>
+                </a:solidFill>
+              </a:rPr>
+              <a:t>1</a:t>
+            </a:r>
+            <a:r>
+              <a:rPr lang="zh-CN" altLang="en-US" sz="1000">
+                <a:solidFill>
+                  <a:schemeClr val="accent6"/>
+                </a:solidFill>
+              </a:rPr>
+              <a:t>间 智享大床房</a:t>
+            </a:r>
+            <a:endParaRPr lang="zh-CN" altLang="en-US" sz="1000">
+              <a:solidFill>
+                <a:schemeClr val="accent6"/>
+              </a:solidFill>
+            </a:endParaRPr>
+          </a:p>
+        </p:txBody>
+      </p:sp>
+      <p:sp>
+        <p:nvSpPr>
+          <p:cNvPr id="21" name="矩形 20"/>
+          <p:cNvSpPr/>
+          <p:nvPr/>
+        </p:nvSpPr>
+        <p:spPr>
+          <a:xfrm>
+            <a:off x="6561455" y="1163320"/>
+            <a:ext cx="908685" cy="322580"/>
+          </a:xfrm>
+          <a:prstGeom prst="rect">
+            <a:avLst/>
+          </a:prstGeom>
+        </p:spPr>
+        <p:style>
+          <a:lnRef idx="2">
+            <a:schemeClr val="accent6"/>
+          </a:lnRef>
+          <a:fillRef idx="1">
+            <a:schemeClr val="lt1"/>
+          </a:fillRef>
+          <a:effectRef idx="0">
+            <a:schemeClr val="accent6"/>
+          </a:effectRef>
+          <a:fontRef idx="minor">
+            <a:schemeClr val="dk1"/>
+          </a:fontRef>
+        </p:style>
+        <p:txBody>
+          <a:bodyPr rtlCol="0" anchor="ctr"/>
+          <a:p>
+            <a:pPr algn="ctr"/>
+            <a:r>
+              <a:rPr lang="en-US" sz="1000">
+                <a:solidFill>
+                  <a:schemeClr val="accent6"/>
+                </a:solidFill>
+              </a:rPr>
+              <a:t>05-26</a:t>
+            </a:r>
+            <a:r>
+              <a:rPr lang="zh-CN" altLang="en-US" sz="1000">
+                <a:solidFill>
+                  <a:schemeClr val="accent6"/>
+                </a:solidFill>
+              </a:rPr>
+              <a:t>至</a:t>
+            </a:r>
+            <a:r>
+              <a:rPr lang="en-US" altLang="zh-CN" sz="1000">
+                <a:solidFill>
+                  <a:schemeClr val="accent6"/>
+                </a:solidFill>
+              </a:rPr>
+              <a:t>05-27</a:t>
+            </a:r>
+            <a:endParaRPr lang="en-US" altLang="zh-CN" sz="1000">
+              <a:solidFill>
+                <a:schemeClr val="accent6"/>
+              </a:solidFill>
+            </a:endParaRPr>
+          </a:p>
+        </p:txBody>
+      </p:sp>
+      <p:sp>
+        <p:nvSpPr>
+          <p:cNvPr id="22" name="矩形 21"/>
+          <p:cNvSpPr/>
+          <p:nvPr/>
+        </p:nvSpPr>
+        <p:spPr>
+          <a:xfrm>
+            <a:off x="7470140" y="1163320"/>
+            <a:ext cx="400050" cy="322580"/>
+          </a:xfrm>
+          <a:prstGeom prst="rect">
+            <a:avLst/>
+          </a:prstGeom>
+        </p:spPr>
+        <p:style>
+          <a:lnRef idx="2">
+            <a:schemeClr val="accent6"/>
+          </a:lnRef>
+          <a:fillRef idx="1">
+            <a:schemeClr val="lt1"/>
+          </a:fillRef>
+          <a:effectRef idx="0">
+            <a:schemeClr val="accent6"/>
+          </a:effectRef>
+          <a:fontRef idx="minor">
+            <a:schemeClr val="dk1"/>
+          </a:fontRef>
+        </p:style>
+        <p:txBody>
+          <a:bodyPr rtlCol="0" anchor="ctr"/>
+          <a:p>
+            <a:pPr algn="ctr"/>
+            <a:r>
+              <a:rPr lang="en-US" sz="1000">
+                <a:solidFill>
+                  <a:schemeClr val="accent6"/>
+                </a:solidFill>
+              </a:rPr>
+              <a:t>100</a:t>
+            </a:r>
+            <a:endParaRPr lang="en-US" sz="1000">
+              <a:solidFill>
+                <a:schemeClr val="accent6"/>
+              </a:solidFill>
+            </a:endParaRPr>
+          </a:p>
+        </p:txBody>
+      </p:sp>
+      <p:sp>
+        <p:nvSpPr>
+          <p:cNvPr id="23" name="矩形 22"/>
+          <p:cNvSpPr/>
+          <p:nvPr/>
+        </p:nvSpPr>
+        <p:spPr>
+          <a:xfrm>
+            <a:off x="4520565" y="1583055"/>
+            <a:ext cx="3340735" cy="313055"/>
+          </a:xfrm>
+          <a:prstGeom prst="rect">
+            <a:avLst/>
+          </a:prstGeom>
+          <a:ln w="19050"/>
+          <a:extLst>
+            <a:ext uri="{909E8E84-426E-40DD-AFC4-6F175D3DCCD1}">
+              <a14:hiddenFill xmlns:a14="http://schemas.microsoft.com/office/drawing/2010/main">
+                <a:solidFill>
+                  <a:schemeClr val="accent1"/>
+                </a:solidFill>
+              </a14:hiddenFill>
+            </a:ext>
+          </a:extLst>
+        </p:spPr>
+        <p:style>
+          <a:lnRef idx="2">
+            <a:schemeClr val="accent6"/>
+          </a:lnRef>
+          <a:fillRef idx="1">
+            <a:schemeClr val="lt1"/>
+          </a:fillRef>
+          <a:effectRef idx="0">
+            <a:schemeClr val="accent6"/>
+          </a:effectRef>
+          <a:fontRef idx="minor">
+            <a:schemeClr val="dk1"/>
+          </a:fontRef>
+        </p:style>
+        <p:txBody>
+          <a:bodyPr rtlCol="0" anchor="ctr"/>
+          <a:p>
+            <a:pPr algn="ctr"/>
+            <a:endParaRPr lang="zh-CN" altLang="en-US"/>
+          </a:p>
+        </p:txBody>
+      </p:sp>
+      <p:sp>
+        <p:nvSpPr>
+          <p:cNvPr id="24" name="矩形 23"/>
+          <p:cNvSpPr/>
+          <p:nvPr/>
+        </p:nvSpPr>
+        <p:spPr>
+          <a:xfrm>
+            <a:off x="4511040" y="1573530"/>
+            <a:ext cx="546735" cy="322580"/>
+          </a:xfrm>
+          <a:prstGeom prst="rect">
+            <a:avLst/>
+          </a:prstGeom>
+        </p:spPr>
+        <p:style>
+          <a:lnRef idx="2">
+            <a:schemeClr val="accent6">
+              <a:shade val="50000"/>
+            </a:schemeClr>
+          </a:lnRef>
+          <a:fillRef idx="1">
+            <a:schemeClr val="accent6"/>
+          </a:fillRef>
+          <a:effectRef idx="0">
+            <a:schemeClr val="accent6"/>
+          </a:effectRef>
+          <a:fontRef idx="minor">
+            <a:schemeClr val="lt1"/>
+          </a:fontRef>
+        </p:style>
+        <p:txBody>
+          <a:bodyPr rtlCol="0" anchor="ctr"/>
+          <a:p>
+            <a:pPr algn="ctr"/>
+            <a:r>
+              <a:rPr lang="zh-CN" altLang="en-US" sz="1000">
+                <a:solidFill>
+                  <a:schemeClr val="bg1"/>
+                </a:solidFill>
+              </a:rPr>
+              <a:t>微信</a:t>
+            </a:r>
+            <a:endParaRPr lang="zh-CN" altLang="en-US" sz="1000">
+              <a:solidFill>
+                <a:schemeClr val="bg1"/>
+              </a:solidFill>
+            </a:endParaRPr>
+          </a:p>
+        </p:txBody>
+      </p:sp>
+      <p:sp>
+        <p:nvSpPr>
+          <p:cNvPr id="25" name="矩形 24"/>
+          <p:cNvSpPr/>
+          <p:nvPr/>
+        </p:nvSpPr>
+        <p:spPr>
+          <a:xfrm>
+            <a:off x="5057775" y="1573530"/>
+            <a:ext cx="445135" cy="322580"/>
+          </a:xfrm>
+          <a:prstGeom prst="rect">
+            <a:avLst/>
+          </a:prstGeom>
+        </p:spPr>
+        <p:style>
+          <a:lnRef idx="2">
+            <a:schemeClr val="accent6"/>
+          </a:lnRef>
+          <a:fillRef idx="1">
+            <a:schemeClr val="lt1"/>
+          </a:fillRef>
+          <a:effectRef idx="0">
+            <a:schemeClr val="accent6"/>
+          </a:effectRef>
+          <a:fontRef idx="minor">
+            <a:schemeClr val="dk1"/>
+          </a:fontRef>
+        </p:style>
+        <p:txBody>
+          <a:bodyPr rtlCol="0" anchor="ctr"/>
+          <a:p>
+            <a:pPr algn="ctr"/>
+            <a:r>
+              <a:rPr lang="zh-CN" altLang="en-US" sz="1000">
+                <a:solidFill>
+                  <a:schemeClr val="accent6"/>
+                </a:solidFill>
+              </a:rPr>
+              <a:t>张三</a:t>
+            </a:r>
+            <a:endParaRPr lang="zh-CN" altLang="en-US" sz="1000">
+              <a:solidFill>
+                <a:schemeClr val="accent6"/>
+              </a:solidFill>
+            </a:endParaRPr>
+          </a:p>
+        </p:txBody>
+      </p:sp>
+      <p:sp>
+        <p:nvSpPr>
+          <p:cNvPr id="26" name="矩形 25"/>
+          <p:cNvSpPr/>
+          <p:nvPr/>
+        </p:nvSpPr>
+        <p:spPr>
+          <a:xfrm>
+            <a:off x="5502910" y="1573530"/>
+            <a:ext cx="1049020" cy="322580"/>
+          </a:xfrm>
+          <a:prstGeom prst="rect">
+            <a:avLst/>
+          </a:prstGeom>
+        </p:spPr>
+        <p:style>
+          <a:lnRef idx="2">
+            <a:schemeClr val="accent6"/>
+          </a:lnRef>
+          <a:fillRef idx="1">
+            <a:schemeClr val="lt1"/>
+          </a:fillRef>
+          <a:effectRef idx="0">
+            <a:schemeClr val="accent6"/>
+          </a:effectRef>
+          <a:fontRef idx="minor">
+            <a:schemeClr val="dk1"/>
+          </a:fontRef>
+        </p:style>
+        <p:txBody>
+          <a:bodyPr rtlCol="0" anchor="ctr"/>
+          <a:p>
+            <a:pPr algn="ctr"/>
+            <a:r>
+              <a:rPr lang="en-US" altLang="zh-CN" sz="1000">
+                <a:solidFill>
+                  <a:schemeClr val="accent6"/>
+                </a:solidFill>
+              </a:rPr>
+              <a:t>1</a:t>
+            </a:r>
+            <a:r>
+              <a:rPr lang="zh-CN" altLang="en-US" sz="1000">
+                <a:solidFill>
+                  <a:schemeClr val="accent6"/>
+                </a:solidFill>
+              </a:rPr>
+              <a:t>间 智享大床房</a:t>
+            </a:r>
+            <a:endParaRPr lang="zh-CN" altLang="en-US" sz="1000">
+              <a:solidFill>
+                <a:schemeClr val="accent6"/>
+              </a:solidFill>
+            </a:endParaRPr>
+          </a:p>
+        </p:txBody>
+      </p:sp>
+      <p:sp>
+        <p:nvSpPr>
+          <p:cNvPr id="27" name="矩形 26"/>
+          <p:cNvSpPr/>
+          <p:nvPr/>
+        </p:nvSpPr>
+        <p:spPr>
+          <a:xfrm>
+            <a:off x="6551930" y="1573530"/>
+            <a:ext cx="908685" cy="322580"/>
+          </a:xfrm>
+          <a:prstGeom prst="rect">
+            <a:avLst/>
+          </a:prstGeom>
+        </p:spPr>
+        <p:style>
+          <a:lnRef idx="2">
+            <a:schemeClr val="accent6"/>
+          </a:lnRef>
+          <a:fillRef idx="1">
+            <a:schemeClr val="lt1"/>
+          </a:fillRef>
+          <a:effectRef idx="0">
+            <a:schemeClr val="accent6"/>
+          </a:effectRef>
+          <a:fontRef idx="minor">
+            <a:schemeClr val="dk1"/>
+          </a:fontRef>
+        </p:style>
+        <p:txBody>
+          <a:bodyPr rtlCol="0" anchor="ctr"/>
+          <a:p>
+            <a:pPr algn="ctr"/>
+            <a:r>
+              <a:rPr lang="en-US" sz="1000">
+                <a:solidFill>
+                  <a:schemeClr val="accent6"/>
+                </a:solidFill>
+              </a:rPr>
+              <a:t>05-26</a:t>
+            </a:r>
+            <a:r>
+              <a:rPr lang="zh-CN" altLang="en-US" sz="1000">
+                <a:solidFill>
+                  <a:schemeClr val="accent6"/>
+                </a:solidFill>
+              </a:rPr>
+              <a:t>至</a:t>
+            </a:r>
+            <a:r>
+              <a:rPr lang="en-US" altLang="zh-CN" sz="1000">
+                <a:solidFill>
+                  <a:schemeClr val="accent6"/>
+                </a:solidFill>
+              </a:rPr>
+              <a:t>05-27</a:t>
+            </a:r>
+            <a:endParaRPr lang="en-US" altLang="zh-CN" sz="1000">
+              <a:solidFill>
+                <a:schemeClr val="accent6"/>
+              </a:solidFill>
+            </a:endParaRPr>
+          </a:p>
+        </p:txBody>
+      </p:sp>
+      <p:sp>
+        <p:nvSpPr>
+          <p:cNvPr id="28" name="矩形 27"/>
+          <p:cNvSpPr/>
+          <p:nvPr/>
+        </p:nvSpPr>
+        <p:spPr>
+          <a:xfrm>
+            <a:off x="7460615" y="1573530"/>
+            <a:ext cx="400050" cy="322580"/>
+          </a:xfrm>
+          <a:prstGeom prst="rect">
+            <a:avLst/>
+          </a:prstGeom>
+        </p:spPr>
+        <p:style>
+          <a:lnRef idx="2">
+            <a:schemeClr val="accent6"/>
+          </a:lnRef>
+          <a:fillRef idx="1">
+            <a:schemeClr val="lt1"/>
+          </a:fillRef>
+          <a:effectRef idx="0">
+            <a:schemeClr val="accent6"/>
+          </a:effectRef>
+          <a:fontRef idx="minor">
+            <a:schemeClr val="dk1"/>
+          </a:fontRef>
+        </p:style>
+        <p:txBody>
+          <a:bodyPr rtlCol="0" anchor="ctr"/>
+          <a:p>
+            <a:pPr algn="ctr"/>
+            <a:r>
+              <a:rPr lang="en-US" sz="1000">
+                <a:solidFill>
+                  <a:schemeClr val="accent6"/>
+                </a:solidFill>
+              </a:rPr>
+              <a:t>100</a:t>
+            </a:r>
+            <a:endParaRPr lang="en-US" sz="1000">
+              <a:solidFill>
+                <a:schemeClr val="accent6"/>
+              </a:solidFill>
+            </a:endParaRPr>
+          </a:p>
+        </p:txBody>
+      </p:sp>
+      <p:sp>
+        <p:nvSpPr>
+          <p:cNvPr id="55" name="矩形 54"/>
+          <p:cNvSpPr/>
+          <p:nvPr/>
+        </p:nvSpPr>
+        <p:spPr>
+          <a:xfrm>
+            <a:off x="4345305" y="154305"/>
+            <a:ext cx="3710305" cy="465455"/>
+          </a:xfrm>
+          <a:prstGeom prst="rect">
+            <a:avLst/>
+          </a:prstGeom>
+          <a:noFill/>
+          <a:ln w="19050"/>
+          <a:extLst>
+            <a:ext uri="{909E8E84-426E-40DD-AFC4-6F175D3DCCD1}">
+              <a14:hiddenFill xmlns:a14="http://schemas.microsoft.com/office/drawing/2010/main">
+                <a:solidFill>
+                  <a:schemeClr val="accent1"/>
+                </a:solidFill>
+              </a14:hiddenFill>
+            </a:ext>
+          </a:extLst>
+        </p:spPr>
+        <p:style>
+          <a:lnRef idx="2">
+            <a:schemeClr val="accent1">
+              <a:shade val="50000"/>
+            </a:schemeClr>
+          </a:lnRef>
+          <a:fillRef idx="1">
+            <a:schemeClr val="accent1"/>
+          </a:fillRef>
+          <a:effectRef idx="0">
+            <a:schemeClr val="accent1"/>
+          </a:effectRef>
+          <a:fontRef idx="minor">
+            <a:schemeClr val="lt1"/>
+          </a:fontRef>
+        </p:style>
+        <p:txBody>
+          <a:bodyPr rtlCol="0" anchor="ctr"/>
+          <a:p>
+            <a:pPr algn="ctr"/>
+            <a:endParaRPr lang="zh-CN" altLang="en-US"/>
+          </a:p>
+        </p:txBody>
+      </p:sp>
+      <p:sp>
+        <p:nvSpPr>
+          <p:cNvPr id="56" name="矩形 55"/>
+          <p:cNvSpPr/>
+          <p:nvPr/>
+        </p:nvSpPr>
+        <p:spPr>
+          <a:xfrm>
+            <a:off x="7169150" y="154940"/>
+            <a:ext cx="887095" cy="464185"/>
+          </a:xfrm>
+          <a:prstGeom prst="rect">
+            <a:avLst/>
+          </a:prstGeom>
+          <a:extLst>
+            <a:ext uri="{909E8E84-426E-40DD-AFC4-6F175D3DCCD1}">
+              <a14:hiddenFill xmlns:a14="http://schemas.microsoft.com/office/drawing/2010/main">
+                <a:solidFill>
+                  <a:schemeClr val="accent1"/>
+                </a:solidFill>
+              </a14:hiddenFill>
+            </a:ext>
+          </a:extLst>
+        </p:spPr>
+        <p:style>
           <a:lnRef idx="1">
             <a:schemeClr val="accent6"/>
           </a:lnRef>
@@ -6924,10 +8081,5636 @@
           <a:p>
             <a:pPr algn="ctr"/>
             <a:r>
+              <a:rPr lang="zh-CN" altLang="en-US" sz="1200">
+                <a:solidFill>
+                  <a:schemeClr val="bg1"/>
+                </a:solidFill>
+              </a:rPr>
+              <a:t>创建订单</a:t>
+            </a:r>
+            <a:endParaRPr lang="zh-CN" altLang="en-US" sz="1200">
+              <a:solidFill>
+                <a:schemeClr val="bg1"/>
+              </a:solidFill>
+            </a:endParaRPr>
+          </a:p>
+        </p:txBody>
+      </p:sp>
+      <p:sp>
+        <p:nvSpPr>
+          <p:cNvPr id="57" name="矩形 56"/>
+          <p:cNvSpPr/>
+          <p:nvPr/>
+        </p:nvSpPr>
+        <p:spPr>
+          <a:xfrm>
+            <a:off x="4454525" y="249555"/>
+            <a:ext cx="798830" cy="369570"/>
+          </a:xfrm>
+          <a:prstGeom prst="rect">
+            <a:avLst/>
+          </a:prstGeom>
+          <a:solidFill>
+            <a:srgbClr val="0070C0"/>
+          </a:solidFill>
+          <a:extLst>
+            <a:ext uri="{909E8E84-426E-40DD-AFC4-6F175D3DCCD1}">
+              <a14:hiddenFill xmlns:a14="http://schemas.microsoft.com/office/drawing/2010/main">
+                <a:solidFill>
+                  <a:schemeClr val="accent1"/>
+                </a:solidFill>
+              </a14:hiddenFill>
+            </a:ext>
+          </a:extLst>
+        </p:spPr>
+        <p:style>
+          <a:lnRef idx="1">
+            <a:schemeClr val="accent5"/>
+          </a:lnRef>
+          <a:fillRef idx="3">
+            <a:schemeClr val="accent5"/>
+          </a:fillRef>
+          <a:effectRef idx="2">
+            <a:schemeClr val="accent5"/>
+          </a:effectRef>
+          <a:fontRef idx="minor">
+            <a:schemeClr val="lt1"/>
+          </a:fontRef>
+        </p:style>
+        <p:txBody>
+          <a:bodyPr rtlCol="0" anchor="ctr"/>
+          <a:p>
+            <a:pPr algn="ctr"/>
+            <a:r>
+              <a:rPr lang="zh-CN" altLang="en-US" sz="1200">
+                <a:solidFill>
+                  <a:schemeClr val="bg1"/>
+                </a:solidFill>
+              </a:rPr>
+              <a:t>待入住  </a:t>
+            </a:r>
+            <a:r>
+              <a:rPr lang="en-US" altLang="zh-CN" sz="1200">
+                <a:solidFill>
+                  <a:schemeClr val="bg1"/>
+                </a:solidFill>
+              </a:rPr>
+              <a:t>3</a:t>
+            </a:r>
+            <a:endParaRPr lang="en-US" altLang="zh-CN" sz="1200">
+              <a:solidFill>
+                <a:schemeClr val="bg1"/>
+              </a:solidFill>
+            </a:endParaRPr>
+          </a:p>
+        </p:txBody>
+      </p:sp>
+      <p:sp>
+        <p:nvSpPr>
+          <p:cNvPr id="58" name="矩形 57"/>
+          <p:cNvSpPr/>
+          <p:nvPr/>
+        </p:nvSpPr>
+        <p:spPr>
+          <a:xfrm>
+            <a:off x="5337810" y="249555"/>
+            <a:ext cx="798830" cy="339725"/>
+          </a:xfrm>
+          <a:prstGeom prst="rect">
+            <a:avLst/>
+          </a:prstGeom>
+          <a:solidFill>
+            <a:schemeClr val="bg1"/>
+          </a:solidFill>
+          <a:ln w="19050">
+            <a:noFill/>
+          </a:ln>
+        </p:spPr>
+        <p:style>
+          <a:lnRef idx="2">
+            <a:schemeClr val="accent1">
+              <a:shade val="50000"/>
+            </a:schemeClr>
+          </a:lnRef>
+          <a:fillRef idx="1">
+            <a:schemeClr val="accent1"/>
+          </a:fillRef>
+          <a:effectRef idx="0">
+            <a:schemeClr val="accent1"/>
+          </a:effectRef>
+          <a:fontRef idx="minor">
+            <a:schemeClr val="lt1"/>
+          </a:fontRef>
+        </p:style>
+        <p:txBody>
+          <a:bodyPr rtlCol="0" anchor="ctr"/>
+          <a:p>
+            <a:pPr algn="ctr"/>
+            <a:r>
+              <a:rPr lang="zh-CN" altLang="en-US" sz="1200">
+                <a:gradFill>
+                  <a:gsLst>
+                    <a:gs pos="0">
+                      <a:srgbClr val="007BD3"/>
+                    </a:gs>
+                    <a:gs pos="100000">
+                      <a:srgbClr val="034373"/>
+                    </a:gs>
+                  </a:gsLst>
+                  <a:lin scaled="0"/>
+                </a:gradFill>
+              </a:rPr>
+              <a:t>入住中 </a:t>
+            </a:r>
+            <a:r>
+              <a:rPr lang="en-US" altLang="zh-CN" sz="1200">
+                <a:gradFill>
+                  <a:gsLst>
+                    <a:gs pos="0">
+                      <a:srgbClr val="007BD3"/>
+                    </a:gs>
+                    <a:gs pos="100000">
+                      <a:srgbClr val="034373"/>
+                    </a:gs>
+                  </a:gsLst>
+                  <a:lin scaled="0"/>
+                </a:gradFill>
+              </a:rPr>
+              <a:t>3</a:t>
+            </a:r>
+            <a:endParaRPr lang="en-US" altLang="zh-CN" sz="1200">
+              <a:gradFill>
+                <a:gsLst>
+                  <a:gs pos="0">
+                    <a:srgbClr val="007BD3"/>
+                  </a:gs>
+                  <a:gs pos="100000">
+                    <a:srgbClr val="034373"/>
+                  </a:gs>
+                </a:gsLst>
+                <a:lin scaled="0"/>
+              </a:gradFill>
+            </a:endParaRPr>
+          </a:p>
+        </p:txBody>
+      </p:sp>
+      <p:sp>
+        <p:nvSpPr>
+          <p:cNvPr id="59" name="矩形 58"/>
+          <p:cNvSpPr/>
+          <p:nvPr/>
+        </p:nvSpPr>
+        <p:spPr>
+          <a:xfrm>
+            <a:off x="6245225" y="250190"/>
+            <a:ext cx="798830" cy="339725"/>
+          </a:xfrm>
+          <a:prstGeom prst="rect">
+            <a:avLst/>
+          </a:prstGeom>
+          <a:noFill/>
+          <a:ln w="19050">
+            <a:noFill/>
+          </a:ln>
+          <a:extLst>
+            <a:ext uri="{909E8E84-426E-40DD-AFC4-6F175D3DCCD1}">
+              <a14:hiddenFill xmlns:a14="http://schemas.microsoft.com/office/drawing/2010/main">
+                <a:solidFill>
+                  <a:schemeClr val="accent1"/>
+                </a:solidFill>
+              </a14:hiddenFill>
+            </a:ext>
+          </a:extLst>
+        </p:spPr>
+        <p:style>
+          <a:lnRef idx="2">
+            <a:schemeClr val="accent1">
+              <a:shade val="50000"/>
+            </a:schemeClr>
+          </a:lnRef>
+          <a:fillRef idx="1">
+            <a:schemeClr val="accent1"/>
+          </a:fillRef>
+          <a:effectRef idx="0">
+            <a:schemeClr val="accent1"/>
+          </a:effectRef>
+          <a:fontRef idx="minor">
+            <a:schemeClr val="lt1"/>
+          </a:fontRef>
+        </p:style>
+        <p:txBody>
+          <a:bodyPr rtlCol="0" anchor="ctr"/>
+          <a:p>
+            <a:pPr algn="ctr"/>
+            <a:r>
+              <a:rPr lang="zh-CN" altLang="en-US" sz="1200">
+                <a:gradFill>
+                  <a:gsLst>
+                    <a:gs pos="0">
+                      <a:srgbClr val="007BD3"/>
+                    </a:gs>
+                    <a:gs pos="100000">
+                      <a:srgbClr val="034373"/>
+                    </a:gs>
+                  </a:gsLst>
+                  <a:lin scaled="0"/>
+                </a:gradFill>
+              </a:rPr>
+              <a:t>全部</a:t>
+            </a:r>
+            <a:endParaRPr lang="zh-CN" altLang="en-US" sz="1200">
+              <a:gradFill>
+                <a:gsLst>
+                  <a:gs pos="0">
+                    <a:srgbClr val="007BD3"/>
+                  </a:gs>
+                  <a:gs pos="100000">
+                    <a:srgbClr val="034373"/>
+                  </a:gs>
+                </a:gsLst>
+                <a:lin scaled="0"/>
+              </a:gradFill>
+            </a:endParaRPr>
+          </a:p>
+        </p:txBody>
+      </p:sp>
+    </p:spTree>
+  </p:cSld>
+  <p:clrMapOvr>
+    <a:masterClrMapping/>
+  </p:clrMapOvr>
+</p:sld>
+</file>
+
+<file path=ppt/slides/slide4.xml><?xml version="1.0" encoding="utf-8"?>
+<p:sld xmlns:a="http://schemas.openxmlformats.org/drawingml/2006/main" xmlns:r="http://schemas.openxmlformats.org/officeDocument/2006/relationships" xmlns:p="http://schemas.openxmlformats.org/presentationml/2006/main">
+  <p:cSld>
+    <p:spTree>
+      <p:nvGrpSpPr>
+        <p:cNvPr id="1" name=""/>
+        <p:cNvGrpSpPr/>
+        <p:nvPr/>
+      </p:nvGrpSpPr>
+      <p:grpSpPr/>
+      <p:sp>
+        <p:nvSpPr>
+          <p:cNvPr id="4" name="矩形 3"/>
+          <p:cNvSpPr/>
+          <p:nvPr/>
+        </p:nvSpPr>
+        <p:spPr>
+          <a:xfrm>
+            <a:off x="4356100" y="154305"/>
+            <a:ext cx="3710305" cy="6529705"/>
+          </a:xfrm>
+          <a:prstGeom prst="rect">
+            <a:avLst/>
+          </a:prstGeom>
+          <a:noFill/>
+          <a:ln w="19050"/>
+          <a:extLst>
+            <a:ext uri="{909E8E84-426E-40DD-AFC4-6F175D3DCCD1}">
+              <a14:hiddenFill xmlns:a14="http://schemas.microsoft.com/office/drawing/2010/main">
+                <a:solidFill>
+                  <a:schemeClr val="accent1"/>
+                </a:solidFill>
+              </a14:hiddenFill>
+            </a:ext>
+          </a:extLst>
+        </p:spPr>
+        <p:style>
+          <a:lnRef idx="2">
+            <a:schemeClr val="accent1">
+              <a:shade val="50000"/>
+            </a:schemeClr>
+          </a:lnRef>
+          <a:fillRef idx="1">
+            <a:schemeClr val="accent1"/>
+          </a:fillRef>
+          <a:effectRef idx="0">
+            <a:schemeClr val="accent1"/>
+          </a:effectRef>
+          <a:fontRef idx="minor">
+            <a:schemeClr val="lt1"/>
+          </a:fontRef>
+        </p:style>
+        <p:txBody>
+          <a:bodyPr rtlCol="0" anchor="ctr"/>
+          <a:p>
+            <a:pPr algn="ctr"/>
+            <a:endParaRPr lang="zh-CN" altLang="en-US"/>
+          </a:p>
+        </p:txBody>
+      </p:sp>
+      <p:sp>
+        <p:nvSpPr>
+          <p:cNvPr id="5" name="矩形 4"/>
+          <p:cNvSpPr/>
+          <p:nvPr/>
+        </p:nvSpPr>
+        <p:spPr>
+          <a:xfrm>
+            <a:off x="4356100" y="5975985"/>
+            <a:ext cx="3710305" cy="708025"/>
+          </a:xfrm>
+          <a:prstGeom prst="rect">
+            <a:avLst/>
+          </a:prstGeom>
+          <a:noFill/>
+          <a:ln w="19050"/>
+          <a:extLst>
+            <a:ext uri="{909E8E84-426E-40DD-AFC4-6F175D3DCCD1}">
+              <a14:hiddenFill xmlns:a14="http://schemas.microsoft.com/office/drawing/2010/main">
+                <a:solidFill>
+                  <a:schemeClr val="accent1"/>
+                </a:solidFill>
+              </a14:hiddenFill>
+            </a:ext>
+          </a:extLst>
+        </p:spPr>
+        <p:style>
+          <a:lnRef idx="2">
+            <a:schemeClr val="accent1">
+              <a:shade val="50000"/>
+            </a:schemeClr>
+          </a:lnRef>
+          <a:fillRef idx="1">
+            <a:schemeClr val="accent1"/>
+          </a:fillRef>
+          <a:effectRef idx="0">
+            <a:schemeClr val="accent1"/>
+          </a:effectRef>
+          <a:fontRef idx="minor">
+            <a:schemeClr val="lt1"/>
+          </a:fontRef>
+        </p:style>
+        <p:txBody>
+          <a:bodyPr rtlCol="0" anchor="ctr"/>
+          <a:p>
+            <a:pPr algn="ctr"/>
+            <a:endParaRPr lang="zh-CN" altLang="en-US"/>
+          </a:p>
+        </p:txBody>
+      </p:sp>
+      <p:sp>
+        <p:nvSpPr>
+          <p:cNvPr id="9" name="矩形 8"/>
+          <p:cNvSpPr/>
+          <p:nvPr/>
+        </p:nvSpPr>
+        <p:spPr>
+          <a:xfrm>
+            <a:off x="7169150" y="6071870"/>
+            <a:ext cx="798830" cy="516890"/>
+          </a:xfrm>
+          <a:prstGeom prst="rect">
+            <a:avLst/>
+          </a:prstGeom>
+          <a:noFill/>
+          <a:ln w="19050"/>
+          <a:extLst>
+            <a:ext uri="{909E8E84-426E-40DD-AFC4-6F175D3DCCD1}">
+              <a14:hiddenFill xmlns:a14="http://schemas.microsoft.com/office/drawing/2010/main">
+                <a:solidFill>
+                  <a:schemeClr val="accent1"/>
+                </a:solidFill>
+              </a14:hiddenFill>
+            </a:ext>
+          </a:extLst>
+        </p:spPr>
+        <p:style>
+          <a:lnRef idx="2">
+            <a:schemeClr val="accent1">
+              <a:shade val="50000"/>
+            </a:schemeClr>
+          </a:lnRef>
+          <a:fillRef idx="1">
+            <a:schemeClr val="accent1"/>
+          </a:fillRef>
+          <a:effectRef idx="0">
+            <a:schemeClr val="accent1"/>
+          </a:effectRef>
+          <a:fontRef idx="minor">
+            <a:schemeClr val="lt1"/>
+          </a:fontRef>
+        </p:style>
+        <p:txBody>
+          <a:bodyPr rtlCol="0" anchor="ctr"/>
+          <a:p>
+            <a:pPr algn="ctr"/>
+            <a:r>
+              <a:rPr lang="zh-CN" altLang="en-US">
+                <a:gradFill>
+                  <a:gsLst>
+                    <a:gs pos="0">
+                      <a:srgbClr val="007BD3"/>
+                    </a:gs>
+                    <a:gs pos="100000">
+                      <a:srgbClr val="034373"/>
+                    </a:gs>
+                  </a:gsLst>
+                  <a:lin scaled="0"/>
+                </a:gradFill>
+              </a:rPr>
+              <a:t>其他</a:t>
+            </a:r>
+            <a:endParaRPr lang="zh-CN" altLang="en-US">
+              <a:gradFill>
+                <a:gsLst>
+                  <a:gs pos="0">
+                    <a:srgbClr val="007BD3"/>
+                  </a:gs>
+                  <a:gs pos="100000">
+                    <a:srgbClr val="034373"/>
+                  </a:gs>
+                </a:gsLst>
+                <a:lin scaled="0"/>
+              </a:gradFill>
+            </a:endParaRPr>
+          </a:p>
+        </p:txBody>
+      </p:sp>
+      <p:sp>
+        <p:nvSpPr>
+          <p:cNvPr id="10" name="矩形 9"/>
+          <p:cNvSpPr/>
+          <p:nvPr/>
+        </p:nvSpPr>
+        <p:spPr>
+          <a:xfrm>
+            <a:off x="4455795" y="6071235"/>
+            <a:ext cx="798830" cy="516890"/>
+          </a:xfrm>
+          <a:prstGeom prst="rect">
+            <a:avLst/>
+          </a:prstGeom>
+          <a:solidFill>
+            <a:schemeClr val="bg1"/>
+          </a:solidFill>
+          <a:ln w="19050">
+            <a:solidFill>
+              <a:srgbClr val="1B7FD5"/>
+            </a:solidFill>
+          </a:ln>
+          <a:extLst>
+            <a:ext uri="{909E8E84-426E-40DD-AFC4-6F175D3DCCD1}">
+              <a14:hiddenFill xmlns:a14="http://schemas.microsoft.com/office/drawing/2010/main">
+                <a:solidFill>
+                  <a:schemeClr val="accent1"/>
+                </a:solidFill>
+              </a14:hiddenFill>
+            </a:ext>
+          </a:extLst>
+        </p:spPr>
+        <p:style>
+          <a:lnRef idx="2">
+            <a:schemeClr val="accent1">
+              <a:shade val="50000"/>
+            </a:schemeClr>
+          </a:lnRef>
+          <a:fillRef idx="1">
+            <a:schemeClr val="accent1"/>
+          </a:fillRef>
+          <a:effectRef idx="0">
+            <a:schemeClr val="accent1"/>
+          </a:effectRef>
+          <a:fontRef idx="minor">
+            <a:schemeClr val="lt1"/>
+          </a:fontRef>
+        </p:style>
+        <p:txBody>
+          <a:bodyPr rtlCol="0" anchor="ctr"/>
+          <a:p>
+            <a:pPr algn="ctr"/>
+            <a:r>
+              <a:rPr lang="zh-CN" altLang="en-US">
+                <a:gradFill>
+                  <a:gsLst>
+                    <a:gs pos="0">
+                      <a:srgbClr val="007BD3"/>
+                    </a:gs>
+                    <a:gs pos="100000">
+                      <a:srgbClr val="034373"/>
+                    </a:gs>
+                  </a:gsLst>
+                  <a:lin scaled="0"/>
+                </a:gradFill>
+              </a:rPr>
+              <a:t>房态</a:t>
+            </a:r>
+            <a:endParaRPr lang="zh-CN" altLang="en-US">
+              <a:gradFill>
+                <a:gsLst>
+                  <a:gs pos="0">
+                    <a:srgbClr val="007BD3"/>
+                  </a:gs>
+                  <a:gs pos="100000">
+                    <a:srgbClr val="034373"/>
+                  </a:gs>
+                </a:gsLst>
+                <a:lin scaled="0"/>
+              </a:gradFill>
+            </a:endParaRPr>
+          </a:p>
+        </p:txBody>
+      </p:sp>
+      <p:sp>
+        <p:nvSpPr>
+          <p:cNvPr id="11" name="矩形 10"/>
+          <p:cNvSpPr/>
+          <p:nvPr/>
+        </p:nvSpPr>
+        <p:spPr>
+          <a:xfrm>
+            <a:off x="5348605" y="6071235"/>
+            <a:ext cx="798830" cy="516890"/>
+          </a:xfrm>
+          <a:prstGeom prst="rect">
+            <a:avLst/>
+          </a:prstGeom>
+          <a:solidFill>
+            <a:srgbClr val="0070C0"/>
+          </a:solidFill>
+          <a:ln w="19050">
+            <a:noFill/>
+          </a:ln>
+        </p:spPr>
+        <p:style>
+          <a:lnRef idx="2">
+            <a:schemeClr val="accent1">
+              <a:shade val="50000"/>
+            </a:schemeClr>
+          </a:lnRef>
+          <a:fillRef idx="1">
+            <a:schemeClr val="accent1"/>
+          </a:fillRef>
+          <a:effectRef idx="0">
+            <a:schemeClr val="accent1"/>
+          </a:effectRef>
+          <a:fontRef idx="minor">
+            <a:schemeClr val="lt1"/>
+          </a:fontRef>
+        </p:style>
+        <p:txBody>
+          <a:bodyPr rtlCol="0" anchor="ctr"/>
+          <a:p>
+            <a:pPr algn="ctr"/>
+            <a:r>
+              <a:rPr lang="zh-CN" altLang="en-US">
+                <a:solidFill>
+                  <a:schemeClr val="bg1"/>
+                </a:solidFill>
+              </a:rPr>
+              <a:t>订单</a:t>
+            </a:r>
+            <a:endParaRPr lang="zh-CN" altLang="en-US">
+              <a:solidFill>
+                <a:schemeClr val="bg1"/>
+              </a:solidFill>
+            </a:endParaRPr>
+          </a:p>
+        </p:txBody>
+      </p:sp>
+      <p:sp>
+        <p:nvSpPr>
+          <p:cNvPr id="12" name="矩形 11"/>
+          <p:cNvSpPr/>
+          <p:nvPr/>
+        </p:nvSpPr>
+        <p:spPr>
+          <a:xfrm>
+            <a:off x="6256020" y="6071870"/>
+            <a:ext cx="798830" cy="516890"/>
+          </a:xfrm>
+          <a:prstGeom prst="rect">
+            <a:avLst/>
+          </a:prstGeom>
+          <a:noFill/>
+          <a:ln w="19050"/>
+          <a:extLst>
+            <a:ext uri="{909E8E84-426E-40DD-AFC4-6F175D3DCCD1}">
+              <a14:hiddenFill xmlns:a14="http://schemas.microsoft.com/office/drawing/2010/main">
+                <a:solidFill>
+                  <a:schemeClr val="accent1"/>
+                </a:solidFill>
+              </a14:hiddenFill>
+            </a:ext>
+          </a:extLst>
+        </p:spPr>
+        <p:style>
+          <a:lnRef idx="2">
+            <a:schemeClr val="accent1">
+              <a:shade val="50000"/>
+            </a:schemeClr>
+          </a:lnRef>
+          <a:fillRef idx="1">
+            <a:schemeClr val="accent1"/>
+          </a:fillRef>
+          <a:effectRef idx="0">
+            <a:schemeClr val="accent1"/>
+          </a:effectRef>
+          <a:fontRef idx="minor">
+            <a:schemeClr val="lt1"/>
+          </a:fontRef>
+        </p:style>
+        <p:txBody>
+          <a:bodyPr rtlCol="0" anchor="ctr"/>
+          <a:p>
+            <a:pPr algn="ctr"/>
+            <a:r>
+              <a:rPr lang="zh-CN" altLang="en-US">
+                <a:gradFill>
+                  <a:gsLst>
+                    <a:gs pos="0">
+                      <a:srgbClr val="007BD3"/>
+                    </a:gs>
+                    <a:gs pos="100000">
+                      <a:srgbClr val="034373"/>
+                    </a:gs>
+                  </a:gsLst>
+                  <a:lin scaled="0"/>
+                </a:gradFill>
+              </a:rPr>
+              <a:t>营收</a:t>
+            </a:r>
+            <a:endParaRPr lang="zh-CN" altLang="en-US">
+              <a:gradFill>
+                <a:gsLst>
+                  <a:gs pos="0">
+                    <a:srgbClr val="007BD3"/>
+                  </a:gs>
+                  <a:gs pos="100000">
+                    <a:srgbClr val="034373"/>
+                  </a:gs>
+                </a:gsLst>
+                <a:lin scaled="0"/>
+              </a:gradFill>
+            </a:endParaRPr>
+          </a:p>
+        </p:txBody>
+      </p:sp>
+      <p:sp>
+        <p:nvSpPr>
+          <p:cNvPr id="33" name="文本框 32"/>
+          <p:cNvSpPr txBox="1"/>
+          <p:nvPr/>
+        </p:nvSpPr>
+        <p:spPr>
+          <a:xfrm>
+            <a:off x="812800" y="647065"/>
+            <a:ext cx="1325880" cy="368300"/>
+          </a:xfrm>
+          <a:prstGeom prst="rect">
+            <a:avLst/>
+          </a:prstGeom>
+          <a:noFill/>
+        </p:spPr>
+        <p:txBody>
+          <a:bodyPr wrap="none" rtlCol="0">
+            <a:spAutoFit/>
+          </a:bodyPr>
+          <a:p>
+            <a:r>
               <a:rPr lang="zh-CN" altLang="en-US"/>
+              <a:t>入住中页面</a:t>
+            </a:r>
+            <a:endParaRPr lang="zh-CN" altLang="en-US"/>
+          </a:p>
+        </p:txBody>
+      </p:sp>
+      <p:sp>
+        <p:nvSpPr>
+          <p:cNvPr id="6" name="矩形 5"/>
+          <p:cNvSpPr/>
+          <p:nvPr/>
+        </p:nvSpPr>
+        <p:spPr>
+          <a:xfrm>
+            <a:off x="4530090" y="1009650"/>
+            <a:ext cx="3340735" cy="313055"/>
+          </a:xfrm>
+          <a:prstGeom prst="rect">
+            <a:avLst/>
+          </a:prstGeom>
+          <a:ln w="19050"/>
+          <a:extLst>
+            <a:ext uri="{909E8E84-426E-40DD-AFC4-6F175D3DCCD1}">
+              <a14:hiddenFill xmlns:a14="http://schemas.microsoft.com/office/drawing/2010/main">
+                <a:solidFill>
+                  <a:schemeClr val="accent1"/>
+                </a:solidFill>
+              </a14:hiddenFill>
+            </a:ext>
+          </a:extLst>
+        </p:spPr>
+        <p:style>
+          <a:lnRef idx="2">
+            <a:schemeClr val="accent6"/>
+          </a:lnRef>
+          <a:fillRef idx="1">
+            <a:schemeClr val="lt1"/>
+          </a:fillRef>
+          <a:effectRef idx="0">
+            <a:schemeClr val="accent6"/>
+          </a:effectRef>
+          <a:fontRef idx="minor">
+            <a:schemeClr val="dk1"/>
+          </a:fontRef>
+        </p:style>
+        <p:txBody>
+          <a:bodyPr rtlCol="0" anchor="ctr"/>
+          <a:p>
+            <a:pPr algn="ctr"/>
+            <a:endParaRPr lang="zh-CN" altLang="en-US"/>
+          </a:p>
+        </p:txBody>
+      </p:sp>
+      <p:sp>
+        <p:nvSpPr>
+          <p:cNvPr id="7" name="矩形 6"/>
+          <p:cNvSpPr/>
+          <p:nvPr/>
+        </p:nvSpPr>
+        <p:spPr>
+          <a:xfrm>
+            <a:off x="4520565" y="1000125"/>
+            <a:ext cx="546735" cy="322580"/>
+          </a:xfrm>
+          <a:prstGeom prst="rect">
+            <a:avLst/>
+          </a:prstGeom>
+        </p:spPr>
+        <p:style>
+          <a:lnRef idx="2">
+            <a:schemeClr val="accent4">
+              <a:shade val="50000"/>
+            </a:schemeClr>
+          </a:lnRef>
+          <a:fillRef idx="1">
+            <a:schemeClr val="accent4"/>
+          </a:fillRef>
+          <a:effectRef idx="0">
+            <a:schemeClr val="accent4"/>
+          </a:effectRef>
+          <a:fontRef idx="minor">
+            <a:schemeClr val="lt1"/>
+          </a:fontRef>
+        </p:style>
+        <p:txBody>
+          <a:bodyPr rtlCol="0" anchor="ctr"/>
+          <a:p>
+            <a:pPr algn="ctr"/>
+            <a:r>
+              <a:rPr lang="zh-CN" altLang="en-US" sz="1000">
+                <a:solidFill>
+                  <a:schemeClr val="bg1"/>
+                </a:solidFill>
+              </a:rPr>
+              <a:t>美团</a:t>
+            </a:r>
+            <a:endParaRPr lang="zh-CN" altLang="en-US" sz="1000">
+              <a:solidFill>
+                <a:schemeClr val="bg1"/>
+              </a:solidFill>
+            </a:endParaRPr>
+          </a:p>
+        </p:txBody>
+      </p:sp>
+      <p:sp>
+        <p:nvSpPr>
+          <p:cNvPr id="8" name="矩形 7"/>
+          <p:cNvSpPr/>
+          <p:nvPr/>
+        </p:nvSpPr>
+        <p:spPr>
+          <a:xfrm>
+            <a:off x="5067300" y="1000125"/>
+            <a:ext cx="445135" cy="322580"/>
+          </a:xfrm>
+          <a:prstGeom prst="rect">
+            <a:avLst/>
+          </a:prstGeom>
+        </p:spPr>
+        <p:style>
+          <a:lnRef idx="2">
+            <a:schemeClr val="accent6"/>
+          </a:lnRef>
+          <a:fillRef idx="1">
+            <a:schemeClr val="lt1"/>
+          </a:fillRef>
+          <a:effectRef idx="0">
+            <a:schemeClr val="accent6"/>
+          </a:effectRef>
+          <a:fontRef idx="minor">
+            <a:schemeClr val="dk1"/>
+          </a:fontRef>
+        </p:style>
+        <p:txBody>
+          <a:bodyPr rtlCol="0" anchor="ctr"/>
+          <a:p>
+            <a:pPr algn="ctr"/>
+            <a:r>
+              <a:rPr lang="zh-CN" altLang="en-US" sz="1000">
+                <a:solidFill>
+                  <a:schemeClr val="accent6"/>
+                </a:solidFill>
+              </a:rPr>
+              <a:t>张三</a:t>
+            </a:r>
+            <a:endParaRPr lang="zh-CN" altLang="en-US" sz="1000">
+              <a:solidFill>
+                <a:schemeClr val="accent6"/>
+              </a:solidFill>
+            </a:endParaRPr>
+          </a:p>
+        </p:txBody>
+      </p:sp>
+      <p:sp>
+        <p:nvSpPr>
+          <p:cNvPr id="14" name="矩形 13"/>
+          <p:cNvSpPr/>
+          <p:nvPr/>
+        </p:nvSpPr>
+        <p:spPr>
+          <a:xfrm>
+            <a:off x="5512435" y="1000125"/>
+            <a:ext cx="1049020" cy="322580"/>
+          </a:xfrm>
+          <a:prstGeom prst="rect">
+            <a:avLst/>
+          </a:prstGeom>
+        </p:spPr>
+        <p:style>
+          <a:lnRef idx="2">
+            <a:schemeClr val="accent6"/>
+          </a:lnRef>
+          <a:fillRef idx="1">
+            <a:schemeClr val="lt1"/>
+          </a:fillRef>
+          <a:effectRef idx="0">
+            <a:schemeClr val="accent6"/>
+          </a:effectRef>
+          <a:fontRef idx="minor">
+            <a:schemeClr val="dk1"/>
+          </a:fontRef>
+        </p:style>
+        <p:txBody>
+          <a:bodyPr rtlCol="0" anchor="ctr"/>
+          <a:p>
+            <a:pPr algn="ctr"/>
+            <a:r>
+              <a:rPr lang="en-US" altLang="zh-CN" sz="1000">
+                <a:solidFill>
+                  <a:schemeClr val="accent6"/>
+                </a:solidFill>
+              </a:rPr>
+              <a:t>1</a:t>
+            </a:r>
+            <a:r>
+              <a:rPr lang="zh-CN" altLang="en-US" sz="1000">
+                <a:solidFill>
+                  <a:schemeClr val="accent6"/>
+                </a:solidFill>
+              </a:rPr>
+              <a:t>间 智享大床房</a:t>
+            </a:r>
+            <a:endParaRPr lang="zh-CN" altLang="en-US" sz="1000">
+              <a:solidFill>
+                <a:schemeClr val="accent6"/>
+              </a:solidFill>
+            </a:endParaRPr>
+          </a:p>
+        </p:txBody>
+      </p:sp>
+      <p:sp>
+        <p:nvSpPr>
+          <p:cNvPr id="15" name="矩形 14"/>
+          <p:cNvSpPr/>
+          <p:nvPr/>
+        </p:nvSpPr>
+        <p:spPr>
+          <a:xfrm>
+            <a:off x="6561455" y="1000125"/>
+            <a:ext cx="908685" cy="322580"/>
+          </a:xfrm>
+          <a:prstGeom prst="rect">
+            <a:avLst/>
+          </a:prstGeom>
+        </p:spPr>
+        <p:style>
+          <a:lnRef idx="2">
+            <a:schemeClr val="accent6"/>
+          </a:lnRef>
+          <a:fillRef idx="1">
+            <a:schemeClr val="lt1"/>
+          </a:fillRef>
+          <a:effectRef idx="0">
+            <a:schemeClr val="accent6"/>
+          </a:effectRef>
+          <a:fontRef idx="minor">
+            <a:schemeClr val="dk1"/>
+          </a:fontRef>
+        </p:style>
+        <p:txBody>
+          <a:bodyPr rtlCol="0" anchor="ctr"/>
+          <a:p>
+            <a:pPr algn="ctr"/>
+            <a:r>
+              <a:rPr lang="en-US" sz="1000">
+                <a:solidFill>
+                  <a:schemeClr val="accent6"/>
+                </a:solidFill>
+              </a:rPr>
+              <a:t>05-26</a:t>
+            </a:r>
+            <a:r>
+              <a:rPr lang="zh-CN" altLang="en-US" sz="1000">
+                <a:solidFill>
+                  <a:schemeClr val="accent6"/>
+                </a:solidFill>
+              </a:rPr>
+              <a:t>至</a:t>
+            </a:r>
+            <a:r>
+              <a:rPr lang="en-US" altLang="zh-CN" sz="1000">
+                <a:solidFill>
+                  <a:schemeClr val="accent6"/>
+                </a:solidFill>
+              </a:rPr>
+              <a:t>05-27</a:t>
+            </a:r>
+            <a:endParaRPr lang="en-US" altLang="zh-CN" sz="1000">
+              <a:solidFill>
+                <a:schemeClr val="accent6"/>
+              </a:solidFill>
+            </a:endParaRPr>
+          </a:p>
+        </p:txBody>
+      </p:sp>
+      <p:sp>
+        <p:nvSpPr>
+          <p:cNvPr id="16" name="矩形 15"/>
+          <p:cNvSpPr/>
+          <p:nvPr/>
+        </p:nvSpPr>
+        <p:spPr>
+          <a:xfrm>
+            <a:off x="7470140" y="1000125"/>
+            <a:ext cx="400050" cy="322580"/>
+          </a:xfrm>
+          <a:prstGeom prst="rect">
+            <a:avLst/>
+          </a:prstGeom>
+        </p:spPr>
+        <p:style>
+          <a:lnRef idx="2">
+            <a:schemeClr val="accent6"/>
+          </a:lnRef>
+          <a:fillRef idx="1">
+            <a:schemeClr val="lt1"/>
+          </a:fillRef>
+          <a:effectRef idx="0">
+            <a:schemeClr val="accent6"/>
+          </a:effectRef>
+          <a:fontRef idx="minor">
+            <a:schemeClr val="dk1"/>
+          </a:fontRef>
+        </p:style>
+        <p:txBody>
+          <a:bodyPr rtlCol="0" anchor="ctr"/>
+          <a:p>
+            <a:pPr algn="ctr"/>
+            <a:r>
+              <a:rPr lang="en-US" sz="1000">
+                <a:solidFill>
+                  <a:schemeClr val="accent6"/>
+                </a:solidFill>
+              </a:rPr>
+              <a:t>100</a:t>
+            </a:r>
+            <a:endParaRPr lang="en-US" sz="1000">
+              <a:solidFill>
+                <a:schemeClr val="accent6"/>
+              </a:solidFill>
+            </a:endParaRPr>
+          </a:p>
+        </p:txBody>
+      </p:sp>
+      <p:sp>
+        <p:nvSpPr>
+          <p:cNvPr id="17" name="矩形 16"/>
+          <p:cNvSpPr/>
+          <p:nvPr/>
+        </p:nvSpPr>
+        <p:spPr>
+          <a:xfrm>
+            <a:off x="4530090" y="1410970"/>
+            <a:ext cx="3340735" cy="313055"/>
+          </a:xfrm>
+          <a:prstGeom prst="rect">
+            <a:avLst/>
+          </a:prstGeom>
+          <a:ln w="19050"/>
+          <a:extLst>
+            <a:ext uri="{909E8E84-426E-40DD-AFC4-6F175D3DCCD1}">
+              <a14:hiddenFill xmlns:a14="http://schemas.microsoft.com/office/drawing/2010/main">
+                <a:solidFill>
+                  <a:schemeClr val="accent1"/>
+                </a:solidFill>
+              </a14:hiddenFill>
+            </a:ext>
+          </a:extLst>
+        </p:spPr>
+        <p:style>
+          <a:lnRef idx="2">
+            <a:schemeClr val="accent6"/>
+          </a:lnRef>
+          <a:fillRef idx="1">
+            <a:schemeClr val="lt1"/>
+          </a:fillRef>
+          <a:effectRef idx="0">
+            <a:schemeClr val="accent6"/>
+          </a:effectRef>
+          <a:fontRef idx="minor">
+            <a:schemeClr val="dk1"/>
+          </a:fontRef>
+        </p:style>
+        <p:txBody>
+          <a:bodyPr rtlCol="0" anchor="ctr"/>
+          <a:p>
+            <a:pPr algn="ctr"/>
+            <a:endParaRPr lang="zh-CN" altLang="en-US"/>
+          </a:p>
+        </p:txBody>
+      </p:sp>
+      <p:sp>
+        <p:nvSpPr>
+          <p:cNvPr id="18" name="矩形 17"/>
+          <p:cNvSpPr/>
+          <p:nvPr/>
+        </p:nvSpPr>
+        <p:spPr>
+          <a:xfrm>
+            <a:off x="4520565" y="1401445"/>
+            <a:ext cx="546735" cy="322580"/>
+          </a:xfrm>
+          <a:prstGeom prst="rect">
+            <a:avLst/>
+          </a:prstGeom>
+        </p:spPr>
+        <p:style>
+          <a:lnRef idx="2">
+            <a:schemeClr val="accent5">
+              <a:shade val="50000"/>
+            </a:schemeClr>
+          </a:lnRef>
+          <a:fillRef idx="1">
+            <a:schemeClr val="accent5"/>
+          </a:fillRef>
+          <a:effectRef idx="0">
+            <a:schemeClr val="accent5"/>
+          </a:effectRef>
+          <a:fontRef idx="minor">
+            <a:schemeClr val="lt1"/>
+          </a:fontRef>
+        </p:style>
+        <p:txBody>
+          <a:bodyPr rtlCol="0" anchor="ctr"/>
+          <a:p>
+            <a:pPr algn="ctr"/>
+            <a:r>
+              <a:rPr lang="zh-CN" altLang="en-US" sz="1000">
+                <a:solidFill>
+                  <a:schemeClr val="bg1"/>
+                </a:solidFill>
+              </a:rPr>
+              <a:t>携程</a:t>
+            </a:r>
+            <a:endParaRPr lang="zh-CN" altLang="en-US" sz="1000">
+              <a:solidFill>
+                <a:schemeClr val="bg1"/>
+              </a:solidFill>
+            </a:endParaRPr>
+          </a:p>
+        </p:txBody>
+      </p:sp>
+      <p:sp>
+        <p:nvSpPr>
+          <p:cNvPr id="19" name="矩形 18"/>
+          <p:cNvSpPr/>
+          <p:nvPr/>
+        </p:nvSpPr>
+        <p:spPr>
+          <a:xfrm>
+            <a:off x="5067300" y="1401445"/>
+            <a:ext cx="445135" cy="322580"/>
+          </a:xfrm>
+          <a:prstGeom prst="rect">
+            <a:avLst/>
+          </a:prstGeom>
+        </p:spPr>
+        <p:style>
+          <a:lnRef idx="2">
+            <a:schemeClr val="accent6"/>
+          </a:lnRef>
+          <a:fillRef idx="1">
+            <a:schemeClr val="lt1"/>
+          </a:fillRef>
+          <a:effectRef idx="0">
+            <a:schemeClr val="accent6"/>
+          </a:effectRef>
+          <a:fontRef idx="minor">
+            <a:schemeClr val="dk1"/>
+          </a:fontRef>
+        </p:style>
+        <p:txBody>
+          <a:bodyPr rtlCol="0" anchor="ctr"/>
+          <a:p>
+            <a:pPr algn="ctr"/>
+            <a:r>
+              <a:rPr lang="zh-CN" altLang="en-US" sz="1000">
+                <a:solidFill>
+                  <a:schemeClr val="accent6"/>
+                </a:solidFill>
+              </a:rPr>
+              <a:t>张三</a:t>
+            </a:r>
+            <a:endParaRPr lang="zh-CN" altLang="en-US" sz="1000">
+              <a:solidFill>
+                <a:schemeClr val="accent6"/>
+              </a:solidFill>
+            </a:endParaRPr>
+          </a:p>
+        </p:txBody>
+      </p:sp>
+      <p:sp>
+        <p:nvSpPr>
+          <p:cNvPr id="20" name="矩形 19"/>
+          <p:cNvSpPr/>
+          <p:nvPr/>
+        </p:nvSpPr>
+        <p:spPr>
+          <a:xfrm>
+            <a:off x="5512435" y="1401445"/>
+            <a:ext cx="1049020" cy="322580"/>
+          </a:xfrm>
+          <a:prstGeom prst="rect">
+            <a:avLst/>
+          </a:prstGeom>
+        </p:spPr>
+        <p:style>
+          <a:lnRef idx="2">
+            <a:schemeClr val="accent6"/>
+          </a:lnRef>
+          <a:fillRef idx="1">
+            <a:schemeClr val="lt1"/>
+          </a:fillRef>
+          <a:effectRef idx="0">
+            <a:schemeClr val="accent6"/>
+          </a:effectRef>
+          <a:fontRef idx="minor">
+            <a:schemeClr val="dk1"/>
+          </a:fontRef>
+        </p:style>
+        <p:txBody>
+          <a:bodyPr rtlCol="0" anchor="ctr"/>
+          <a:p>
+            <a:pPr algn="ctr"/>
+            <a:r>
+              <a:rPr lang="en-US" altLang="zh-CN" sz="1000">
+                <a:solidFill>
+                  <a:schemeClr val="accent6"/>
+                </a:solidFill>
+              </a:rPr>
+              <a:t>1</a:t>
+            </a:r>
+            <a:r>
+              <a:rPr lang="zh-CN" altLang="en-US" sz="1000">
+                <a:solidFill>
+                  <a:schemeClr val="accent6"/>
+                </a:solidFill>
+              </a:rPr>
+              <a:t>间 智享大床房</a:t>
+            </a:r>
+            <a:endParaRPr lang="zh-CN" altLang="en-US" sz="1000">
+              <a:solidFill>
+                <a:schemeClr val="accent6"/>
+              </a:solidFill>
+            </a:endParaRPr>
+          </a:p>
+        </p:txBody>
+      </p:sp>
+      <p:sp>
+        <p:nvSpPr>
+          <p:cNvPr id="21" name="矩形 20"/>
+          <p:cNvSpPr/>
+          <p:nvPr/>
+        </p:nvSpPr>
+        <p:spPr>
+          <a:xfrm>
+            <a:off x="6561455" y="1401445"/>
+            <a:ext cx="908685" cy="322580"/>
+          </a:xfrm>
+          <a:prstGeom prst="rect">
+            <a:avLst/>
+          </a:prstGeom>
+        </p:spPr>
+        <p:style>
+          <a:lnRef idx="2">
+            <a:schemeClr val="accent6"/>
+          </a:lnRef>
+          <a:fillRef idx="1">
+            <a:schemeClr val="lt1"/>
+          </a:fillRef>
+          <a:effectRef idx="0">
+            <a:schemeClr val="accent6"/>
+          </a:effectRef>
+          <a:fontRef idx="minor">
+            <a:schemeClr val="dk1"/>
+          </a:fontRef>
+        </p:style>
+        <p:txBody>
+          <a:bodyPr rtlCol="0" anchor="ctr"/>
+          <a:p>
+            <a:pPr algn="ctr"/>
+            <a:r>
+              <a:rPr lang="en-US" sz="1000">
+                <a:solidFill>
+                  <a:schemeClr val="accent6"/>
+                </a:solidFill>
+              </a:rPr>
+              <a:t>05-26</a:t>
+            </a:r>
+            <a:r>
+              <a:rPr lang="zh-CN" altLang="en-US" sz="1000">
+                <a:solidFill>
+                  <a:schemeClr val="accent6"/>
+                </a:solidFill>
+              </a:rPr>
+              <a:t>至</a:t>
+            </a:r>
+            <a:r>
+              <a:rPr lang="en-US" altLang="zh-CN" sz="1000">
+                <a:solidFill>
+                  <a:schemeClr val="accent6"/>
+                </a:solidFill>
+              </a:rPr>
+              <a:t>05-27</a:t>
+            </a:r>
+            <a:endParaRPr lang="en-US" altLang="zh-CN" sz="1000">
+              <a:solidFill>
+                <a:schemeClr val="accent6"/>
+              </a:solidFill>
+            </a:endParaRPr>
+          </a:p>
+        </p:txBody>
+      </p:sp>
+      <p:sp>
+        <p:nvSpPr>
+          <p:cNvPr id="22" name="矩形 21"/>
+          <p:cNvSpPr/>
+          <p:nvPr/>
+        </p:nvSpPr>
+        <p:spPr>
+          <a:xfrm>
+            <a:off x="7470140" y="1401445"/>
+            <a:ext cx="400050" cy="322580"/>
+          </a:xfrm>
+          <a:prstGeom prst="rect">
+            <a:avLst/>
+          </a:prstGeom>
+        </p:spPr>
+        <p:style>
+          <a:lnRef idx="2">
+            <a:schemeClr val="accent6"/>
+          </a:lnRef>
+          <a:fillRef idx="1">
+            <a:schemeClr val="lt1"/>
+          </a:fillRef>
+          <a:effectRef idx="0">
+            <a:schemeClr val="accent6"/>
+          </a:effectRef>
+          <a:fontRef idx="minor">
+            <a:schemeClr val="dk1"/>
+          </a:fontRef>
+        </p:style>
+        <p:txBody>
+          <a:bodyPr rtlCol="0" anchor="ctr"/>
+          <a:p>
+            <a:pPr algn="ctr"/>
+            <a:r>
+              <a:rPr lang="en-US" sz="1000">
+                <a:solidFill>
+                  <a:schemeClr val="accent6"/>
+                </a:solidFill>
+              </a:rPr>
+              <a:t>100</a:t>
+            </a:r>
+            <a:endParaRPr lang="en-US" sz="1000">
+              <a:solidFill>
+                <a:schemeClr val="accent6"/>
+              </a:solidFill>
+            </a:endParaRPr>
+          </a:p>
+        </p:txBody>
+      </p:sp>
+      <p:sp>
+        <p:nvSpPr>
+          <p:cNvPr id="23" name="矩形 22"/>
+          <p:cNvSpPr/>
+          <p:nvPr/>
+        </p:nvSpPr>
+        <p:spPr>
+          <a:xfrm>
+            <a:off x="4520565" y="1821180"/>
+            <a:ext cx="3340735" cy="313055"/>
+          </a:xfrm>
+          <a:prstGeom prst="rect">
+            <a:avLst/>
+          </a:prstGeom>
+          <a:ln w="19050"/>
+          <a:extLst>
+            <a:ext uri="{909E8E84-426E-40DD-AFC4-6F175D3DCCD1}">
+              <a14:hiddenFill xmlns:a14="http://schemas.microsoft.com/office/drawing/2010/main">
+                <a:solidFill>
+                  <a:schemeClr val="accent1"/>
+                </a:solidFill>
+              </a14:hiddenFill>
+            </a:ext>
+          </a:extLst>
+        </p:spPr>
+        <p:style>
+          <a:lnRef idx="2">
+            <a:schemeClr val="accent6"/>
+          </a:lnRef>
+          <a:fillRef idx="1">
+            <a:schemeClr val="lt1"/>
+          </a:fillRef>
+          <a:effectRef idx="0">
+            <a:schemeClr val="accent6"/>
+          </a:effectRef>
+          <a:fontRef idx="minor">
+            <a:schemeClr val="dk1"/>
+          </a:fontRef>
+        </p:style>
+        <p:txBody>
+          <a:bodyPr rtlCol="0" anchor="ctr"/>
+          <a:p>
+            <a:pPr algn="ctr"/>
+            <a:endParaRPr lang="zh-CN" altLang="en-US"/>
+          </a:p>
+        </p:txBody>
+      </p:sp>
+      <p:sp>
+        <p:nvSpPr>
+          <p:cNvPr id="24" name="矩形 23"/>
+          <p:cNvSpPr/>
+          <p:nvPr/>
+        </p:nvSpPr>
+        <p:spPr>
+          <a:xfrm>
+            <a:off x="4511040" y="1811655"/>
+            <a:ext cx="546735" cy="322580"/>
+          </a:xfrm>
+          <a:prstGeom prst="rect">
+            <a:avLst/>
+          </a:prstGeom>
+        </p:spPr>
+        <p:style>
+          <a:lnRef idx="2">
+            <a:schemeClr val="accent6">
+              <a:shade val="50000"/>
+            </a:schemeClr>
+          </a:lnRef>
+          <a:fillRef idx="1">
+            <a:schemeClr val="accent6"/>
+          </a:fillRef>
+          <a:effectRef idx="0">
+            <a:schemeClr val="accent6"/>
+          </a:effectRef>
+          <a:fontRef idx="minor">
+            <a:schemeClr val="lt1"/>
+          </a:fontRef>
+        </p:style>
+        <p:txBody>
+          <a:bodyPr rtlCol="0" anchor="ctr"/>
+          <a:p>
+            <a:pPr algn="ctr"/>
+            <a:r>
+              <a:rPr lang="zh-CN" altLang="en-US" sz="1000">
+                <a:solidFill>
+                  <a:schemeClr val="bg1"/>
+                </a:solidFill>
+              </a:rPr>
+              <a:t>微信</a:t>
+            </a:r>
+            <a:endParaRPr lang="zh-CN" altLang="en-US" sz="1000">
+              <a:solidFill>
+                <a:schemeClr val="bg1"/>
+              </a:solidFill>
+            </a:endParaRPr>
+          </a:p>
+        </p:txBody>
+      </p:sp>
+      <p:sp>
+        <p:nvSpPr>
+          <p:cNvPr id="25" name="矩形 24"/>
+          <p:cNvSpPr/>
+          <p:nvPr/>
+        </p:nvSpPr>
+        <p:spPr>
+          <a:xfrm>
+            <a:off x="5057775" y="1811655"/>
+            <a:ext cx="445135" cy="322580"/>
+          </a:xfrm>
+          <a:prstGeom prst="rect">
+            <a:avLst/>
+          </a:prstGeom>
+        </p:spPr>
+        <p:style>
+          <a:lnRef idx="2">
+            <a:schemeClr val="accent6"/>
+          </a:lnRef>
+          <a:fillRef idx="1">
+            <a:schemeClr val="lt1"/>
+          </a:fillRef>
+          <a:effectRef idx="0">
+            <a:schemeClr val="accent6"/>
+          </a:effectRef>
+          <a:fontRef idx="minor">
+            <a:schemeClr val="dk1"/>
+          </a:fontRef>
+        </p:style>
+        <p:txBody>
+          <a:bodyPr rtlCol="0" anchor="ctr"/>
+          <a:p>
+            <a:pPr algn="ctr"/>
+            <a:r>
+              <a:rPr lang="zh-CN" altLang="en-US" sz="1000">
+                <a:solidFill>
+                  <a:schemeClr val="accent6"/>
+                </a:solidFill>
+              </a:rPr>
+              <a:t>张三</a:t>
+            </a:r>
+            <a:endParaRPr lang="zh-CN" altLang="en-US" sz="1000">
+              <a:solidFill>
+                <a:schemeClr val="accent6"/>
+              </a:solidFill>
+            </a:endParaRPr>
+          </a:p>
+        </p:txBody>
+      </p:sp>
+      <p:sp>
+        <p:nvSpPr>
+          <p:cNvPr id="26" name="矩形 25"/>
+          <p:cNvSpPr/>
+          <p:nvPr/>
+        </p:nvSpPr>
+        <p:spPr>
+          <a:xfrm>
+            <a:off x="5502910" y="1811655"/>
+            <a:ext cx="1049020" cy="322580"/>
+          </a:xfrm>
+          <a:prstGeom prst="rect">
+            <a:avLst/>
+          </a:prstGeom>
+        </p:spPr>
+        <p:style>
+          <a:lnRef idx="2">
+            <a:schemeClr val="accent6"/>
+          </a:lnRef>
+          <a:fillRef idx="1">
+            <a:schemeClr val="lt1"/>
+          </a:fillRef>
+          <a:effectRef idx="0">
+            <a:schemeClr val="accent6"/>
+          </a:effectRef>
+          <a:fontRef idx="minor">
+            <a:schemeClr val="dk1"/>
+          </a:fontRef>
+        </p:style>
+        <p:txBody>
+          <a:bodyPr rtlCol="0" anchor="ctr"/>
+          <a:p>
+            <a:pPr algn="ctr"/>
+            <a:r>
+              <a:rPr lang="en-US" altLang="zh-CN" sz="1000">
+                <a:solidFill>
+                  <a:schemeClr val="accent6"/>
+                </a:solidFill>
+              </a:rPr>
+              <a:t>1</a:t>
+            </a:r>
+            <a:r>
+              <a:rPr lang="zh-CN" altLang="en-US" sz="1000">
+                <a:solidFill>
+                  <a:schemeClr val="accent6"/>
+                </a:solidFill>
+              </a:rPr>
+              <a:t>间 智享大床房</a:t>
+            </a:r>
+            <a:endParaRPr lang="zh-CN" altLang="en-US" sz="1000">
+              <a:solidFill>
+                <a:schemeClr val="accent6"/>
+              </a:solidFill>
+            </a:endParaRPr>
+          </a:p>
+        </p:txBody>
+      </p:sp>
+      <p:sp>
+        <p:nvSpPr>
+          <p:cNvPr id="27" name="矩形 26"/>
+          <p:cNvSpPr/>
+          <p:nvPr/>
+        </p:nvSpPr>
+        <p:spPr>
+          <a:xfrm>
+            <a:off x="6551930" y="1811655"/>
+            <a:ext cx="908685" cy="322580"/>
+          </a:xfrm>
+          <a:prstGeom prst="rect">
+            <a:avLst/>
+          </a:prstGeom>
+        </p:spPr>
+        <p:style>
+          <a:lnRef idx="2">
+            <a:schemeClr val="accent6"/>
+          </a:lnRef>
+          <a:fillRef idx="1">
+            <a:schemeClr val="lt1"/>
+          </a:fillRef>
+          <a:effectRef idx="0">
+            <a:schemeClr val="accent6"/>
+          </a:effectRef>
+          <a:fontRef idx="minor">
+            <a:schemeClr val="dk1"/>
+          </a:fontRef>
+        </p:style>
+        <p:txBody>
+          <a:bodyPr rtlCol="0" anchor="ctr"/>
+          <a:p>
+            <a:pPr algn="ctr"/>
+            <a:r>
+              <a:rPr lang="en-US" sz="1000">
+                <a:solidFill>
+                  <a:schemeClr val="accent6"/>
+                </a:solidFill>
+              </a:rPr>
+              <a:t>05-26</a:t>
+            </a:r>
+            <a:r>
+              <a:rPr lang="zh-CN" altLang="en-US" sz="1000">
+                <a:solidFill>
+                  <a:schemeClr val="accent6"/>
+                </a:solidFill>
+              </a:rPr>
+              <a:t>至</a:t>
+            </a:r>
+            <a:r>
+              <a:rPr lang="en-US" altLang="zh-CN" sz="1000">
+                <a:solidFill>
+                  <a:schemeClr val="accent6"/>
+                </a:solidFill>
+              </a:rPr>
+              <a:t>05-27</a:t>
+            </a:r>
+            <a:endParaRPr lang="en-US" altLang="zh-CN" sz="1000">
+              <a:solidFill>
+                <a:schemeClr val="accent6"/>
+              </a:solidFill>
+            </a:endParaRPr>
+          </a:p>
+        </p:txBody>
+      </p:sp>
+      <p:sp>
+        <p:nvSpPr>
+          <p:cNvPr id="28" name="矩形 27"/>
+          <p:cNvSpPr/>
+          <p:nvPr/>
+        </p:nvSpPr>
+        <p:spPr>
+          <a:xfrm>
+            <a:off x="7460615" y="1811655"/>
+            <a:ext cx="400050" cy="322580"/>
+          </a:xfrm>
+          <a:prstGeom prst="rect">
+            <a:avLst/>
+          </a:prstGeom>
+        </p:spPr>
+        <p:style>
+          <a:lnRef idx="2">
+            <a:schemeClr val="accent6"/>
+          </a:lnRef>
+          <a:fillRef idx="1">
+            <a:schemeClr val="lt1"/>
+          </a:fillRef>
+          <a:effectRef idx="0">
+            <a:schemeClr val="accent6"/>
+          </a:effectRef>
+          <a:fontRef idx="minor">
+            <a:schemeClr val="dk1"/>
+          </a:fontRef>
+        </p:style>
+        <p:txBody>
+          <a:bodyPr rtlCol="0" anchor="ctr"/>
+          <a:p>
+            <a:pPr algn="ctr"/>
+            <a:r>
+              <a:rPr lang="en-US" sz="1000">
+                <a:solidFill>
+                  <a:schemeClr val="accent6"/>
+                </a:solidFill>
+              </a:rPr>
+              <a:t>100</a:t>
+            </a:r>
+            <a:endParaRPr lang="en-US" sz="1000">
+              <a:solidFill>
+                <a:schemeClr val="accent6"/>
+              </a:solidFill>
+            </a:endParaRPr>
+          </a:p>
+        </p:txBody>
+      </p:sp>
+      <p:sp>
+        <p:nvSpPr>
+          <p:cNvPr id="55" name="矩形 54"/>
+          <p:cNvSpPr/>
+          <p:nvPr/>
+        </p:nvSpPr>
+        <p:spPr>
+          <a:xfrm>
+            <a:off x="4345305" y="154305"/>
+            <a:ext cx="3710305" cy="465455"/>
+          </a:xfrm>
+          <a:prstGeom prst="rect">
+            <a:avLst/>
+          </a:prstGeom>
+          <a:noFill/>
+          <a:ln w="19050"/>
+          <a:extLst>
+            <a:ext uri="{909E8E84-426E-40DD-AFC4-6F175D3DCCD1}">
+              <a14:hiddenFill xmlns:a14="http://schemas.microsoft.com/office/drawing/2010/main">
+                <a:solidFill>
+                  <a:schemeClr val="accent1"/>
+                </a:solidFill>
+              </a14:hiddenFill>
+            </a:ext>
+          </a:extLst>
+        </p:spPr>
+        <p:style>
+          <a:lnRef idx="2">
+            <a:schemeClr val="accent1">
+              <a:shade val="50000"/>
+            </a:schemeClr>
+          </a:lnRef>
+          <a:fillRef idx="1">
+            <a:schemeClr val="accent1"/>
+          </a:fillRef>
+          <a:effectRef idx="0">
+            <a:schemeClr val="accent1"/>
+          </a:effectRef>
+          <a:fontRef idx="minor">
+            <a:schemeClr val="lt1"/>
+          </a:fontRef>
+        </p:style>
+        <p:txBody>
+          <a:bodyPr rtlCol="0" anchor="ctr"/>
+          <a:p>
+            <a:pPr algn="ctr"/>
+            <a:endParaRPr lang="zh-CN" altLang="en-US"/>
+          </a:p>
+        </p:txBody>
+      </p:sp>
+      <p:sp>
+        <p:nvSpPr>
+          <p:cNvPr id="56" name="矩形 55"/>
+          <p:cNvSpPr/>
+          <p:nvPr/>
+        </p:nvSpPr>
+        <p:spPr>
+          <a:xfrm>
+            <a:off x="7169150" y="154940"/>
+            <a:ext cx="887095" cy="464185"/>
+          </a:xfrm>
+          <a:prstGeom prst="rect">
+            <a:avLst/>
+          </a:prstGeom>
+          <a:extLst>
+            <a:ext uri="{909E8E84-426E-40DD-AFC4-6F175D3DCCD1}">
+              <a14:hiddenFill xmlns:a14="http://schemas.microsoft.com/office/drawing/2010/main">
+                <a:solidFill>
+                  <a:schemeClr val="accent1"/>
+                </a:solidFill>
+              </a14:hiddenFill>
+            </a:ext>
+          </a:extLst>
+        </p:spPr>
+        <p:style>
+          <a:lnRef idx="1">
+            <a:schemeClr val="accent6"/>
+          </a:lnRef>
+          <a:fillRef idx="3">
+            <a:schemeClr val="accent6"/>
+          </a:fillRef>
+          <a:effectRef idx="2">
+            <a:schemeClr val="accent6"/>
+          </a:effectRef>
+          <a:fontRef idx="minor">
+            <a:schemeClr val="lt1"/>
+          </a:fontRef>
+        </p:style>
+        <p:txBody>
+          <a:bodyPr rtlCol="0" anchor="ctr"/>
+          <a:p>
+            <a:pPr algn="ctr"/>
+            <a:r>
+              <a:rPr lang="zh-CN" altLang="en-US" sz="1200">
+                <a:solidFill>
+                  <a:schemeClr val="bg1"/>
+                </a:solidFill>
+              </a:rPr>
               <a:t>创建订单</a:t>
             </a:r>
+            <a:endParaRPr lang="zh-CN" altLang="en-US" sz="1200">
+              <a:solidFill>
+                <a:schemeClr val="bg1"/>
+              </a:solidFill>
+            </a:endParaRPr>
+          </a:p>
+        </p:txBody>
+      </p:sp>
+      <p:sp>
+        <p:nvSpPr>
+          <p:cNvPr id="57" name="矩形 56"/>
+          <p:cNvSpPr/>
+          <p:nvPr/>
+        </p:nvSpPr>
+        <p:spPr>
+          <a:xfrm>
+            <a:off x="4454525" y="249555"/>
+            <a:ext cx="798830" cy="339725"/>
+          </a:xfrm>
+          <a:prstGeom prst="rect">
+            <a:avLst/>
+          </a:prstGeom>
+          <a:solidFill>
+            <a:schemeClr val="bg1"/>
+          </a:solidFill>
+          <a:ln>
+            <a:noFill/>
+          </a:ln>
+          <a:extLst>
+            <a:ext uri="{909E8E84-426E-40DD-AFC4-6F175D3DCCD1}">
+              <a14:hiddenFill xmlns:a14="http://schemas.microsoft.com/office/drawing/2010/main">
+                <a:solidFill>
+                  <a:schemeClr val="accent1"/>
+                </a:solidFill>
+              </a14:hiddenFill>
+            </a:ext>
+          </a:extLst>
+        </p:spPr>
+        <p:style>
+          <a:lnRef idx="1">
+            <a:schemeClr val="accent5"/>
+          </a:lnRef>
+          <a:fillRef idx="3">
+            <a:schemeClr val="accent5"/>
+          </a:fillRef>
+          <a:effectRef idx="2">
+            <a:schemeClr val="accent5"/>
+          </a:effectRef>
+          <a:fontRef idx="minor">
+            <a:schemeClr val="lt1"/>
+          </a:fontRef>
+        </p:style>
+        <p:txBody>
+          <a:bodyPr rtlCol="0" anchor="ctr"/>
+          <a:p>
+            <a:pPr algn="ctr"/>
+            <a:r>
+              <a:rPr lang="zh-CN" altLang="en-US" sz="1200">
+                <a:gradFill>
+                  <a:gsLst>
+                    <a:gs pos="0">
+                      <a:srgbClr val="007BD3"/>
+                    </a:gs>
+                    <a:gs pos="100000">
+                      <a:srgbClr val="034373"/>
+                    </a:gs>
+                  </a:gsLst>
+                  <a:lin scaled="0"/>
+                </a:gradFill>
+              </a:rPr>
+              <a:t>待入住  </a:t>
+            </a:r>
+            <a:r>
+              <a:rPr lang="en-US" altLang="zh-CN" sz="1200">
+                <a:gradFill>
+                  <a:gsLst>
+                    <a:gs pos="0">
+                      <a:srgbClr val="007BD3"/>
+                    </a:gs>
+                    <a:gs pos="100000">
+                      <a:srgbClr val="034373"/>
+                    </a:gs>
+                  </a:gsLst>
+                  <a:lin scaled="0"/>
+                </a:gradFill>
+              </a:rPr>
+              <a:t>3</a:t>
+            </a:r>
+            <a:endParaRPr lang="en-US" altLang="zh-CN" sz="1200">
+              <a:gradFill>
+                <a:gsLst>
+                  <a:gs pos="0">
+                    <a:srgbClr val="007BD3"/>
+                  </a:gs>
+                  <a:gs pos="100000">
+                    <a:srgbClr val="034373"/>
+                  </a:gs>
+                </a:gsLst>
+                <a:lin scaled="0"/>
+              </a:gradFill>
+            </a:endParaRPr>
+          </a:p>
+        </p:txBody>
+      </p:sp>
+      <p:sp>
+        <p:nvSpPr>
+          <p:cNvPr id="58" name="矩形 57"/>
+          <p:cNvSpPr/>
+          <p:nvPr/>
+        </p:nvSpPr>
+        <p:spPr>
+          <a:xfrm>
+            <a:off x="5337810" y="249555"/>
+            <a:ext cx="798830" cy="369570"/>
+          </a:xfrm>
+          <a:prstGeom prst="rect">
+            <a:avLst/>
+          </a:prstGeom>
+          <a:solidFill>
+            <a:schemeClr val="accent5"/>
+          </a:solidFill>
+          <a:ln w="19050">
+            <a:noFill/>
+          </a:ln>
+        </p:spPr>
+        <p:style>
+          <a:lnRef idx="2">
+            <a:schemeClr val="accent1">
+              <a:shade val="50000"/>
+            </a:schemeClr>
+          </a:lnRef>
+          <a:fillRef idx="1">
+            <a:schemeClr val="accent1"/>
+          </a:fillRef>
+          <a:effectRef idx="0">
+            <a:schemeClr val="accent1"/>
+          </a:effectRef>
+          <a:fontRef idx="minor">
+            <a:schemeClr val="lt1"/>
+          </a:fontRef>
+        </p:style>
+        <p:txBody>
+          <a:bodyPr rtlCol="0" anchor="ctr"/>
+          <a:p>
+            <a:pPr algn="ctr"/>
+            <a:r>
+              <a:rPr lang="zh-CN" altLang="en-US" sz="1200">
+                <a:solidFill>
+                  <a:schemeClr val="bg1"/>
+                </a:solidFill>
+              </a:rPr>
+              <a:t>入住中 </a:t>
+            </a:r>
+            <a:r>
+              <a:rPr lang="en-US" altLang="zh-CN" sz="1200">
+                <a:solidFill>
+                  <a:schemeClr val="bg1"/>
+                </a:solidFill>
+              </a:rPr>
+              <a:t>6</a:t>
+            </a:r>
+            <a:endParaRPr lang="en-US" altLang="zh-CN" sz="1200">
+              <a:solidFill>
+                <a:schemeClr val="bg1"/>
+              </a:solidFill>
+            </a:endParaRPr>
+          </a:p>
+        </p:txBody>
+      </p:sp>
+      <p:sp>
+        <p:nvSpPr>
+          <p:cNvPr id="59" name="矩形 58"/>
+          <p:cNvSpPr/>
+          <p:nvPr/>
+        </p:nvSpPr>
+        <p:spPr>
+          <a:xfrm>
+            <a:off x="6245225" y="250190"/>
+            <a:ext cx="798830" cy="339725"/>
+          </a:xfrm>
+          <a:prstGeom prst="rect">
+            <a:avLst/>
+          </a:prstGeom>
+          <a:noFill/>
+          <a:ln w="19050">
+            <a:noFill/>
+          </a:ln>
+          <a:extLst>
+            <a:ext uri="{909E8E84-426E-40DD-AFC4-6F175D3DCCD1}">
+              <a14:hiddenFill xmlns:a14="http://schemas.microsoft.com/office/drawing/2010/main">
+                <a:solidFill>
+                  <a:schemeClr val="accent1"/>
+                </a:solidFill>
+              </a14:hiddenFill>
+            </a:ext>
+          </a:extLst>
+        </p:spPr>
+        <p:style>
+          <a:lnRef idx="2">
+            <a:schemeClr val="accent1">
+              <a:shade val="50000"/>
+            </a:schemeClr>
+          </a:lnRef>
+          <a:fillRef idx="1">
+            <a:schemeClr val="accent1"/>
+          </a:fillRef>
+          <a:effectRef idx="0">
+            <a:schemeClr val="accent1"/>
+          </a:effectRef>
+          <a:fontRef idx="minor">
+            <a:schemeClr val="lt1"/>
+          </a:fontRef>
+        </p:style>
+        <p:txBody>
+          <a:bodyPr rtlCol="0" anchor="ctr"/>
+          <a:p>
+            <a:pPr algn="ctr"/>
+            <a:r>
+              <a:rPr lang="zh-CN" altLang="en-US" sz="1200">
+                <a:gradFill>
+                  <a:gsLst>
+                    <a:gs pos="0">
+                      <a:srgbClr val="007BD3"/>
+                    </a:gs>
+                    <a:gs pos="100000">
+                      <a:srgbClr val="034373"/>
+                    </a:gs>
+                  </a:gsLst>
+                  <a:lin scaled="0"/>
+                </a:gradFill>
+              </a:rPr>
+              <a:t>全部</a:t>
+            </a:r>
+            <a:endParaRPr lang="zh-CN" altLang="en-US" sz="1200">
+              <a:gradFill>
+                <a:gsLst>
+                  <a:gs pos="0">
+                    <a:srgbClr val="007BD3"/>
+                  </a:gs>
+                  <a:gs pos="100000">
+                    <a:srgbClr val="034373"/>
+                  </a:gs>
+                </a:gsLst>
+                <a:lin scaled="0"/>
+              </a:gradFill>
+            </a:endParaRPr>
+          </a:p>
+        </p:txBody>
+      </p:sp>
+      <p:sp>
+        <p:nvSpPr>
+          <p:cNvPr id="2" name="矩形 1"/>
+          <p:cNvSpPr/>
+          <p:nvPr/>
+        </p:nvSpPr>
+        <p:spPr>
+          <a:xfrm>
+            <a:off x="4435475" y="923925"/>
+            <a:ext cx="3533140" cy="1304925"/>
+          </a:xfrm>
+          <a:prstGeom prst="rect">
+            <a:avLst/>
+          </a:prstGeom>
+          <a:noFill/>
+          <a:ln w="19050"/>
+          <a:extLst>
+            <a:ext uri="{909E8E84-426E-40DD-AFC4-6F175D3DCCD1}">
+              <a14:hiddenFill xmlns:a14="http://schemas.microsoft.com/office/drawing/2010/main">
+                <a:solidFill>
+                  <a:schemeClr val="lt1"/>
+                </a:solidFill>
+              </a14:hiddenFill>
+            </a:ext>
+          </a:extLst>
+        </p:spPr>
+        <p:style>
+          <a:lnRef idx="2">
+            <a:schemeClr val="accent6"/>
+          </a:lnRef>
+          <a:fillRef idx="1">
+            <a:schemeClr val="lt1"/>
+          </a:fillRef>
+          <a:effectRef idx="0">
+            <a:schemeClr val="accent6"/>
+          </a:effectRef>
+          <a:fontRef idx="minor">
+            <a:schemeClr val="dk1"/>
+          </a:fontRef>
+        </p:style>
+        <p:txBody>
+          <a:bodyPr rtlCol="0" anchor="ctr"/>
+          <a:p>
+            <a:pPr algn="ctr"/>
             <a:endParaRPr lang="zh-CN" altLang="en-US"/>
+          </a:p>
+        </p:txBody>
+      </p:sp>
+      <p:sp>
+        <p:nvSpPr>
+          <p:cNvPr id="3" name="矩形 2"/>
+          <p:cNvSpPr/>
+          <p:nvPr/>
+        </p:nvSpPr>
+        <p:spPr>
+          <a:xfrm>
+            <a:off x="4425950" y="675640"/>
+            <a:ext cx="819150" cy="248285"/>
+          </a:xfrm>
+          <a:prstGeom prst="rect">
+            <a:avLst/>
+          </a:prstGeom>
+          <a:solidFill>
+            <a:schemeClr val="accent6"/>
+          </a:solidFill>
+          <a:ln w="19050">
+            <a:noFill/>
+          </a:ln>
+        </p:spPr>
+        <p:style>
+          <a:lnRef idx="2">
+            <a:schemeClr val="accent1">
+              <a:shade val="50000"/>
+            </a:schemeClr>
+          </a:lnRef>
+          <a:fillRef idx="1">
+            <a:schemeClr val="accent1"/>
+          </a:fillRef>
+          <a:effectRef idx="0">
+            <a:schemeClr val="accent1"/>
+          </a:effectRef>
+          <a:fontRef idx="minor">
+            <a:schemeClr val="lt1"/>
+          </a:fontRef>
+        </p:style>
+        <p:txBody>
+          <a:bodyPr rtlCol="0" anchor="ctr"/>
+          <a:p>
+            <a:pPr algn="ctr"/>
+            <a:r>
+              <a:rPr lang="zh-CN" altLang="en-US" sz="1000">
+                <a:solidFill>
+                  <a:schemeClr val="bg1"/>
+                </a:solidFill>
+              </a:rPr>
+              <a:t>今日离店</a:t>
+            </a:r>
+            <a:endParaRPr lang="zh-CN" altLang="en-US" sz="1000">
+              <a:solidFill>
+                <a:schemeClr val="bg1"/>
+              </a:solidFill>
+            </a:endParaRPr>
+          </a:p>
+        </p:txBody>
+      </p:sp>
+      <p:sp>
+        <p:nvSpPr>
+          <p:cNvPr id="13" name="矩形 12"/>
+          <p:cNvSpPr/>
+          <p:nvPr/>
+        </p:nvSpPr>
+        <p:spPr>
+          <a:xfrm>
+            <a:off x="4530090" y="2451100"/>
+            <a:ext cx="3340735" cy="313055"/>
+          </a:xfrm>
+          <a:prstGeom prst="rect">
+            <a:avLst/>
+          </a:prstGeom>
+          <a:ln w="19050"/>
+          <a:extLst>
+            <a:ext uri="{909E8E84-426E-40DD-AFC4-6F175D3DCCD1}">
+              <a14:hiddenFill xmlns:a14="http://schemas.microsoft.com/office/drawing/2010/main">
+                <a:solidFill>
+                  <a:schemeClr val="accent1"/>
+                </a:solidFill>
+              </a14:hiddenFill>
+            </a:ext>
+          </a:extLst>
+        </p:spPr>
+        <p:style>
+          <a:lnRef idx="2">
+            <a:schemeClr val="accent6"/>
+          </a:lnRef>
+          <a:fillRef idx="1">
+            <a:schemeClr val="lt1"/>
+          </a:fillRef>
+          <a:effectRef idx="0">
+            <a:schemeClr val="accent6"/>
+          </a:effectRef>
+          <a:fontRef idx="minor">
+            <a:schemeClr val="dk1"/>
+          </a:fontRef>
+        </p:style>
+        <p:txBody>
+          <a:bodyPr rtlCol="0" anchor="ctr"/>
+          <a:p>
+            <a:pPr algn="ctr"/>
+            <a:endParaRPr lang="zh-CN" altLang="en-US"/>
+          </a:p>
+        </p:txBody>
+      </p:sp>
+      <p:sp>
+        <p:nvSpPr>
+          <p:cNvPr id="29" name="矩形 28"/>
+          <p:cNvSpPr/>
+          <p:nvPr/>
+        </p:nvSpPr>
+        <p:spPr>
+          <a:xfrm>
+            <a:off x="4520565" y="2441575"/>
+            <a:ext cx="546735" cy="322580"/>
+          </a:xfrm>
+          <a:prstGeom prst="rect">
+            <a:avLst/>
+          </a:prstGeom>
+        </p:spPr>
+        <p:style>
+          <a:lnRef idx="2">
+            <a:schemeClr val="accent4">
+              <a:shade val="50000"/>
+            </a:schemeClr>
+          </a:lnRef>
+          <a:fillRef idx="1">
+            <a:schemeClr val="accent4"/>
+          </a:fillRef>
+          <a:effectRef idx="0">
+            <a:schemeClr val="accent4"/>
+          </a:effectRef>
+          <a:fontRef idx="minor">
+            <a:schemeClr val="lt1"/>
+          </a:fontRef>
+        </p:style>
+        <p:txBody>
+          <a:bodyPr rtlCol="0" anchor="ctr"/>
+          <a:p>
+            <a:pPr algn="ctr"/>
+            <a:r>
+              <a:rPr lang="zh-CN" altLang="en-US" sz="1000">
+                <a:solidFill>
+                  <a:schemeClr val="bg1"/>
+                </a:solidFill>
+              </a:rPr>
+              <a:t>美团</a:t>
+            </a:r>
+            <a:endParaRPr lang="zh-CN" altLang="en-US" sz="1000">
+              <a:solidFill>
+                <a:schemeClr val="bg1"/>
+              </a:solidFill>
+            </a:endParaRPr>
+          </a:p>
+        </p:txBody>
+      </p:sp>
+      <p:sp>
+        <p:nvSpPr>
+          <p:cNvPr id="30" name="矩形 29"/>
+          <p:cNvSpPr/>
+          <p:nvPr/>
+        </p:nvSpPr>
+        <p:spPr>
+          <a:xfrm>
+            <a:off x="5067300" y="2441575"/>
+            <a:ext cx="445135" cy="322580"/>
+          </a:xfrm>
+          <a:prstGeom prst="rect">
+            <a:avLst/>
+          </a:prstGeom>
+        </p:spPr>
+        <p:style>
+          <a:lnRef idx="2">
+            <a:schemeClr val="accent6"/>
+          </a:lnRef>
+          <a:fillRef idx="1">
+            <a:schemeClr val="lt1"/>
+          </a:fillRef>
+          <a:effectRef idx="0">
+            <a:schemeClr val="accent6"/>
+          </a:effectRef>
+          <a:fontRef idx="minor">
+            <a:schemeClr val="dk1"/>
+          </a:fontRef>
+        </p:style>
+        <p:txBody>
+          <a:bodyPr rtlCol="0" anchor="ctr"/>
+          <a:p>
+            <a:pPr algn="ctr"/>
+            <a:r>
+              <a:rPr lang="zh-CN" altLang="en-US" sz="1000">
+                <a:solidFill>
+                  <a:schemeClr val="accent6"/>
+                </a:solidFill>
+              </a:rPr>
+              <a:t>张三</a:t>
+            </a:r>
+            <a:endParaRPr lang="zh-CN" altLang="en-US" sz="1000">
+              <a:solidFill>
+                <a:schemeClr val="accent6"/>
+              </a:solidFill>
+            </a:endParaRPr>
+          </a:p>
+        </p:txBody>
+      </p:sp>
+      <p:sp>
+        <p:nvSpPr>
+          <p:cNvPr id="31" name="矩形 30"/>
+          <p:cNvSpPr/>
+          <p:nvPr/>
+        </p:nvSpPr>
+        <p:spPr>
+          <a:xfrm>
+            <a:off x="5512435" y="2441575"/>
+            <a:ext cx="1049020" cy="322580"/>
+          </a:xfrm>
+          <a:prstGeom prst="rect">
+            <a:avLst/>
+          </a:prstGeom>
+        </p:spPr>
+        <p:style>
+          <a:lnRef idx="2">
+            <a:schemeClr val="accent6"/>
+          </a:lnRef>
+          <a:fillRef idx="1">
+            <a:schemeClr val="lt1"/>
+          </a:fillRef>
+          <a:effectRef idx="0">
+            <a:schemeClr val="accent6"/>
+          </a:effectRef>
+          <a:fontRef idx="minor">
+            <a:schemeClr val="dk1"/>
+          </a:fontRef>
+        </p:style>
+        <p:txBody>
+          <a:bodyPr rtlCol="0" anchor="ctr"/>
+          <a:p>
+            <a:pPr algn="ctr"/>
+            <a:r>
+              <a:rPr lang="en-US" altLang="zh-CN" sz="1000">
+                <a:solidFill>
+                  <a:schemeClr val="accent6"/>
+                </a:solidFill>
+              </a:rPr>
+              <a:t>1</a:t>
+            </a:r>
+            <a:r>
+              <a:rPr lang="zh-CN" altLang="en-US" sz="1000">
+                <a:solidFill>
+                  <a:schemeClr val="accent6"/>
+                </a:solidFill>
+              </a:rPr>
+              <a:t>间 智享大床房</a:t>
+            </a:r>
+            <a:endParaRPr lang="zh-CN" altLang="en-US" sz="1000">
+              <a:solidFill>
+                <a:schemeClr val="accent6"/>
+              </a:solidFill>
+            </a:endParaRPr>
+          </a:p>
+        </p:txBody>
+      </p:sp>
+      <p:sp>
+        <p:nvSpPr>
+          <p:cNvPr id="32" name="矩形 31"/>
+          <p:cNvSpPr/>
+          <p:nvPr/>
+        </p:nvSpPr>
+        <p:spPr>
+          <a:xfrm>
+            <a:off x="6561455" y="2441575"/>
+            <a:ext cx="908685" cy="322580"/>
+          </a:xfrm>
+          <a:prstGeom prst="rect">
+            <a:avLst/>
+          </a:prstGeom>
+        </p:spPr>
+        <p:style>
+          <a:lnRef idx="2">
+            <a:schemeClr val="accent6"/>
+          </a:lnRef>
+          <a:fillRef idx="1">
+            <a:schemeClr val="lt1"/>
+          </a:fillRef>
+          <a:effectRef idx="0">
+            <a:schemeClr val="accent6"/>
+          </a:effectRef>
+          <a:fontRef idx="minor">
+            <a:schemeClr val="dk1"/>
+          </a:fontRef>
+        </p:style>
+        <p:txBody>
+          <a:bodyPr rtlCol="0" anchor="ctr"/>
+          <a:p>
+            <a:pPr algn="ctr"/>
+            <a:r>
+              <a:rPr lang="en-US" sz="1000">
+                <a:solidFill>
+                  <a:schemeClr val="accent6"/>
+                </a:solidFill>
+              </a:rPr>
+              <a:t>05-26</a:t>
+            </a:r>
+            <a:r>
+              <a:rPr lang="zh-CN" altLang="en-US" sz="1000">
+                <a:solidFill>
+                  <a:schemeClr val="accent6"/>
+                </a:solidFill>
+              </a:rPr>
+              <a:t>至</a:t>
+            </a:r>
+            <a:r>
+              <a:rPr lang="en-US" altLang="zh-CN" sz="1000">
+                <a:solidFill>
+                  <a:schemeClr val="accent6"/>
+                </a:solidFill>
+              </a:rPr>
+              <a:t>05-28</a:t>
+            </a:r>
+            <a:endParaRPr lang="en-US" altLang="zh-CN" sz="1000">
+              <a:solidFill>
+                <a:schemeClr val="accent6"/>
+              </a:solidFill>
+            </a:endParaRPr>
+          </a:p>
+        </p:txBody>
+      </p:sp>
+      <p:sp>
+        <p:nvSpPr>
+          <p:cNvPr id="34" name="矩形 33"/>
+          <p:cNvSpPr/>
+          <p:nvPr/>
+        </p:nvSpPr>
+        <p:spPr>
+          <a:xfrm>
+            <a:off x="7470140" y="2441575"/>
+            <a:ext cx="400050" cy="322580"/>
+          </a:xfrm>
+          <a:prstGeom prst="rect">
+            <a:avLst/>
+          </a:prstGeom>
+        </p:spPr>
+        <p:style>
+          <a:lnRef idx="2">
+            <a:schemeClr val="accent6"/>
+          </a:lnRef>
+          <a:fillRef idx="1">
+            <a:schemeClr val="lt1"/>
+          </a:fillRef>
+          <a:effectRef idx="0">
+            <a:schemeClr val="accent6"/>
+          </a:effectRef>
+          <a:fontRef idx="minor">
+            <a:schemeClr val="dk1"/>
+          </a:fontRef>
+        </p:style>
+        <p:txBody>
+          <a:bodyPr rtlCol="0" anchor="ctr"/>
+          <a:p>
+            <a:pPr algn="ctr"/>
+            <a:r>
+              <a:rPr lang="en-US" sz="1000">
+                <a:solidFill>
+                  <a:schemeClr val="accent6"/>
+                </a:solidFill>
+              </a:rPr>
+              <a:t>100</a:t>
+            </a:r>
+            <a:endParaRPr lang="en-US" sz="1000">
+              <a:solidFill>
+                <a:schemeClr val="accent6"/>
+              </a:solidFill>
+            </a:endParaRPr>
+          </a:p>
+        </p:txBody>
+      </p:sp>
+      <p:sp>
+        <p:nvSpPr>
+          <p:cNvPr id="35" name="矩形 34"/>
+          <p:cNvSpPr/>
+          <p:nvPr/>
+        </p:nvSpPr>
+        <p:spPr>
+          <a:xfrm>
+            <a:off x="4530090" y="2852420"/>
+            <a:ext cx="3340735" cy="313055"/>
+          </a:xfrm>
+          <a:prstGeom prst="rect">
+            <a:avLst/>
+          </a:prstGeom>
+          <a:ln w="19050"/>
+          <a:extLst>
+            <a:ext uri="{909E8E84-426E-40DD-AFC4-6F175D3DCCD1}">
+              <a14:hiddenFill xmlns:a14="http://schemas.microsoft.com/office/drawing/2010/main">
+                <a:solidFill>
+                  <a:schemeClr val="accent1"/>
+                </a:solidFill>
+              </a14:hiddenFill>
+            </a:ext>
+          </a:extLst>
+        </p:spPr>
+        <p:style>
+          <a:lnRef idx="2">
+            <a:schemeClr val="accent6"/>
+          </a:lnRef>
+          <a:fillRef idx="1">
+            <a:schemeClr val="lt1"/>
+          </a:fillRef>
+          <a:effectRef idx="0">
+            <a:schemeClr val="accent6"/>
+          </a:effectRef>
+          <a:fontRef idx="minor">
+            <a:schemeClr val="dk1"/>
+          </a:fontRef>
+        </p:style>
+        <p:txBody>
+          <a:bodyPr rtlCol="0" anchor="ctr"/>
+          <a:p>
+            <a:pPr algn="ctr"/>
+            <a:endParaRPr lang="zh-CN" altLang="en-US"/>
+          </a:p>
+        </p:txBody>
+      </p:sp>
+      <p:sp>
+        <p:nvSpPr>
+          <p:cNvPr id="36" name="矩形 35"/>
+          <p:cNvSpPr/>
+          <p:nvPr/>
+        </p:nvSpPr>
+        <p:spPr>
+          <a:xfrm>
+            <a:off x="4520565" y="2842895"/>
+            <a:ext cx="546735" cy="322580"/>
+          </a:xfrm>
+          <a:prstGeom prst="rect">
+            <a:avLst/>
+          </a:prstGeom>
+        </p:spPr>
+        <p:style>
+          <a:lnRef idx="2">
+            <a:schemeClr val="accent5">
+              <a:shade val="50000"/>
+            </a:schemeClr>
+          </a:lnRef>
+          <a:fillRef idx="1">
+            <a:schemeClr val="accent5"/>
+          </a:fillRef>
+          <a:effectRef idx="0">
+            <a:schemeClr val="accent5"/>
+          </a:effectRef>
+          <a:fontRef idx="minor">
+            <a:schemeClr val="lt1"/>
+          </a:fontRef>
+        </p:style>
+        <p:txBody>
+          <a:bodyPr rtlCol="0" anchor="ctr"/>
+          <a:p>
+            <a:pPr algn="ctr"/>
+            <a:r>
+              <a:rPr lang="zh-CN" altLang="en-US" sz="1000">
+                <a:solidFill>
+                  <a:schemeClr val="bg1"/>
+                </a:solidFill>
+              </a:rPr>
+              <a:t>携程</a:t>
+            </a:r>
+            <a:endParaRPr lang="zh-CN" altLang="en-US" sz="1000">
+              <a:solidFill>
+                <a:schemeClr val="bg1"/>
+              </a:solidFill>
+            </a:endParaRPr>
+          </a:p>
+        </p:txBody>
+      </p:sp>
+      <p:sp>
+        <p:nvSpPr>
+          <p:cNvPr id="37" name="矩形 36"/>
+          <p:cNvSpPr/>
+          <p:nvPr/>
+        </p:nvSpPr>
+        <p:spPr>
+          <a:xfrm>
+            <a:off x="5067300" y="2842895"/>
+            <a:ext cx="445135" cy="322580"/>
+          </a:xfrm>
+          <a:prstGeom prst="rect">
+            <a:avLst/>
+          </a:prstGeom>
+        </p:spPr>
+        <p:style>
+          <a:lnRef idx="2">
+            <a:schemeClr val="accent6"/>
+          </a:lnRef>
+          <a:fillRef idx="1">
+            <a:schemeClr val="lt1"/>
+          </a:fillRef>
+          <a:effectRef idx="0">
+            <a:schemeClr val="accent6"/>
+          </a:effectRef>
+          <a:fontRef idx="minor">
+            <a:schemeClr val="dk1"/>
+          </a:fontRef>
+        </p:style>
+        <p:txBody>
+          <a:bodyPr rtlCol="0" anchor="ctr"/>
+          <a:p>
+            <a:pPr algn="ctr"/>
+            <a:r>
+              <a:rPr lang="zh-CN" altLang="en-US" sz="1000">
+                <a:solidFill>
+                  <a:schemeClr val="accent6"/>
+                </a:solidFill>
+              </a:rPr>
+              <a:t>张三</a:t>
+            </a:r>
+            <a:endParaRPr lang="zh-CN" altLang="en-US" sz="1000">
+              <a:solidFill>
+                <a:schemeClr val="accent6"/>
+              </a:solidFill>
+            </a:endParaRPr>
+          </a:p>
+        </p:txBody>
+      </p:sp>
+      <p:sp>
+        <p:nvSpPr>
+          <p:cNvPr id="38" name="矩形 37"/>
+          <p:cNvSpPr/>
+          <p:nvPr/>
+        </p:nvSpPr>
+        <p:spPr>
+          <a:xfrm>
+            <a:off x="5512435" y="2842895"/>
+            <a:ext cx="1049020" cy="322580"/>
+          </a:xfrm>
+          <a:prstGeom prst="rect">
+            <a:avLst/>
+          </a:prstGeom>
+        </p:spPr>
+        <p:style>
+          <a:lnRef idx="2">
+            <a:schemeClr val="accent6"/>
+          </a:lnRef>
+          <a:fillRef idx="1">
+            <a:schemeClr val="lt1"/>
+          </a:fillRef>
+          <a:effectRef idx="0">
+            <a:schemeClr val="accent6"/>
+          </a:effectRef>
+          <a:fontRef idx="minor">
+            <a:schemeClr val="dk1"/>
+          </a:fontRef>
+        </p:style>
+        <p:txBody>
+          <a:bodyPr rtlCol="0" anchor="ctr"/>
+          <a:p>
+            <a:pPr algn="ctr"/>
+            <a:r>
+              <a:rPr lang="en-US" altLang="zh-CN" sz="1000">
+                <a:solidFill>
+                  <a:schemeClr val="accent6"/>
+                </a:solidFill>
+              </a:rPr>
+              <a:t>1</a:t>
+            </a:r>
+            <a:r>
+              <a:rPr lang="zh-CN" altLang="en-US" sz="1000">
+                <a:solidFill>
+                  <a:schemeClr val="accent6"/>
+                </a:solidFill>
+              </a:rPr>
+              <a:t>间 智享大床房</a:t>
+            </a:r>
+            <a:endParaRPr lang="zh-CN" altLang="en-US" sz="1000">
+              <a:solidFill>
+                <a:schemeClr val="accent6"/>
+              </a:solidFill>
+            </a:endParaRPr>
+          </a:p>
+        </p:txBody>
+      </p:sp>
+      <p:sp>
+        <p:nvSpPr>
+          <p:cNvPr id="39" name="矩形 38"/>
+          <p:cNvSpPr/>
+          <p:nvPr/>
+        </p:nvSpPr>
+        <p:spPr>
+          <a:xfrm>
+            <a:off x="6561455" y="2842895"/>
+            <a:ext cx="908685" cy="322580"/>
+          </a:xfrm>
+          <a:prstGeom prst="rect">
+            <a:avLst/>
+          </a:prstGeom>
+        </p:spPr>
+        <p:style>
+          <a:lnRef idx="2">
+            <a:schemeClr val="accent6"/>
+          </a:lnRef>
+          <a:fillRef idx="1">
+            <a:schemeClr val="lt1"/>
+          </a:fillRef>
+          <a:effectRef idx="0">
+            <a:schemeClr val="accent6"/>
+          </a:effectRef>
+          <a:fontRef idx="minor">
+            <a:schemeClr val="dk1"/>
+          </a:fontRef>
+        </p:style>
+        <p:txBody>
+          <a:bodyPr rtlCol="0" anchor="ctr"/>
+          <a:p>
+            <a:pPr algn="ctr"/>
+            <a:r>
+              <a:rPr lang="en-US" sz="1000">
+                <a:solidFill>
+                  <a:schemeClr val="accent6"/>
+                </a:solidFill>
+              </a:rPr>
+              <a:t>05-26</a:t>
+            </a:r>
+            <a:r>
+              <a:rPr lang="zh-CN" altLang="en-US" sz="1000">
+                <a:solidFill>
+                  <a:schemeClr val="accent6"/>
+                </a:solidFill>
+              </a:rPr>
+              <a:t>至</a:t>
+            </a:r>
+            <a:r>
+              <a:rPr lang="en-US" altLang="zh-CN" sz="1000">
+                <a:solidFill>
+                  <a:schemeClr val="accent6"/>
+                </a:solidFill>
+              </a:rPr>
+              <a:t>05-28</a:t>
+            </a:r>
+            <a:endParaRPr lang="en-US" altLang="zh-CN" sz="1000">
+              <a:solidFill>
+                <a:schemeClr val="accent6"/>
+              </a:solidFill>
+            </a:endParaRPr>
+          </a:p>
+        </p:txBody>
+      </p:sp>
+      <p:sp>
+        <p:nvSpPr>
+          <p:cNvPr id="40" name="矩形 39"/>
+          <p:cNvSpPr/>
+          <p:nvPr/>
+        </p:nvSpPr>
+        <p:spPr>
+          <a:xfrm>
+            <a:off x="7470140" y="2842895"/>
+            <a:ext cx="400050" cy="322580"/>
+          </a:xfrm>
+          <a:prstGeom prst="rect">
+            <a:avLst/>
+          </a:prstGeom>
+        </p:spPr>
+        <p:style>
+          <a:lnRef idx="2">
+            <a:schemeClr val="accent6"/>
+          </a:lnRef>
+          <a:fillRef idx="1">
+            <a:schemeClr val="lt1"/>
+          </a:fillRef>
+          <a:effectRef idx="0">
+            <a:schemeClr val="accent6"/>
+          </a:effectRef>
+          <a:fontRef idx="minor">
+            <a:schemeClr val="dk1"/>
+          </a:fontRef>
+        </p:style>
+        <p:txBody>
+          <a:bodyPr rtlCol="0" anchor="ctr"/>
+          <a:p>
+            <a:pPr algn="ctr"/>
+            <a:r>
+              <a:rPr lang="en-US" sz="1000">
+                <a:solidFill>
+                  <a:schemeClr val="accent6"/>
+                </a:solidFill>
+              </a:rPr>
+              <a:t>100</a:t>
+            </a:r>
+            <a:endParaRPr lang="en-US" sz="1000">
+              <a:solidFill>
+                <a:schemeClr val="accent6"/>
+              </a:solidFill>
+            </a:endParaRPr>
+          </a:p>
+        </p:txBody>
+      </p:sp>
+      <p:sp>
+        <p:nvSpPr>
+          <p:cNvPr id="41" name="矩形 40"/>
+          <p:cNvSpPr/>
+          <p:nvPr/>
+        </p:nvSpPr>
+        <p:spPr>
+          <a:xfrm>
+            <a:off x="4520565" y="3262630"/>
+            <a:ext cx="3340735" cy="313055"/>
+          </a:xfrm>
+          <a:prstGeom prst="rect">
+            <a:avLst/>
+          </a:prstGeom>
+          <a:ln w="19050"/>
+          <a:extLst>
+            <a:ext uri="{909E8E84-426E-40DD-AFC4-6F175D3DCCD1}">
+              <a14:hiddenFill xmlns:a14="http://schemas.microsoft.com/office/drawing/2010/main">
+                <a:solidFill>
+                  <a:schemeClr val="accent1"/>
+                </a:solidFill>
+              </a14:hiddenFill>
+            </a:ext>
+          </a:extLst>
+        </p:spPr>
+        <p:style>
+          <a:lnRef idx="2">
+            <a:schemeClr val="accent6"/>
+          </a:lnRef>
+          <a:fillRef idx="1">
+            <a:schemeClr val="lt1"/>
+          </a:fillRef>
+          <a:effectRef idx="0">
+            <a:schemeClr val="accent6"/>
+          </a:effectRef>
+          <a:fontRef idx="minor">
+            <a:schemeClr val="dk1"/>
+          </a:fontRef>
+        </p:style>
+        <p:txBody>
+          <a:bodyPr rtlCol="0" anchor="ctr"/>
+          <a:p>
+            <a:pPr algn="ctr"/>
+            <a:endParaRPr lang="zh-CN" altLang="en-US"/>
+          </a:p>
+        </p:txBody>
+      </p:sp>
+      <p:sp>
+        <p:nvSpPr>
+          <p:cNvPr id="42" name="矩形 41"/>
+          <p:cNvSpPr/>
+          <p:nvPr/>
+        </p:nvSpPr>
+        <p:spPr>
+          <a:xfrm>
+            <a:off x="4511040" y="3253105"/>
+            <a:ext cx="546735" cy="322580"/>
+          </a:xfrm>
+          <a:prstGeom prst="rect">
+            <a:avLst/>
+          </a:prstGeom>
+        </p:spPr>
+        <p:style>
+          <a:lnRef idx="2">
+            <a:schemeClr val="accent6">
+              <a:shade val="50000"/>
+            </a:schemeClr>
+          </a:lnRef>
+          <a:fillRef idx="1">
+            <a:schemeClr val="accent6"/>
+          </a:fillRef>
+          <a:effectRef idx="0">
+            <a:schemeClr val="accent6"/>
+          </a:effectRef>
+          <a:fontRef idx="minor">
+            <a:schemeClr val="lt1"/>
+          </a:fontRef>
+        </p:style>
+        <p:txBody>
+          <a:bodyPr rtlCol="0" anchor="ctr"/>
+          <a:p>
+            <a:pPr algn="ctr"/>
+            <a:r>
+              <a:rPr lang="zh-CN" altLang="en-US" sz="1000">
+                <a:solidFill>
+                  <a:schemeClr val="bg1"/>
+                </a:solidFill>
+              </a:rPr>
+              <a:t>微信</a:t>
+            </a:r>
+            <a:endParaRPr lang="zh-CN" altLang="en-US" sz="1000">
+              <a:solidFill>
+                <a:schemeClr val="bg1"/>
+              </a:solidFill>
+            </a:endParaRPr>
+          </a:p>
+        </p:txBody>
+      </p:sp>
+      <p:sp>
+        <p:nvSpPr>
+          <p:cNvPr id="43" name="矩形 42"/>
+          <p:cNvSpPr/>
+          <p:nvPr/>
+        </p:nvSpPr>
+        <p:spPr>
+          <a:xfrm>
+            <a:off x="5057775" y="3253105"/>
+            <a:ext cx="445135" cy="322580"/>
+          </a:xfrm>
+          <a:prstGeom prst="rect">
+            <a:avLst/>
+          </a:prstGeom>
+        </p:spPr>
+        <p:style>
+          <a:lnRef idx="2">
+            <a:schemeClr val="accent6"/>
+          </a:lnRef>
+          <a:fillRef idx="1">
+            <a:schemeClr val="lt1"/>
+          </a:fillRef>
+          <a:effectRef idx="0">
+            <a:schemeClr val="accent6"/>
+          </a:effectRef>
+          <a:fontRef idx="minor">
+            <a:schemeClr val="dk1"/>
+          </a:fontRef>
+        </p:style>
+        <p:txBody>
+          <a:bodyPr rtlCol="0" anchor="ctr"/>
+          <a:p>
+            <a:pPr algn="ctr"/>
+            <a:r>
+              <a:rPr lang="zh-CN" altLang="en-US" sz="1000">
+                <a:solidFill>
+                  <a:schemeClr val="accent6"/>
+                </a:solidFill>
+              </a:rPr>
+              <a:t>张三</a:t>
+            </a:r>
+            <a:endParaRPr lang="zh-CN" altLang="en-US" sz="1000">
+              <a:solidFill>
+                <a:schemeClr val="accent6"/>
+              </a:solidFill>
+            </a:endParaRPr>
+          </a:p>
+        </p:txBody>
+      </p:sp>
+      <p:sp>
+        <p:nvSpPr>
+          <p:cNvPr id="44" name="矩形 43"/>
+          <p:cNvSpPr/>
+          <p:nvPr/>
+        </p:nvSpPr>
+        <p:spPr>
+          <a:xfrm>
+            <a:off x="5502910" y="3253105"/>
+            <a:ext cx="1049020" cy="322580"/>
+          </a:xfrm>
+          <a:prstGeom prst="rect">
+            <a:avLst/>
+          </a:prstGeom>
+        </p:spPr>
+        <p:style>
+          <a:lnRef idx="2">
+            <a:schemeClr val="accent6"/>
+          </a:lnRef>
+          <a:fillRef idx="1">
+            <a:schemeClr val="lt1"/>
+          </a:fillRef>
+          <a:effectRef idx="0">
+            <a:schemeClr val="accent6"/>
+          </a:effectRef>
+          <a:fontRef idx="minor">
+            <a:schemeClr val="dk1"/>
+          </a:fontRef>
+        </p:style>
+        <p:txBody>
+          <a:bodyPr rtlCol="0" anchor="ctr"/>
+          <a:p>
+            <a:pPr algn="ctr"/>
+            <a:r>
+              <a:rPr lang="en-US" altLang="zh-CN" sz="1000">
+                <a:solidFill>
+                  <a:schemeClr val="accent6"/>
+                </a:solidFill>
+              </a:rPr>
+              <a:t>1</a:t>
+            </a:r>
+            <a:r>
+              <a:rPr lang="zh-CN" altLang="en-US" sz="1000">
+                <a:solidFill>
+                  <a:schemeClr val="accent6"/>
+                </a:solidFill>
+              </a:rPr>
+              <a:t>间 智享大床房</a:t>
+            </a:r>
+            <a:endParaRPr lang="zh-CN" altLang="en-US" sz="1000">
+              <a:solidFill>
+                <a:schemeClr val="accent6"/>
+              </a:solidFill>
+            </a:endParaRPr>
+          </a:p>
+        </p:txBody>
+      </p:sp>
+      <p:sp>
+        <p:nvSpPr>
+          <p:cNvPr id="45" name="矩形 44"/>
+          <p:cNvSpPr/>
+          <p:nvPr/>
+        </p:nvSpPr>
+        <p:spPr>
+          <a:xfrm>
+            <a:off x="6551930" y="3253105"/>
+            <a:ext cx="908685" cy="322580"/>
+          </a:xfrm>
+          <a:prstGeom prst="rect">
+            <a:avLst/>
+          </a:prstGeom>
+        </p:spPr>
+        <p:style>
+          <a:lnRef idx="2">
+            <a:schemeClr val="accent6"/>
+          </a:lnRef>
+          <a:fillRef idx="1">
+            <a:schemeClr val="lt1"/>
+          </a:fillRef>
+          <a:effectRef idx="0">
+            <a:schemeClr val="accent6"/>
+          </a:effectRef>
+          <a:fontRef idx="minor">
+            <a:schemeClr val="dk1"/>
+          </a:fontRef>
+        </p:style>
+        <p:txBody>
+          <a:bodyPr rtlCol="0" anchor="ctr"/>
+          <a:p>
+            <a:pPr algn="ctr"/>
+            <a:r>
+              <a:rPr lang="en-US" sz="1000">
+                <a:solidFill>
+                  <a:schemeClr val="accent6"/>
+                </a:solidFill>
+              </a:rPr>
+              <a:t>05-26</a:t>
+            </a:r>
+            <a:r>
+              <a:rPr lang="zh-CN" altLang="en-US" sz="1000">
+                <a:solidFill>
+                  <a:schemeClr val="accent6"/>
+                </a:solidFill>
+              </a:rPr>
+              <a:t>至</a:t>
+            </a:r>
+            <a:r>
+              <a:rPr lang="en-US" altLang="zh-CN" sz="1000">
+                <a:solidFill>
+                  <a:schemeClr val="accent6"/>
+                </a:solidFill>
+              </a:rPr>
+              <a:t>05-28</a:t>
+            </a:r>
+            <a:endParaRPr lang="en-US" altLang="zh-CN" sz="1000">
+              <a:solidFill>
+                <a:schemeClr val="accent6"/>
+              </a:solidFill>
+            </a:endParaRPr>
+          </a:p>
+        </p:txBody>
+      </p:sp>
+      <p:sp>
+        <p:nvSpPr>
+          <p:cNvPr id="46" name="矩形 45"/>
+          <p:cNvSpPr/>
+          <p:nvPr/>
+        </p:nvSpPr>
+        <p:spPr>
+          <a:xfrm>
+            <a:off x="7460615" y="3253105"/>
+            <a:ext cx="400050" cy="322580"/>
+          </a:xfrm>
+          <a:prstGeom prst="rect">
+            <a:avLst/>
+          </a:prstGeom>
+        </p:spPr>
+        <p:style>
+          <a:lnRef idx="2">
+            <a:schemeClr val="accent6"/>
+          </a:lnRef>
+          <a:fillRef idx="1">
+            <a:schemeClr val="lt1"/>
+          </a:fillRef>
+          <a:effectRef idx="0">
+            <a:schemeClr val="accent6"/>
+          </a:effectRef>
+          <a:fontRef idx="minor">
+            <a:schemeClr val="dk1"/>
+          </a:fontRef>
+        </p:style>
+        <p:txBody>
+          <a:bodyPr rtlCol="0" anchor="ctr"/>
+          <a:p>
+            <a:pPr algn="ctr"/>
+            <a:r>
+              <a:rPr lang="en-US" sz="1000">
+                <a:solidFill>
+                  <a:schemeClr val="accent6"/>
+                </a:solidFill>
+              </a:rPr>
+              <a:t>100</a:t>
+            </a:r>
+            <a:endParaRPr lang="en-US" sz="1000">
+              <a:solidFill>
+                <a:schemeClr val="accent6"/>
+              </a:solidFill>
+            </a:endParaRPr>
+          </a:p>
+        </p:txBody>
+      </p:sp>
+    </p:spTree>
+  </p:cSld>
+  <p:clrMapOvr>
+    <a:masterClrMapping/>
+  </p:clrMapOvr>
+</p:sld>
+</file>
+
+<file path=ppt/slides/slide5.xml><?xml version="1.0" encoding="utf-8"?>
+<p:sld xmlns:a="http://schemas.openxmlformats.org/drawingml/2006/main" xmlns:r="http://schemas.openxmlformats.org/officeDocument/2006/relationships" xmlns:p="http://schemas.openxmlformats.org/presentationml/2006/main">
+  <p:cSld>
+    <p:spTree>
+      <p:nvGrpSpPr>
+        <p:cNvPr id="1" name=""/>
+        <p:cNvGrpSpPr/>
+        <p:nvPr/>
+      </p:nvGrpSpPr>
+      <p:grpSpPr/>
+      <p:sp>
+        <p:nvSpPr>
+          <p:cNvPr id="4" name="矩形 3"/>
+          <p:cNvSpPr/>
+          <p:nvPr/>
+        </p:nvSpPr>
+        <p:spPr>
+          <a:xfrm>
+            <a:off x="4356100" y="154305"/>
+            <a:ext cx="3710305" cy="6529705"/>
+          </a:xfrm>
+          <a:prstGeom prst="rect">
+            <a:avLst/>
+          </a:prstGeom>
+          <a:noFill/>
+          <a:ln w="19050"/>
+          <a:extLst>
+            <a:ext uri="{909E8E84-426E-40DD-AFC4-6F175D3DCCD1}">
+              <a14:hiddenFill xmlns:a14="http://schemas.microsoft.com/office/drawing/2010/main">
+                <a:solidFill>
+                  <a:schemeClr val="accent1"/>
+                </a:solidFill>
+              </a14:hiddenFill>
+            </a:ext>
+          </a:extLst>
+        </p:spPr>
+        <p:style>
+          <a:lnRef idx="2">
+            <a:schemeClr val="accent1">
+              <a:shade val="50000"/>
+            </a:schemeClr>
+          </a:lnRef>
+          <a:fillRef idx="1">
+            <a:schemeClr val="accent1"/>
+          </a:fillRef>
+          <a:effectRef idx="0">
+            <a:schemeClr val="accent1"/>
+          </a:effectRef>
+          <a:fontRef idx="minor">
+            <a:schemeClr val="lt1"/>
+          </a:fontRef>
+        </p:style>
+        <p:txBody>
+          <a:bodyPr rtlCol="0" anchor="ctr"/>
+          <a:p>
+            <a:pPr algn="ctr"/>
+            <a:endParaRPr lang="zh-CN" altLang="en-US"/>
+          </a:p>
+        </p:txBody>
+      </p:sp>
+      <p:sp>
+        <p:nvSpPr>
+          <p:cNvPr id="5" name="矩形 4"/>
+          <p:cNvSpPr/>
+          <p:nvPr/>
+        </p:nvSpPr>
+        <p:spPr>
+          <a:xfrm>
+            <a:off x="4356100" y="6239510"/>
+            <a:ext cx="3710305" cy="444500"/>
+          </a:xfrm>
+          <a:prstGeom prst="rect">
+            <a:avLst/>
+          </a:prstGeom>
+          <a:noFill/>
+          <a:ln w="19050"/>
+          <a:extLst>
+            <a:ext uri="{909E8E84-426E-40DD-AFC4-6F175D3DCCD1}">
+              <a14:hiddenFill xmlns:a14="http://schemas.microsoft.com/office/drawing/2010/main">
+                <a:solidFill>
+                  <a:schemeClr val="accent1"/>
+                </a:solidFill>
+              </a14:hiddenFill>
+            </a:ext>
+          </a:extLst>
+        </p:spPr>
+        <p:style>
+          <a:lnRef idx="2">
+            <a:schemeClr val="accent1">
+              <a:shade val="50000"/>
+            </a:schemeClr>
+          </a:lnRef>
+          <a:fillRef idx="1">
+            <a:schemeClr val="accent1"/>
+          </a:fillRef>
+          <a:effectRef idx="0">
+            <a:schemeClr val="accent1"/>
+          </a:effectRef>
+          <a:fontRef idx="minor">
+            <a:schemeClr val="lt1"/>
+          </a:fontRef>
+        </p:style>
+        <p:txBody>
+          <a:bodyPr rtlCol="0" anchor="ctr"/>
+          <a:p>
+            <a:pPr algn="ctr"/>
+            <a:endParaRPr lang="zh-CN" altLang="en-US" b="1"/>
+          </a:p>
+        </p:txBody>
+      </p:sp>
+      <p:sp>
+        <p:nvSpPr>
+          <p:cNvPr id="9" name="矩形 8"/>
+          <p:cNvSpPr/>
+          <p:nvPr/>
+        </p:nvSpPr>
+        <p:spPr>
+          <a:xfrm>
+            <a:off x="6250305" y="6282055"/>
+            <a:ext cx="1717040" cy="349250"/>
+          </a:xfrm>
+          <a:prstGeom prst="rect">
+            <a:avLst/>
+          </a:prstGeom>
+        </p:spPr>
+        <p:style>
+          <a:lnRef idx="2">
+            <a:schemeClr val="accent5"/>
+          </a:lnRef>
+          <a:fillRef idx="1">
+            <a:schemeClr val="lt1"/>
+          </a:fillRef>
+          <a:effectRef idx="0">
+            <a:schemeClr val="accent5"/>
+          </a:effectRef>
+          <a:fontRef idx="minor">
+            <a:schemeClr val="dk1"/>
+          </a:fontRef>
+        </p:style>
+        <p:txBody>
+          <a:bodyPr rtlCol="0" anchor="ctr"/>
+          <a:p>
+            <a:pPr algn="ctr"/>
+            <a:r>
+              <a:rPr lang="zh-CN" altLang="en-US" sz="1200" b="1">
+                <a:solidFill>
+                  <a:schemeClr val="accent5"/>
+                </a:solidFill>
+              </a:rPr>
+              <a:t>修改订单</a:t>
+            </a:r>
+            <a:endParaRPr lang="zh-CN" altLang="en-US" sz="1200" b="1">
+              <a:solidFill>
+                <a:schemeClr val="accent5"/>
+              </a:solidFill>
+            </a:endParaRPr>
+          </a:p>
+        </p:txBody>
+      </p:sp>
+      <p:sp>
+        <p:nvSpPr>
+          <p:cNvPr id="10" name="矩形 9"/>
+          <p:cNvSpPr/>
+          <p:nvPr/>
+        </p:nvSpPr>
+        <p:spPr>
+          <a:xfrm>
+            <a:off x="4556125" y="6282055"/>
+            <a:ext cx="1552575" cy="349250"/>
+          </a:xfrm>
+          <a:prstGeom prst="rect">
+            <a:avLst/>
+          </a:prstGeom>
+          <a:solidFill>
+            <a:srgbClr val="FF0000"/>
+          </a:solidFill>
+          <a:ln w="19050">
+            <a:noFill/>
+          </a:ln>
+          <a:extLst>
+            <a:ext uri="{909E8E84-426E-40DD-AFC4-6F175D3DCCD1}">
+              <a14:hiddenFill xmlns:a14="http://schemas.microsoft.com/office/drawing/2010/main">
+                <a:solidFill>
+                  <a:schemeClr val="accent1"/>
+                </a:solidFill>
+              </a14:hiddenFill>
+            </a:ext>
+          </a:extLst>
+        </p:spPr>
+        <p:style>
+          <a:lnRef idx="2">
+            <a:schemeClr val="accent1">
+              <a:shade val="50000"/>
+            </a:schemeClr>
+          </a:lnRef>
+          <a:fillRef idx="1">
+            <a:schemeClr val="accent1"/>
+          </a:fillRef>
+          <a:effectRef idx="0">
+            <a:schemeClr val="accent1"/>
+          </a:effectRef>
+          <a:fontRef idx="minor">
+            <a:schemeClr val="lt1"/>
+          </a:fontRef>
+        </p:style>
+        <p:txBody>
+          <a:bodyPr rtlCol="0" anchor="ctr"/>
+          <a:p>
+            <a:pPr algn="ctr"/>
+            <a:r>
+              <a:rPr lang="zh-CN" altLang="en-US" sz="1200" b="1">
+                <a:solidFill>
+                  <a:schemeClr val="bg1"/>
+                </a:solidFill>
+              </a:rPr>
+              <a:t>取消订单</a:t>
+            </a:r>
+            <a:endParaRPr lang="zh-CN" altLang="en-US" sz="1200" b="1">
+              <a:solidFill>
+                <a:schemeClr val="bg1"/>
+              </a:solidFill>
+            </a:endParaRPr>
+          </a:p>
+        </p:txBody>
+      </p:sp>
+      <p:sp>
+        <p:nvSpPr>
+          <p:cNvPr id="33" name="文本框 32"/>
+          <p:cNvSpPr txBox="1"/>
+          <p:nvPr/>
+        </p:nvSpPr>
+        <p:spPr>
+          <a:xfrm>
+            <a:off x="812800" y="647065"/>
+            <a:ext cx="1554480" cy="368300"/>
+          </a:xfrm>
+          <a:prstGeom prst="rect">
+            <a:avLst/>
+          </a:prstGeom>
+          <a:noFill/>
+        </p:spPr>
+        <p:txBody>
+          <a:bodyPr wrap="none" rtlCol="0">
+            <a:spAutoFit/>
+          </a:bodyPr>
+          <a:p>
+            <a:pPr algn="l"/>
+            <a:r>
+              <a:rPr lang="zh-CN" altLang="en-US">
+                <a:sym typeface="+mn-ea"/>
+              </a:rPr>
+              <a:t>点击一个订单</a:t>
+            </a:r>
+            <a:endParaRPr lang="zh-CN" altLang="en-US"/>
+          </a:p>
+        </p:txBody>
+      </p:sp>
+      <p:sp>
+        <p:nvSpPr>
+          <p:cNvPr id="55" name="矩形 54"/>
+          <p:cNvSpPr/>
+          <p:nvPr/>
+        </p:nvSpPr>
+        <p:spPr>
+          <a:xfrm>
+            <a:off x="4356100" y="154305"/>
+            <a:ext cx="3710305" cy="465455"/>
+          </a:xfrm>
+          <a:prstGeom prst="rect">
+            <a:avLst/>
+          </a:prstGeom>
+          <a:noFill/>
+          <a:ln w="19050"/>
+          <a:extLst>
+            <a:ext uri="{909E8E84-426E-40DD-AFC4-6F175D3DCCD1}">
+              <a14:hiddenFill xmlns:a14="http://schemas.microsoft.com/office/drawing/2010/main">
+                <a:solidFill>
+                  <a:schemeClr val="accent1"/>
+                </a:solidFill>
+              </a14:hiddenFill>
+            </a:ext>
+          </a:extLst>
+        </p:spPr>
+        <p:style>
+          <a:lnRef idx="2">
+            <a:schemeClr val="accent1">
+              <a:shade val="50000"/>
+            </a:schemeClr>
+          </a:lnRef>
+          <a:fillRef idx="1">
+            <a:schemeClr val="accent1"/>
+          </a:fillRef>
+          <a:effectRef idx="0">
+            <a:schemeClr val="accent1"/>
+          </a:effectRef>
+          <a:fontRef idx="minor">
+            <a:schemeClr val="lt1"/>
+          </a:fontRef>
+        </p:style>
+        <p:txBody>
+          <a:bodyPr rtlCol="0" anchor="ctr"/>
+          <a:p>
+            <a:pPr algn="ctr"/>
+            <a:r>
+              <a:rPr lang="zh-CN" altLang="en-US">
+                <a:solidFill>
+                  <a:schemeClr val="accent5"/>
+                </a:solidFill>
+              </a:rPr>
+              <a:t>订单详情</a:t>
+            </a:r>
+            <a:endParaRPr lang="zh-CN" altLang="en-US">
+              <a:solidFill>
+                <a:schemeClr val="accent5"/>
+              </a:solidFill>
+            </a:endParaRPr>
+          </a:p>
+        </p:txBody>
+      </p:sp>
+      <p:sp>
+        <p:nvSpPr>
+          <p:cNvPr id="2" name="矩形 1"/>
+          <p:cNvSpPr/>
+          <p:nvPr/>
+        </p:nvSpPr>
+        <p:spPr>
+          <a:xfrm>
+            <a:off x="4455160" y="892810"/>
+            <a:ext cx="3512185" cy="1226185"/>
+          </a:xfrm>
+          <a:prstGeom prst="rect">
+            <a:avLst/>
+          </a:prstGeom>
+          <a:noFill/>
+          <a:ln w="19050"/>
+          <a:extLst>
+            <a:ext uri="{909E8E84-426E-40DD-AFC4-6F175D3DCCD1}">
+              <a14:hiddenFill xmlns:a14="http://schemas.microsoft.com/office/drawing/2010/main">
+                <a:solidFill>
+                  <a:schemeClr val="accent1"/>
+                </a:solidFill>
+              </a14:hiddenFill>
+            </a:ext>
+          </a:extLst>
+        </p:spPr>
+        <p:style>
+          <a:lnRef idx="2">
+            <a:schemeClr val="accent1">
+              <a:shade val="50000"/>
+            </a:schemeClr>
+          </a:lnRef>
+          <a:fillRef idx="1">
+            <a:schemeClr val="accent1"/>
+          </a:fillRef>
+          <a:effectRef idx="0">
+            <a:schemeClr val="accent1"/>
+          </a:effectRef>
+          <a:fontRef idx="minor">
+            <a:schemeClr val="lt1"/>
+          </a:fontRef>
+        </p:style>
+        <p:txBody>
+          <a:bodyPr rtlCol="0" anchor="ctr"/>
+          <a:p>
+            <a:pPr algn="ctr"/>
+            <a:endParaRPr lang="zh-CN" altLang="en-US">
+              <a:solidFill>
+                <a:schemeClr val="accent5"/>
+              </a:solidFill>
+            </a:endParaRPr>
+          </a:p>
+        </p:txBody>
+      </p:sp>
+      <p:sp>
+        <p:nvSpPr>
+          <p:cNvPr id="3" name="矩形 2"/>
+          <p:cNvSpPr/>
+          <p:nvPr/>
+        </p:nvSpPr>
+        <p:spPr>
+          <a:xfrm>
+            <a:off x="4445635" y="647065"/>
+            <a:ext cx="798830" cy="245745"/>
+          </a:xfrm>
+          <a:prstGeom prst="rect">
+            <a:avLst/>
+          </a:prstGeom>
+          <a:solidFill>
+            <a:srgbClr val="0070C0"/>
+          </a:solidFill>
+          <a:ln w="19050">
+            <a:noFill/>
+          </a:ln>
+        </p:spPr>
+        <p:style>
+          <a:lnRef idx="2">
+            <a:schemeClr val="accent1">
+              <a:shade val="50000"/>
+            </a:schemeClr>
+          </a:lnRef>
+          <a:fillRef idx="1">
+            <a:schemeClr val="accent1"/>
+          </a:fillRef>
+          <a:effectRef idx="0">
+            <a:schemeClr val="accent1"/>
+          </a:effectRef>
+          <a:fontRef idx="minor">
+            <a:schemeClr val="lt1"/>
+          </a:fontRef>
+        </p:style>
+        <p:txBody>
+          <a:bodyPr rtlCol="0" anchor="ctr"/>
+          <a:p>
+            <a:pPr algn="ctr"/>
+            <a:r>
+              <a:rPr lang="zh-CN" altLang="en-US" sz="1000">
+                <a:solidFill>
+                  <a:schemeClr val="bg1"/>
+                </a:solidFill>
+              </a:rPr>
+              <a:t>房间信息</a:t>
+            </a:r>
+            <a:endParaRPr lang="zh-CN" altLang="en-US" sz="1000">
+              <a:solidFill>
+                <a:schemeClr val="bg1"/>
+              </a:solidFill>
+            </a:endParaRPr>
+          </a:p>
+        </p:txBody>
+      </p:sp>
+      <p:sp>
+        <p:nvSpPr>
+          <p:cNvPr id="13" name="文本框 12"/>
+          <p:cNvSpPr txBox="1"/>
+          <p:nvPr/>
+        </p:nvSpPr>
+        <p:spPr>
+          <a:xfrm>
+            <a:off x="4789805" y="1002030"/>
+            <a:ext cx="1066165" cy="245110"/>
+          </a:xfrm>
+          <a:prstGeom prst="rect">
+            <a:avLst/>
+          </a:prstGeom>
+          <a:noFill/>
+        </p:spPr>
+        <p:txBody>
+          <a:bodyPr wrap="none" rtlCol="0">
+            <a:spAutoFit/>
+          </a:bodyPr>
+          <a:p>
+            <a:r>
+              <a:rPr lang="en-US" altLang="zh-CN" sz="1000"/>
+              <a:t>2</a:t>
+            </a:r>
+            <a:r>
+              <a:rPr lang="zh-CN" altLang="en-US" sz="1000"/>
+              <a:t>间  </a:t>
+            </a:r>
+            <a:r>
+              <a:rPr lang="zh-CN" altLang="en-US" sz="1000"/>
+              <a:t>智享大床房</a:t>
+            </a:r>
+            <a:endParaRPr lang="zh-CN" altLang="en-US" sz="1000"/>
+          </a:p>
+        </p:txBody>
+      </p:sp>
+      <p:sp>
+        <p:nvSpPr>
+          <p:cNvPr id="29" name="文本框 28"/>
+          <p:cNvSpPr txBox="1"/>
+          <p:nvPr/>
+        </p:nvSpPr>
+        <p:spPr>
+          <a:xfrm>
+            <a:off x="6255385" y="1002030"/>
+            <a:ext cx="1332865" cy="245110"/>
+          </a:xfrm>
+          <a:prstGeom prst="rect">
+            <a:avLst/>
+          </a:prstGeom>
+          <a:noFill/>
+        </p:spPr>
+        <p:txBody>
+          <a:bodyPr wrap="none" rtlCol="0">
+            <a:spAutoFit/>
+          </a:bodyPr>
+          <a:p>
+            <a:r>
+              <a:rPr lang="en-US" altLang="zh-CN" sz="1000"/>
+              <a:t>05-26 </a:t>
+            </a:r>
+            <a:r>
+              <a:rPr lang="zh-CN" altLang="en-US" sz="1000"/>
+              <a:t>至 </a:t>
+            </a:r>
+            <a:r>
+              <a:rPr lang="en-US" altLang="zh-CN" sz="1000"/>
+              <a:t>05-27  </a:t>
+            </a:r>
+            <a:r>
+              <a:rPr lang="zh-CN" altLang="en-US" sz="1000"/>
+              <a:t>共</a:t>
+            </a:r>
+            <a:r>
+              <a:rPr lang="en-US" altLang="zh-CN" sz="1000"/>
+              <a:t>1</a:t>
+            </a:r>
+            <a:r>
+              <a:rPr lang="zh-CN" altLang="en-US" sz="1000"/>
+              <a:t>晚</a:t>
+            </a:r>
+            <a:endParaRPr lang="zh-CN" altLang="en-US" sz="1000"/>
+          </a:p>
+        </p:txBody>
+      </p:sp>
+      <p:sp>
+        <p:nvSpPr>
+          <p:cNvPr id="30" name="文本框 29"/>
+          <p:cNvSpPr txBox="1"/>
+          <p:nvPr/>
+        </p:nvSpPr>
+        <p:spPr>
+          <a:xfrm>
+            <a:off x="4789805" y="1381760"/>
+            <a:ext cx="375285" cy="245110"/>
+          </a:xfrm>
+          <a:prstGeom prst="rect">
+            <a:avLst/>
+          </a:prstGeom>
+          <a:noFill/>
+        </p:spPr>
+        <p:txBody>
+          <a:bodyPr wrap="none" rtlCol="0">
+            <a:spAutoFit/>
+          </a:bodyPr>
+          <a:p>
+            <a:r>
+              <a:rPr lang="en-US" altLang="zh-CN" sz="1000"/>
+              <a:t>201</a:t>
+            </a:r>
+            <a:endParaRPr lang="en-US" altLang="zh-CN" sz="1000"/>
+          </a:p>
+        </p:txBody>
+      </p:sp>
+      <p:sp>
+        <p:nvSpPr>
+          <p:cNvPr id="31" name="文本框 30"/>
+          <p:cNvSpPr txBox="1"/>
+          <p:nvPr/>
+        </p:nvSpPr>
+        <p:spPr>
+          <a:xfrm>
+            <a:off x="6255385" y="1381760"/>
+            <a:ext cx="436880" cy="245110"/>
+          </a:xfrm>
+          <a:prstGeom prst="rect">
+            <a:avLst/>
+          </a:prstGeom>
+          <a:solidFill>
+            <a:schemeClr val="accent6"/>
+          </a:solidFill>
+        </p:spPr>
+        <p:txBody>
+          <a:bodyPr wrap="none" rtlCol="0">
+            <a:spAutoFit/>
+          </a:bodyPr>
+          <a:p>
+            <a:r>
+              <a:rPr lang="zh-CN" altLang="en-US" sz="1000">
+                <a:solidFill>
+                  <a:schemeClr val="bg1"/>
+                </a:solidFill>
+              </a:rPr>
+              <a:t>张三</a:t>
+            </a:r>
+            <a:endParaRPr lang="zh-CN" altLang="en-US" sz="1000">
+              <a:solidFill>
+                <a:schemeClr val="bg1"/>
+              </a:solidFill>
+            </a:endParaRPr>
+          </a:p>
+        </p:txBody>
+      </p:sp>
+      <p:sp>
+        <p:nvSpPr>
+          <p:cNvPr id="32" name="文本框 31"/>
+          <p:cNvSpPr txBox="1"/>
+          <p:nvPr/>
+        </p:nvSpPr>
+        <p:spPr>
+          <a:xfrm>
+            <a:off x="6807200" y="1381760"/>
+            <a:ext cx="436880" cy="245110"/>
+          </a:xfrm>
+          <a:prstGeom prst="rect">
+            <a:avLst/>
+          </a:prstGeom>
+          <a:solidFill>
+            <a:schemeClr val="accent4"/>
+          </a:solidFill>
+        </p:spPr>
+        <p:txBody>
+          <a:bodyPr wrap="none" rtlCol="0">
+            <a:spAutoFit/>
+          </a:bodyPr>
+          <a:p>
+            <a:r>
+              <a:rPr lang="zh-CN" altLang="en-US" sz="1000">
+                <a:solidFill>
+                  <a:schemeClr val="bg1"/>
+                </a:solidFill>
+              </a:rPr>
+              <a:t>李四</a:t>
+            </a:r>
+            <a:endParaRPr lang="zh-CN" altLang="en-US" sz="1000">
+              <a:solidFill>
+                <a:schemeClr val="bg1"/>
+              </a:solidFill>
+            </a:endParaRPr>
+          </a:p>
+        </p:txBody>
+      </p:sp>
+      <p:sp>
+        <p:nvSpPr>
+          <p:cNvPr id="34" name="文本框 33"/>
+          <p:cNvSpPr txBox="1"/>
+          <p:nvPr/>
+        </p:nvSpPr>
+        <p:spPr>
+          <a:xfrm>
+            <a:off x="4789805" y="1690370"/>
+            <a:ext cx="375285" cy="245110"/>
+          </a:xfrm>
+          <a:prstGeom prst="rect">
+            <a:avLst/>
+          </a:prstGeom>
+          <a:noFill/>
+        </p:spPr>
+        <p:txBody>
+          <a:bodyPr wrap="none" rtlCol="0">
+            <a:spAutoFit/>
+          </a:bodyPr>
+          <a:p>
+            <a:r>
+              <a:rPr lang="en-US" altLang="zh-CN" sz="1000"/>
+              <a:t>202</a:t>
+            </a:r>
+            <a:endParaRPr lang="en-US" altLang="zh-CN" sz="1000"/>
+          </a:p>
+        </p:txBody>
+      </p:sp>
+      <p:sp>
+        <p:nvSpPr>
+          <p:cNvPr id="35" name="文本框 34"/>
+          <p:cNvSpPr txBox="1"/>
+          <p:nvPr/>
+        </p:nvSpPr>
+        <p:spPr>
+          <a:xfrm>
+            <a:off x="6255385" y="1690370"/>
+            <a:ext cx="563880" cy="245110"/>
+          </a:xfrm>
+          <a:prstGeom prst="rect">
+            <a:avLst/>
+          </a:prstGeom>
+          <a:solidFill>
+            <a:schemeClr val="tx1">
+              <a:lumMod val="65000"/>
+              <a:lumOff val="35000"/>
+            </a:schemeClr>
+          </a:solidFill>
+        </p:spPr>
+        <p:txBody>
+          <a:bodyPr wrap="none" rtlCol="0">
+            <a:spAutoFit/>
+          </a:bodyPr>
+          <a:p>
+            <a:r>
+              <a:rPr lang="zh-CN" altLang="en-US" sz="1000">
+                <a:solidFill>
+                  <a:schemeClr val="bg1"/>
+                </a:solidFill>
+              </a:rPr>
+              <a:t>未入住</a:t>
+            </a:r>
+            <a:endParaRPr lang="zh-CN" altLang="en-US" sz="1000">
+              <a:solidFill>
+                <a:schemeClr val="bg1"/>
+              </a:solidFill>
+            </a:endParaRPr>
+          </a:p>
+        </p:txBody>
+      </p:sp>
+      <p:sp>
+        <p:nvSpPr>
+          <p:cNvPr id="44" name="矩形 43"/>
+          <p:cNvSpPr/>
+          <p:nvPr/>
+        </p:nvSpPr>
+        <p:spPr>
+          <a:xfrm>
+            <a:off x="4445635" y="2455545"/>
+            <a:ext cx="3512185" cy="1760855"/>
+          </a:xfrm>
+          <a:prstGeom prst="rect">
+            <a:avLst/>
+          </a:prstGeom>
+          <a:noFill/>
+          <a:ln w="19050"/>
+          <a:extLst>
+            <a:ext uri="{909E8E84-426E-40DD-AFC4-6F175D3DCCD1}">
+              <a14:hiddenFill xmlns:a14="http://schemas.microsoft.com/office/drawing/2010/main">
+                <a:solidFill>
+                  <a:schemeClr val="accent1"/>
+                </a:solidFill>
+              </a14:hiddenFill>
+            </a:ext>
+          </a:extLst>
+        </p:spPr>
+        <p:style>
+          <a:lnRef idx="2">
+            <a:schemeClr val="accent1">
+              <a:shade val="50000"/>
+            </a:schemeClr>
+          </a:lnRef>
+          <a:fillRef idx="1">
+            <a:schemeClr val="accent1"/>
+          </a:fillRef>
+          <a:effectRef idx="0">
+            <a:schemeClr val="accent1"/>
+          </a:effectRef>
+          <a:fontRef idx="minor">
+            <a:schemeClr val="lt1"/>
+          </a:fontRef>
+        </p:style>
+        <p:txBody>
+          <a:bodyPr rtlCol="0" anchor="ctr"/>
+          <a:p>
+            <a:pPr algn="ctr"/>
+            <a:endParaRPr lang="zh-CN" altLang="en-US">
+              <a:solidFill>
+                <a:schemeClr val="accent5"/>
+              </a:solidFill>
+            </a:endParaRPr>
+          </a:p>
+        </p:txBody>
+      </p:sp>
+      <p:sp>
+        <p:nvSpPr>
+          <p:cNvPr id="45" name="矩形 44"/>
+          <p:cNvSpPr/>
+          <p:nvPr/>
+        </p:nvSpPr>
+        <p:spPr>
+          <a:xfrm>
+            <a:off x="4436110" y="2209800"/>
+            <a:ext cx="798830" cy="245745"/>
+          </a:xfrm>
+          <a:prstGeom prst="rect">
+            <a:avLst/>
+          </a:prstGeom>
+          <a:solidFill>
+            <a:srgbClr val="0070C0"/>
+          </a:solidFill>
+          <a:ln w="19050">
+            <a:noFill/>
+          </a:ln>
+        </p:spPr>
+        <p:style>
+          <a:lnRef idx="2">
+            <a:schemeClr val="accent1">
+              <a:shade val="50000"/>
+            </a:schemeClr>
+          </a:lnRef>
+          <a:fillRef idx="1">
+            <a:schemeClr val="accent1"/>
+          </a:fillRef>
+          <a:effectRef idx="0">
+            <a:schemeClr val="accent1"/>
+          </a:effectRef>
+          <a:fontRef idx="minor">
+            <a:schemeClr val="lt1"/>
+          </a:fontRef>
+        </p:style>
+        <p:txBody>
+          <a:bodyPr rtlCol="0" anchor="ctr"/>
+          <a:p>
+            <a:pPr algn="ctr"/>
+            <a:r>
+              <a:rPr lang="zh-CN" altLang="en-US" sz="1000">
+                <a:solidFill>
+                  <a:schemeClr val="bg1"/>
+                </a:solidFill>
+              </a:rPr>
+              <a:t>订单信息</a:t>
+            </a:r>
+            <a:endParaRPr lang="zh-CN" altLang="en-US" sz="1000">
+              <a:solidFill>
+                <a:schemeClr val="bg1"/>
+              </a:solidFill>
+            </a:endParaRPr>
+          </a:p>
+        </p:txBody>
+      </p:sp>
+      <p:sp>
+        <p:nvSpPr>
+          <p:cNvPr id="46" name="文本框 45"/>
+          <p:cNvSpPr txBox="1"/>
+          <p:nvPr/>
+        </p:nvSpPr>
+        <p:spPr>
+          <a:xfrm>
+            <a:off x="4780280" y="2745740"/>
+            <a:ext cx="690880" cy="245110"/>
+          </a:xfrm>
+          <a:prstGeom prst="rect">
+            <a:avLst/>
+          </a:prstGeom>
+          <a:noFill/>
+        </p:spPr>
+        <p:txBody>
+          <a:bodyPr wrap="none" rtlCol="0">
+            <a:spAutoFit/>
+          </a:bodyPr>
+          <a:p>
+            <a:r>
+              <a:rPr lang="zh-CN" altLang="en-US" sz="1000"/>
+              <a:t>订单来源</a:t>
+            </a:r>
+            <a:endParaRPr lang="zh-CN" altLang="en-US" sz="1000"/>
+          </a:p>
+        </p:txBody>
+      </p:sp>
+      <p:sp>
+        <p:nvSpPr>
+          <p:cNvPr id="47" name="文本框 46"/>
+          <p:cNvSpPr txBox="1"/>
+          <p:nvPr/>
+        </p:nvSpPr>
+        <p:spPr>
+          <a:xfrm>
+            <a:off x="6245860" y="2745740"/>
+            <a:ext cx="436880" cy="245110"/>
+          </a:xfrm>
+          <a:prstGeom prst="rect">
+            <a:avLst/>
+          </a:prstGeom>
+          <a:noFill/>
+        </p:spPr>
+        <p:txBody>
+          <a:bodyPr wrap="none" rtlCol="0">
+            <a:spAutoFit/>
+          </a:bodyPr>
+          <a:p>
+            <a:r>
+              <a:rPr lang="zh-CN" sz="1000"/>
+              <a:t>美团</a:t>
+            </a:r>
+            <a:endParaRPr lang="zh-CN" sz="1000"/>
+          </a:p>
+        </p:txBody>
+      </p:sp>
+      <p:sp>
+        <p:nvSpPr>
+          <p:cNvPr id="48" name="文本框 47"/>
+          <p:cNvSpPr txBox="1"/>
+          <p:nvPr/>
+        </p:nvSpPr>
+        <p:spPr>
+          <a:xfrm>
+            <a:off x="4789805" y="2990850"/>
+            <a:ext cx="563880" cy="245110"/>
+          </a:xfrm>
+          <a:prstGeom prst="rect">
+            <a:avLst/>
+          </a:prstGeom>
+          <a:noFill/>
+        </p:spPr>
+        <p:txBody>
+          <a:bodyPr wrap="none" rtlCol="0">
+            <a:spAutoFit/>
+          </a:bodyPr>
+          <a:p>
+            <a:r>
+              <a:rPr lang="zh-CN" altLang="en-US" sz="1000"/>
+              <a:t>订单号</a:t>
+            </a:r>
+            <a:endParaRPr lang="zh-CN" altLang="en-US" sz="1000"/>
+          </a:p>
+        </p:txBody>
+      </p:sp>
+      <p:sp>
+        <p:nvSpPr>
+          <p:cNvPr id="51" name="文本框 50"/>
+          <p:cNvSpPr txBox="1"/>
+          <p:nvPr/>
+        </p:nvSpPr>
+        <p:spPr>
+          <a:xfrm>
+            <a:off x="4789805" y="3235960"/>
+            <a:ext cx="690880" cy="245110"/>
+          </a:xfrm>
+          <a:prstGeom prst="rect">
+            <a:avLst/>
+          </a:prstGeom>
+          <a:noFill/>
+        </p:spPr>
+        <p:txBody>
+          <a:bodyPr wrap="none" rtlCol="0">
+            <a:spAutoFit/>
+          </a:bodyPr>
+          <a:p>
+            <a:r>
+              <a:rPr lang="zh-CN" altLang="en-US" sz="1000"/>
+              <a:t>付款方式</a:t>
+            </a:r>
+            <a:endParaRPr lang="zh-CN" altLang="en-US" sz="1000"/>
+          </a:p>
+        </p:txBody>
+      </p:sp>
+      <p:sp>
+        <p:nvSpPr>
+          <p:cNvPr id="53" name="文本框 52"/>
+          <p:cNvSpPr txBox="1"/>
+          <p:nvPr/>
+        </p:nvSpPr>
+        <p:spPr>
+          <a:xfrm>
+            <a:off x="6255385" y="2990850"/>
+            <a:ext cx="1378585" cy="245110"/>
+          </a:xfrm>
+          <a:prstGeom prst="rect">
+            <a:avLst/>
+          </a:prstGeom>
+          <a:noFill/>
+        </p:spPr>
+        <p:txBody>
+          <a:bodyPr wrap="none" rtlCol="0">
+            <a:spAutoFit/>
+          </a:bodyPr>
+          <a:p>
+            <a:r>
+              <a:rPr lang="en-US" altLang="zh-CN" sz="1000"/>
+              <a:t>zx12343435454354554</a:t>
+            </a:r>
+            <a:endParaRPr lang="en-US" altLang="zh-CN" sz="1000"/>
+          </a:p>
+        </p:txBody>
+      </p:sp>
+      <p:sp>
+        <p:nvSpPr>
+          <p:cNvPr id="54" name="文本框 53"/>
+          <p:cNvSpPr txBox="1"/>
+          <p:nvPr/>
+        </p:nvSpPr>
+        <p:spPr>
+          <a:xfrm>
+            <a:off x="6255385" y="3235960"/>
+            <a:ext cx="436880" cy="245110"/>
+          </a:xfrm>
+          <a:prstGeom prst="rect">
+            <a:avLst/>
+          </a:prstGeom>
+          <a:noFill/>
+        </p:spPr>
+        <p:txBody>
+          <a:bodyPr wrap="none" rtlCol="0">
+            <a:spAutoFit/>
+          </a:bodyPr>
+          <a:p>
+            <a:r>
+              <a:rPr lang="zh-CN" altLang="en-US" sz="1000"/>
+              <a:t>美团</a:t>
+            </a:r>
+            <a:endParaRPr lang="zh-CN" altLang="en-US" sz="1000"/>
+          </a:p>
+        </p:txBody>
+      </p:sp>
+      <p:sp>
+        <p:nvSpPr>
+          <p:cNvPr id="60" name="文本框 59"/>
+          <p:cNvSpPr txBox="1"/>
+          <p:nvPr/>
+        </p:nvSpPr>
+        <p:spPr>
+          <a:xfrm>
+            <a:off x="4789805" y="2500630"/>
+            <a:ext cx="690880" cy="245110"/>
+          </a:xfrm>
+          <a:prstGeom prst="rect">
+            <a:avLst/>
+          </a:prstGeom>
+          <a:noFill/>
+        </p:spPr>
+        <p:txBody>
+          <a:bodyPr wrap="none" rtlCol="0">
+            <a:spAutoFit/>
+          </a:bodyPr>
+          <a:p>
+            <a:r>
+              <a:rPr lang="zh-CN" altLang="en-US" sz="1000"/>
+              <a:t>交易状态</a:t>
+            </a:r>
+            <a:endParaRPr lang="zh-CN" altLang="en-US" sz="1000"/>
+          </a:p>
+        </p:txBody>
+      </p:sp>
+      <p:sp>
+        <p:nvSpPr>
+          <p:cNvPr id="61" name="文本框 60"/>
+          <p:cNvSpPr txBox="1"/>
+          <p:nvPr/>
+        </p:nvSpPr>
+        <p:spPr>
+          <a:xfrm>
+            <a:off x="6255385" y="2500630"/>
+            <a:ext cx="563880" cy="245110"/>
+          </a:xfrm>
+          <a:prstGeom prst="rect">
+            <a:avLst/>
+          </a:prstGeom>
+          <a:solidFill>
+            <a:schemeClr val="accent6"/>
+          </a:solidFill>
+        </p:spPr>
+        <p:txBody>
+          <a:bodyPr wrap="none" rtlCol="0">
+            <a:spAutoFit/>
+          </a:bodyPr>
+          <a:p>
+            <a:r>
+              <a:rPr lang="zh-CN" altLang="en-US" sz="1000">
+                <a:solidFill>
+                  <a:schemeClr val="bg1"/>
+                </a:solidFill>
+              </a:rPr>
+              <a:t>进行中</a:t>
+            </a:r>
+            <a:endParaRPr lang="zh-CN" altLang="en-US" sz="1000">
+              <a:solidFill>
+                <a:schemeClr val="bg1"/>
+              </a:solidFill>
+            </a:endParaRPr>
+          </a:p>
+        </p:txBody>
+      </p:sp>
+      <p:sp>
+        <p:nvSpPr>
+          <p:cNvPr id="62" name="文本框 61"/>
+          <p:cNvSpPr txBox="1"/>
+          <p:nvPr/>
+        </p:nvSpPr>
+        <p:spPr>
+          <a:xfrm>
+            <a:off x="4780280" y="3481070"/>
+            <a:ext cx="690880" cy="245110"/>
+          </a:xfrm>
+          <a:prstGeom prst="rect">
+            <a:avLst/>
+          </a:prstGeom>
+          <a:noFill/>
+        </p:spPr>
+        <p:txBody>
+          <a:bodyPr wrap="none" rtlCol="0">
+            <a:spAutoFit/>
+          </a:bodyPr>
+          <a:p>
+            <a:r>
+              <a:rPr lang="zh-CN" altLang="en-US" sz="1000"/>
+              <a:t>创建时间</a:t>
+            </a:r>
+            <a:endParaRPr lang="zh-CN" altLang="en-US" sz="1000"/>
+          </a:p>
+        </p:txBody>
+      </p:sp>
+      <p:sp>
+        <p:nvSpPr>
+          <p:cNvPr id="63" name="文本框 62"/>
+          <p:cNvSpPr txBox="1"/>
+          <p:nvPr/>
+        </p:nvSpPr>
+        <p:spPr>
+          <a:xfrm>
+            <a:off x="6245860" y="3481070"/>
+            <a:ext cx="1283970" cy="245110"/>
+          </a:xfrm>
+          <a:prstGeom prst="rect">
+            <a:avLst/>
+          </a:prstGeom>
+          <a:noFill/>
+        </p:spPr>
+        <p:txBody>
+          <a:bodyPr wrap="none" rtlCol="0">
+            <a:spAutoFit/>
+          </a:bodyPr>
+          <a:p>
+            <a:r>
+              <a:rPr lang="en-US" altLang="zh-CN" sz="1000"/>
+              <a:t>2020-05-24  14:30:21</a:t>
+            </a:r>
+            <a:endParaRPr lang="zh-CN" altLang="en-US" sz="1000"/>
+          </a:p>
+        </p:txBody>
+      </p:sp>
+      <p:sp>
+        <p:nvSpPr>
+          <p:cNvPr id="65" name="文本框 64"/>
+          <p:cNvSpPr txBox="1"/>
+          <p:nvPr/>
+        </p:nvSpPr>
+        <p:spPr>
+          <a:xfrm>
+            <a:off x="4789805" y="3726180"/>
+            <a:ext cx="563880" cy="245110"/>
+          </a:xfrm>
+          <a:prstGeom prst="rect">
+            <a:avLst/>
+          </a:prstGeom>
+          <a:noFill/>
+        </p:spPr>
+        <p:txBody>
+          <a:bodyPr wrap="none" rtlCol="0">
+            <a:spAutoFit/>
+          </a:bodyPr>
+          <a:p>
+            <a:r>
+              <a:rPr lang="zh-CN" altLang="en-US" sz="1000"/>
+              <a:t>付款人</a:t>
+            </a:r>
+            <a:endParaRPr lang="zh-CN" altLang="en-US" sz="1000"/>
+          </a:p>
+        </p:txBody>
+      </p:sp>
+      <p:sp>
+        <p:nvSpPr>
+          <p:cNvPr id="66" name="文本框 65"/>
+          <p:cNvSpPr txBox="1"/>
+          <p:nvPr/>
+        </p:nvSpPr>
+        <p:spPr>
+          <a:xfrm>
+            <a:off x="6255385" y="3726180"/>
+            <a:ext cx="436880" cy="245110"/>
+          </a:xfrm>
+          <a:prstGeom prst="rect">
+            <a:avLst/>
+          </a:prstGeom>
+          <a:noFill/>
+        </p:spPr>
+        <p:txBody>
+          <a:bodyPr wrap="none" rtlCol="0">
+            <a:spAutoFit/>
+          </a:bodyPr>
+          <a:p>
+            <a:r>
+              <a:rPr lang="zh-CN" sz="1000"/>
+              <a:t>张三</a:t>
+            </a:r>
+            <a:endParaRPr lang="zh-CN" sz="1000"/>
+          </a:p>
+        </p:txBody>
+      </p:sp>
+      <p:sp>
+        <p:nvSpPr>
+          <p:cNvPr id="69" name="文本框 68"/>
+          <p:cNvSpPr txBox="1"/>
+          <p:nvPr/>
+        </p:nvSpPr>
+        <p:spPr>
+          <a:xfrm>
+            <a:off x="4789805" y="3971290"/>
+            <a:ext cx="690880" cy="245110"/>
+          </a:xfrm>
+          <a:prstGeom prst="rect">
+            <a:avLst/>
+          </a:prstGeom>
+          <a:noFill/>
+        </p:spPr>
+        <p:txBody>
+          <a:bodyPr wrap="none" rtlCol="0">
+            <a:spAutoFit/>
+          </a:bodyPr>
+          <a:p>
+            <a:r>
+              <a:rPr lang="zh-CN" altLang="en-US" sz="1000"/>
+              <a:t>联系方式</a:t>
+            </a:r>
+            <a:endParaRPr lang="zh-CN" altLang="en-US" sz="1000"/>
+          </a:p>
+        </p:txBody>
+      </p:sp>
+      <p:sp>
+        <p:nvSpPr>
+          <p:cNvPr id="70" name="文本框 69"/>
+          <p:cNvSpPr txBox="1"/>
+          <p:nvPr/>
+        </p:nvSpPr>
+        <p:spPr>
+          <a:xfrm>
+            <a:off x="6255385" y="3971290"/>
+            <a:ext cx="888365" cy="245110"/>
+          </a:xfrm>
+          <a:prstGeom prst="rect">
+            <a:avLst/>
+          </a:prstGeom>
+          <a:noFill/>
+        </p:spPr>
+        <p:txBody>
+          <a:bodyPr wrap="none" rtlCol="0">
+            <a:spAutoFit/>
+          </a:bodyPr>
+          <a:p>
+            <a:r>
+              <a:rPr lang="en-US" sz="1000"/>
+              <a:t>15087099999</a:t>
+            </a:r>
+            <a:endParaRPr lang="en-US" sz="1000"/>
+          </a:p>
+        </p:txBody>
+      </p:sp>
+      <p:sp>
+        <p:nvSpPr>
+          <p:cNvPr id="71" name="矩形 70"/>
+          <p:cNvSpPr/>
+          <p:nvPr/>
+        </p:nvSpPr>
+        <p:spPr>
+          <a:xfrm>
+            <a:off x="4426585" y="4582795"/>
+            <a:ext cx="3512185" cy="1270635"/>
+          </a:xfrm>
+          <a:prstGeom prst="rect">
+            <a:avLst/>
+          </a:prstGeom>
+          <a:noFill/>
+          <a:ln w="19050"/>
+          <a:extLst>
+            <a:ext uri="{909E8E84-426E-40DD-AFC4-6F175D3DCCD1}">
+              <a14:hiddenFill xmlns:a14="http://schemas.microsoft.com/office/drawing/2010/main">
+                <a:solidFill>
+                  <a:schemeClr val="accent1"/>
+                </a:solidFill>
+              </a14:hiddenFill>
+            </a:ext>
+          </a:extLst>
+        </p:spPr>
+        <p:style>
+          <a:lnRef idx="2">
+            <a:schemeClr val="accent1">
+              <a:shade val="50000"/>
+            </a:schemeClr>
+          </a:lnRef>
+          <a:fillRef idx="1">
+            <a:schemeClr val="accent1"/>
+          </a:fillRef>
+          <a:effectRef idx="0">
+            <a:schemeClr val="accent1"/>
+          </a:effectRef>
+          <a:fontRef idx="minor">
+            <a:schemeClr val="lt1"/>
+          </a:fontRef>
+        </p:style>
+        <p:txBody>
+          <a:bodyPr rtlCol="0" anchor="ctr"/>
+          <a:p>
+            <a:pPr algn="ctr"/>
+            <a:endParaRPr lang="zh-CN" altLang="en-US">
+              <a:solidFill>
+                <a:schemeClr val="accent5"/>
+              </a:solidFill>
+            </a:endParaRPr>
+          </a:p>
+        </p:txBody>
+      </p:sp>
+      <p:sp>
+        <p:nvSpPr>
+          <p:cNvPr id="72" name="矩形 71"/>
+          <p:cNvSpPr/>
+          <p:nvPr/>
+        </p:nvSpPr>
+        <p:spPr>
+          <a:xfrm>
+            <a:off x="4426585" y="4337050"/>
+            <a:ext cx="798830" cy="245745"/>
+          </a:xfrm>
+          <a:prstGeom prst="rect">
+            <a:avLst/>
+          </a:prstGeom>
+          <a:solidFill>
+            <a:srgbClr val="0070C0"/>
+          </a:solidFill>
+          <a:ln w="19050">
+            <a:noFill/>
+          </a:ln>
+        </p:spPr>
+        <p:style>
+          <a:lnRef idx="2">
+            <a:schemeClr val="accent1">
+              <a:shade val="50000"/>
+            </a:schemeClr>
+          </a:lnRef>
+          <a:fillRef idx="1">
+            <a:schemeClr val="accent1"/>
+          </a:fillRef>
+          <a:effectRef idx="0">
+            <a:schemeClr val="accent1"/>
+          </a:effectRef>
+          <a:fontRef idx="minor">
+            <a:schemeClr val="lt1"/>
+          </a:fontRef>
+        </p:style>
+        <p:txBody>
+          <a:bodyPr rtlCol="0" anchor="ctr"/>
+          <a:p>
+            <a:pPr algn="ctr"/>
+            <a:r>
+              <a:rPr lang="zh-CN" altLang="en-US" sz="1000">
+                <a:solidFill>
+                  <a:schemeClr val="bg1"/>
+                </a:solidFill>
+              </a:rPr>
+              <a:t>财务信息</a:t>
+            </a:r>
+            <a:endParaRPr lang="zh-CN" altLang="en-US" sz="1000">
+              <a:solidFill>
+                <a:schemeClr val="bg1"/>
+              </a:solidFill>
+            </a:endParaRPr>
+          </a:p>
+        </p:txBody>
+      </p:sp>
+      <p:sp>
+        <p:nvSpPr>
+          <p:cNvPr id="73" name="文本框 72"/>
+          <p:cNvSpPr txBox="1"/>
+          <p:nvPr/>
+        </p:nvSpPr>
+        <p:spPr>
+          <a:xfrm>
+            <a:off x="4770755" y="4872990"/>
+            <a:ext cx="436880" cy="245110"/>
+          </a:xfrm>
+          <a:prstGeom prst="rect">
+            <a:avLst/>
+          </a:prstGeom>
+          <a:noFill/>
+        </p:spPr>
+        <p:txBody>
+          <a:bodyPr wrap="none" rtlCol="0">
+            <a:spAutoFit/>
+          </a:bodyPr>
+          <a:p>
+            <a:r>
+              <a:rPr lang="zh-CN" altLang="en-US" sz="1000"/>
+              <a:t>房费</a:t>
+            </a:r>
+            <a:endParaRPr lang="zh-CN" altLang="en-US" sz="1000"/>
+          </a:p>
+        </p:txBody>
+      </p:sp>
+      <p:sp>
+        <p:nvSpPr>
+          <p:cNvPr id="74" name="文本框 73"/>
+          <p:cNvSpPr txBox="1"/>
+          <p:nvPr/>
+        </p:nvSpPr>
+        <p:spPr>
+          <a:xfrm>
+            <a:off x="6236335" y="4872990"/>
+            <a:ext cx="502285" cy="245110"/>
+          </a:xfrm>
+          <a:prstGeom prst="rect">
+            <a:avLst/>
+          </a:prstGeom>
+          <a:noFill/>
+        </p:spPr>
+        <p:txBody>
+          <a:bodyPr wrap="none" rtlCol="0">
+            <a:spAutoFit/>
+          </a:bodyPr>
+          <a:p>
+            <a:r>
+              <a:rPr lang="zh-CN" sz="1000"/>
+              <a:t>￥</a:t>
+            </a:r>
+            <a:r>
+              <a:rPr lang="en-US" altLang="zh-CN" sz="1000"/>
+              <a:t>200</a:t>
+            </a:r>
+            <a:endParaRPr lang="en-US" altLang="zh-CN" sz="1000"/>
+          </a:p>
+        </p:txBody>
+      </p:sp>
+      <p:sp>
+        <p:nvSpPr>
+          <p:cNvPr id="75" name="文本框 74"/>
+          <p:cNvSpPr txBox="1"/>
+          <p:nvPr/>
+        </p:nvSpPr>
+        <p:spPr>
+          <a:xfrm>
+            <a:off x="4780280" y="5118100"/>
+            <a:ext cx="436880" cy="245110"/>
+          </a:xfrm>
+          <a:prstGeom prst="rect">
+            <a:avLst/>
+          </a:prstGeom>
+          <a:noFill/>
+        </p:spPr>
+        <p:txBody>
+          <a:bodyPr wrap="none" rtlCol="0">
+            <a:spAutoFit/>
+          </a:bodyPr>
+          <a:p>
+            <a:r>
+              <a:rPr lang="zh-CN" altLang="en-US" sz="1000"/>
+              <a:t>押金</a:t>
+            </a:r>
+            <a:endParaRPr lang="zh-CN" altLang="en-US" sz="1000"/>
+          </a:p>
+        </p:txBody>
+      </p:sp>
+      <p:sp>
+        <p:nvSpPr>
+          <p:cNvPr id="77" name="文本框 76"/>
+          <p:cNvSpPr txBox="1"/>
+          <p:nvPr/>
+        </p:nvSpPr>
+        <p:spPr>
+          <a:xfrm>
+            <a:off x="6245860" y="5118100"/>
+            <a:ext cx="502285" cy="245110"/>
+          </a:xfrm>
+          <a:prstGeom prst="rect">
+            <a:avLst/>
+          </a:prstGeom>
+          <a:noFill/>
+        </p:spPr>
+        <p:txBody>
+          <a:bodyPr wrap="none" rtlCol="0">
+            <a:spAutoFit/>
+          </a:bodyPr>
+          <a:p>
+            <a:r>
+              <a:rPr lang="zh-CN" altLang="en-US" sz="1000"/>
+              <a:t>￥</a:t>
+            </a:r>
+            <a:r>
+              <a:rPr lang="en-US" altLang="zh-CN" sz="1000"/>
+              <a:t>2</a:t>
+            </a:r>
+            <a:r>
+              <a:rPr lang="en-US" altLang="zh-CN" sz="1000"/>
+              <a:t>00</a:t>
+            </a:r>
+            <a:endParaRPr lang="en-US" altLang="zh-CN" sz="1000"/>
+          </a:p>
+        </p:txBody>
+      </p:sp>
+      <p:sp>
+        <p:nvSpPr>
+          <p:cNvPr id="79" name="文本框 78"/>
+          <p:cNvSpPr txBox="1"/>
+          <p:nvPr/>
+        </p:nvSpPr>
+        <p:spPr>
+          <a:xfrm>
+            <a:off x="4780280" y="4627880"/>
+            <a:ext cx="690880" cy="245110"/>
+          </a:xfrm>
+          <a:prstGeom prst="rect">
+            <a:avLst/>
+          </a:prstGeom>
+          <a:noFill/>
+        </p:spPr>
+        <p:txBody>
+          <a:bodyPr wrap="none" rtlCol="0">
+            <a:spAutoFit/>
+          </a:bodyPr>
+          <a:p>
+            <a:r>
+              <a:rPr lang="zh-CN" altLang="en-US" sz="1000"/>
+              <a:t>订单总价</a:t>
+            </a:r>
+            <a:endParaRPr lang="zh-CN" altLang="en-US" sz="1000"/>
+          </a:p>
+        </p:txBody>
+      </p:sp>
+      <p:sp>
+        <p:nvSpPr>
+          <p:cNvPr id="87" name="文本框 86"/>
+          <p:cNvSpPr txBox="1"/>
+          <p:nvPr/>
+        </p:nvSpPr>
+        <p:spPr>
+          <a:xfrm>
+            <a:off x="6236335" y="4627880"/>
+            <a:ext cx="502285" cy="245110"/>
+          </a:xfrm>
+          <a:prstGeom prst="rect">
+            <a:avLst/>
+          </a:prstGeom>
+          <a:noFill/>
+        </p:spPr>
+        <p:txBody>
+          <a:bodyPr wrap="none" rtlCol="0">
+            <a:spAutoFit/>
+          </a:bodyPr>
+          <a:p>
+            <a:r>
+              <a:rPr lang="zh-CN" altLang="en-US" sz="1000"/>
+              <a:t>￥</a:t>
+            </a:r>
+            <a:r>
+              <a:rPr lang="en-US" altLang="zh-CN" sz="1000"/>
+              <a:t>4</a:t>
+            </a:r>
+            <a:r>
+              <a:rPr lang="en-US" altLang="zh-CN" sz="1000"/>
+              <a:t>00</a:t>
+            </a:r>
+            <a:endParaRPr lang="en-US" altLang="zh-CN" sz="1000"/>
+          </a:p>
+        </p:txBody>
+      </p:sp>
+      <p:sp>
+        <p:nvSpPr>
+          <p:cNvPr id="88" name="文本框 87"/>
+          <p:cNvSpPr txBox="1"/>
+          <p:nvPr/>
+        </p:nvSpPr>
+        <p:spPr>
+          <a:xfrm>
+            <a:off x="6819265" y="5118100"/>
+            <a:ext cx="436880" cy="245110"/>
+          </a:xfrm>
+          <a:prstGeom prst="rect">
+            <a:avLst/>
+          </a:prstGeom>
+          <a:solidFill>
+            <a:srgbClr val="FF0000"/>
+          </a:solidFill>
+        </p:spPr>
+        <p:txBody>
+          <a:bodyPr wrap="none" rtlCol="0">
+            <a:spAutoFit/>
+          </a:bodyPr>
+          <a:p>
+            <a:r>
+              <a:rPr lang="zh-CN" altLang="en-US" sz="1000">
+                <a:solidFill>
+                  <a:schemeClr val="bg1"/>
+                </a:solidFill>
+              </a:rPr>
+              <a:t>未退</a:t>
+            </a:r>
+            <a:endParaRPr lang="zh-CN" altLang="en-US" sz="1000">
+              <a:solidFill>
+                <a:schemeClr val="bg1"/>
+              </a:solidFill>
+            </a:endParaRPr>
+          </a:p>
+        </p:txBody>
+      </p:sp>
+      <p:sp>
+        <p:nvSpPr>
+          <p:cNvPr id="89" name="文本框 88"/>
+          <p:cNvSpPr txBox="1"/>
+          <p:nvPr/>
+        </p:nvSpPr>
+        <p:spPr>
+          <a:xfrm>
+            <a:off x="4780280" y="5363210"/>
+            <a:ext cx="436880" cy="245110"/>
+          </a:xfrm>
+          <a:prstGeom prst="rect">
+            <a:avLst/>
+          </a:prstGeom>
+          <a:noFill/>
+        </p:spPr>
+        <p:txBody>
+          <a:bodyPr wrap="none" rtlCol="0">
+            <a:spAutoFit/>
+          </a:bodyPr>
+          <a:p>
+            <a:r>
+              <a:rPr lang="zh-CN" altLang="en-US" sz="1000"/>
+              <a:t>消费</a:t>
+            </a:r>
+            <a:endParaRPr lang="zh-CN" altLang="en-US" sz="1000"/>
+          </a:p>
+        </p:txBody>
+      </p:sp>
+      <p:sp>
+        <p:nvSpPr>
+          <p:cNvPr id="90" name="文本框 89"/>
+          <p:cNvSpPr txBox="1"/>
+          <p:nvPr/>
+        </p:nvSpPr>
+        <p:spPr>
+          <a:xfrm>
+            <a:off x="6245860" y="5363210"/>
+            <a:ext cx="387350" cy="245110"/>
+          </a:xfrm>
+          <a:prstGeom prst="rect">
+            <a:avLst/>
+          </a:prstGeom>
+          <a:noFill/>
+        </p:spPr>
+        <p:txBody>
+          <a:bodyPr wrap="none" rtlCol="0">
+            <a:spAutoFit/>
+          </a:bodyPr>
+          <a:p>
+            <a:r>
+              <a:rPr lang="zh-CN" altLang="en-US" sz="1000"/>
+              <a:t>￥</a:t>
+            </a:r>
+            <a:r>
+              <a:rPr lang="en-US" altLang="zh-CN" sz="1000"/>
+              <a:t>--</a:t>
+            </a:r>
+            <a:endParaRPr lang="en-US" altLang="zh-CN" sz="1000"/>
+          </a:p>
+        </p:txBody>
+      </p:sp>
+      <p:sp>
+        <p:nvSpPr>
+          <p:cNvPr id="92" name="文本框 91"/>
+          <p:cNvSpPr txBox="1"/>
+          <p:nvPr/>
+        </p:nvSpPr>
+        <p:spPr>
+          <a:xfrm>
+            <a:off x="4788535" y="5608320"/>
+            <a:ext cx="436880" cy="245110"/>
+          </a:xfrm>
+          <a:prstGeom prst="rect">
+            <a:avLst/>
+          </a:prstGeom>
+          <a:noFill/>
+        </p:spPr>
+        <p:txBody>
+          <a:bodyPr wrap="none" rtlCol="0">
+            <a:spAutoFit/>
+          </a:bodyPr>
+          <a:p>
+            <a:r>
+              <a:rPr lang="zh-CN" altLang="en-US" sz="1000"/>
+              <a:t>收入</a:t>
+            </a:r>
+            <a:endParaRPr lang="zh-CN" altLang="en-US" sz="1000"/>
+          </a:p>
+        </p:txBody>
+      </p:sp>
+      <p:sp>
+        <p:nvSpPr>
+          <p:cNvPr id="93" name="文本框 92"/>
+          <p:cNvSpPr txBox="1"/>
+          <p:nvPr/>
+        </p:nvSpPr>
+        <p:spPr>
+          <a:xfrm>
+            <a:off x="6254115" y="5608320"/>
+            <a:ext cx="387350" cy="245110"/>
+          </a:xfrm>
+          <a:prstGeom prst="rect">
+            <a:avLst/>
+          </a:prstGeom>
+          <a:noFill/>
+        </p:spPr>
+        <p:txBody>
+          <a:bodyPr wrap="none" rtlCol="0">
+            <a:spAutoFit/>
+          </a:bodyPr>
+          <a:p>
+            <a:r>
+              <a:rPr lang="zh-CN" altLang="en-US" sz="1000"/>
+              <a:t>￥</a:t>
+            </a:r>
+            <a:r>
+              <a:rPr lang="en-US" altLang="zh-CN" sz="1000"/>
+              <a:t>--</a:t>
+            </a:r>
+            <a:endParaRPr lang="en-US" altLang="zh-CN" sz="1000"/>
+          </a:p>
+        </p:txBody>
+      </p:sp>
+      <p:sp>
+        <p:nvSpPr>
+          <p:cNvPr id="95" name="左箭头 94"/>
+          <p:cNvSpPr/>
+          <p:nvPr/>
+        </p:nvSpPr>
+        <p:spPr>
+          <a:xfrm>
+            <a:off x="4465955" y="281305"/>
+            <a:ext cx="323850" cy="212090"/>
+          </a:xfrm>
+          <a:prstGeom prst="leftArrow">
+            <a:avLst/>
+          </a:prstGeom>
+        </p:spPr>
+        <p:style>
+          <a:lnRef idx="1">
+            <a:schemeClr val="accent5"/>
+          </a:lnRef>
+          <a:fillRef idx="3">
+            <a:schemeClr val="accent5"/>
+          </a:fillRef>
+          <a:effectRef idx="2">
+            <a:schemeClr val="accent5"/>
+          </a:effectRef>
+          <a:fontRef idx="minor">
+            <a:schemeClr val="lt1"/>
+          </a:fontRef>
+        </p:style>
+        <p:txBody>
+          <a:bodyPr rtlCol="0" anchor="ctr"/>
+          <a:p>
+            <a:pPr algn="ctr"/>
+            <a:endParaRPr lang="zh-CN" altLang="en-US"/>
+          </a:p>
+        </p:txBody>
+      </p:sp>
+    </p:spTree>
+  </p:cSld>
+  <p:clrMapOvr>
+    <a:masterClrMapping/>
+  </p:clrMapOvr>
+</p:sld>
+</file>
+
+<file path=ppt/slides/slide6.xml><?xml version="1.0" encoding="utf-8"?>
+<p:sld xmlns:a="http://schemas.openxmlformats.org/drawingml/2006/main" xmlns:r="http://schemas.openxmlformats.org/officeDocument/2006/relationships" xmlns:p="http://schemas.openxmlformats.org/presentationml/2006/main">
+  <p:cSld>
+    <p:spTree>
+      <p:nvGrpSpPr>
+        <p:cNvPr id="1" name=""/>
+        <p:cNvGrpSpPr/>
+        <p:nvPr/>
+      </p:nvGrpSpPr>
+      <p:grpSpPr/>
+      <p:sp>
+        <p:nvSpPr>
+          <p:cNvPr id="4" name="矩形 3"/>
+          <p:cNvSpPr/>
+          <p:nvPr/>
+        </p:nvSpPr>
+        <p:spPr>
+          <a:xfrm>
+            <a:off x="4356100" y="154305"/>
+            <a:ext cx="3710305" cy="6529705"/>
+          </a:xfrm>
+          <a:prstGeom prst="rect">
+            <a:avLst/>
+          </a:prstGeom>
+          <a:noFill/>
+          <a:ln w="19050"/>
+          <a:extLst>
+            <a:ext uri="{909E8E84-426E-40DD-AFC4-6F175D3DCCD1}">
+              <a14:hiddenFill xmlns:a14="http://schemas.microsoft.com/office/drawing/2010/main">
+                <a:solidFill>
+                  <a:schemeClr val="accent1"/>
+                </a:solidFill>
+              </a14:hiddenFill>
+            </a:ext>
+          </a:extLst>
+        </p:spPr>
+        <p:style>
+          <a:lnRef idx="2">
+            <a:schemeClr val="accent1">
+              <a:shade val="50000"/>
+            </a:schemeClr>
+          </a:lnRef>
+          <a:fillRef idx="1">
+            <a:schemeClr val="accent1"/>
+          </a:fillRef>
+          <a:effectRef idx="0">
+            <a:schemeClr val="accent1"/>
+          </a:effectRef>
+          <a:fontRef idx="minor">
+            <a:schemeClr val="lt1"/>
+          </a:fontRef>
+        </p:style>
+        <p:txBody>
+          <a:bodyPr rtlCol="0" anchor="ctr"/>
+          <a:p>
+            <a:pPr algn="ctr"/>
+            <a:endParaRPr lang="zh-CN" altLang="en-US"/>
+          </a:p>
+        </p:txBody>
+      </p:sp>
+      <p:sp>
+        <p:nvSpPr>
+          <p:cNvPr id="5" name="矩形 4"/>
+          <p:cNvSpPr/>
+          <p:nvPr/>
+        </p:nvSpPr>
+        <p:spPr>
+          <a:xfrm>
+            <a:off x="4356100" y="6239510"/>
+            <a:ext cx="3710305" cy="444500"/>
+          </a:xfrm>
+          <a:prstGeom prst="rect">
+            <a:avLst/>
+          </a:prstGeom>
+          <a:noFill/>
+          <a:ln w="19050"/>
+          <a:extLst>
+            <a:ext uri="{909E8E84-426E-40DD-AFC4-6F175D3DCCD1}">
+              <a14:hiddenFill xmlns:a14="http://schemas.microsoft.com/office/drawing/2010/main">
+                <a:solidFill>
+                  <a:schemeClr val="accent1"/>
+                </a:solidFill>
+              </a14:hiddenFill>
+            </a:ext>
+          </a:extLst>
+        </p:spPr>
+        <p:style>
+          <a:lnRef idx="2">
+            <a:schemeClr val="accent1">
+              <a:shade val="50000"/>
+            </a:schemeClr>
+          </a:lnRef>
+          <a:fillRef idx="1">
+            <a:schemeClr val="accent1"/>
+          </a:fillRef>
+          <a:effectRef idx="0">
+            <a:schemeClr val="accent1"/>
+          </a:effectRef>
+          <a:fontRef idx="minor">
+            <a:schemeClr val="lt1"/>
+          </a:fontRef>
+        </p:style>
+        <p:txBody>
+          <a:bodyPr rtlCol="0" anchor="ctr"/>
+          <a:p>
+            <a:pPr algn="ctr"/>
+            <a:endParaRPr lang="zh-CN" altLang="en-US" b="1"/>
+          </a:p>
+        </p:txBody>
+      </p:sp>
+      <p:sp>
+        <p:nvSpPr>
+          <p:cNvPr id="9" name="矩形 8"/>
+          <p:cNvSpPr/>
+          <p:nvPr/>
+        </p:nvSpPr>
+        <p:spPr>
+          <a:xfrm>
+            <a:off x="6250305" y="6282055"/>
+            <a:ext cx="1717040" cy="349250"/>
+          </a:xfrm>
+          <a:prstGeom prst="rect">
+            <a:avLst/>
+          </a:prstGeom>
+        </p:spPr>
+        <p:style>
+          <a:lnRef idx="1">
+            <a:schemeClr val="accent6"/>
+          </a:lnRef>
+          <a:fillRef idx="3">
+            <a:schemeClr val="accent6"/>
+          </a:fillRef>
+          <a:effectRef idx="2">
+            <a:schemeClr val="accent6"/>
+          </a:effectRef>
+          <a:fontRef idx="minor">
+            <a:schemeClr val="lt1"/>
+          </a:fontRef>
+        </p:style>
+        <p:txBody>
+          <a:bodyPr rtlCol="0" anchor="ctr"/>
+          <a:p>
+            <a:pPr algn="ctr"/>
+            <a:r>
+              <a:rPr lang="zh-CN" altLang="en-US" sz="1200" b="1">
+                <a:solidFill>
+                  <a:schemeClr val="bg1"/>
+                </a:solidFill>
+              </a:rPr>
+              <a:t>创建订单</a:t>
+            </a:r>
+            <a:endParaRPr lang="zh-CN" altLang="en-US" sz="1200" b="1">
+              <a:solidFill>
+                <a:schemeClr val="bg1"/>
+              </a:solidFill>
+            </a:endParaRPr>
+          </a:p>
+        </p:txBody>
+      </p:sp>
+      <p:sp>
+        <p:nvSpPr>
+          <p:cNvPr id="10" name="矩形 9"/>
+          <p:cNvSpPr/>
+          <p:nvPr/>
+        </p:nvSpPr>
+        <p:spPr>
+          <a:xfrm>
+            <a:off x="4556125" y="6282055"/>
+            <a:ext cx="1552575" cy="349250"/>
+          </a:xfrm>
+          <a:prstGeom prst="rect">
+            <a:avLst/>
+          </a:prstGeom>
+          <a:solidFill>
+            <a:srgbClr val="FF0000"/>
+          </a:solidFill>
+          <a:ln w="19050">
+            <a:noFill/>
+          </a:ln>
+          <a:extLst>
+            <a:ext uri="{909E8E84-426E-40DD-AFC4-6F175D3DCCD1}">
+              <a14:hiddenFill xmlns:a14="http://schemas.microsoft.com/office/drawing/2010/main">
+                <a:solidFill>
+                  <a:schemeClr val="accent1"/>
+                </a:solidFill>
+              </a14:hiddenFill>
+            </a:ext>
+          </a:extLst>
+        </p:spPr>
+        <p:style>
+          <a:lnRef idx="2">
+            <a:schemeClr val="accent1">
+              <a:shade val="50000"/>
+            </a:schemeClr>
+          </a:lnRef>
+          <a:fillRef idx="1">
+            <a:schemeClr val="accent1"/>
+          </a:fillRef>
+          <a:effectRef idx="0">
+            <a:schemeClr val="accent1"/>
+          </a:effectRef>
+          <a:fontRef idx="minor">
+            <a:schemeClr val="lt1"/>
+          </a:fontRef>
+        </p:style>
+        <p:txBody>
+          <a:bodyPr rtlCol="0" anchor="ctr"/>
+          <a:p>
+            <a:pPr algn="ctr"/>
+            <a:r>
+              <a:rPr lang="zh-CN" altLang="en-US" sz="1200" b="1">
+                <a:solidFill>
+                  <a:schemeClr val="bg1"/>
+                </a:solidFill>
+              </a:rPr>
+              <a:t>取消</a:t>
+            </a:r>
+            <a:endParaRPr lang="en-US" altLang="zh-CN" sz="1200" b="1">
+              <a:solidFill>
+                <a:schemeClr val="bg1"/>
+              </a:solidFill>
+            </a:endParaRPr>
+          </a:p>
+        </p:txBody>
+      </p:sp>
+      <p:sp>
+        <p:nvSpPr>
+          <p:cNvPr id="33" name="文本框 32"/>
+          <p:cNvSpPr txBox="1"/>
+          <p:nvPr/>
+        </p:nvSpPr>
+        <p:spPr>
+          <a:xfrm>
+            <a:off x="812800" y="647065"/>
+            <a:ext cx="1097280" cy="368300"/>
+          </a:xfrm>
+          <a:prstGeom prst="rect">
+            <a:avLst/>
+          </a:prstGeom>
+          <a:noFill/>
+        </p:spPr>
+        <p:txBody>
+          <a:bodyPr wrap="none" rtlCol="0">
+            <a:spAutoFit/>
+          </a:bodyPr>
+          <a:p>
+            <a:pPr algn="l"/>
+            <a:r>
+              <a:rPr lang="zh-CN" altLang="en-US">
+                <a:sym typeface="+mn-ea"/>
+              </a:rPr>
+              <a:t>创建订单</a:t>
+            </a:r>
+            <a:endParaRPr lang="zh-CN" altLang="en-US"/>
+          </a:p>
+        </p:txBody>
+      </p:sp>
+      <p:sp>
+        <p:nvSpPr>
+          <p:cNvPr id="55" name="矩形 54"/>
+          <p:cNvSpPr/>
+          <p:nvPr/>
+        </p:nvSpPr>
+        <p:spPr>
+          <a:xfrm>
+            <a:off x="4356100" y="154305"/>
+            <a:ext cx="3710305" cy="465455"/>
+          </a:xfrm>
+          <a:prstGeom prst="rect">
+            <a:avLst/>
+          </a:prstGeom>
+          <a:noFill/>
+          <a:ln w="19050"/>
+          <a:extLst>
+            <a:ext uri="{909E8E84-426E-40DD-AFC4-6F175D3DCCD1}">
+              <a14:hiddenFill xmlns:a14="http://schemas.microsoft.com/office/drawing/2010/main">
+                <a:solidFill>
+                  <a:schemeClr val="accent1"/>
+                </a:solidFill>
+              </a14:hiddenFill>
+            </a:ext>
+          </a:extLst>
+        </p:spPr>
+        <p:style>
+          <a:lnRef idx="2">
+            <a:schemeClr val="accent1">
+              <a:shade val="50000"/>
+            </a:schemeClr>
+          </a:lnRef>
+          <a:fillRef idx="1">
+            <a:schemeClr val="accent1"/>
+          </a:fillRef>
+          <a:effectRef idx="0">
+            <a:schemeClr val="accent1"/>
+          </a:effectRef>
+          <a:fontRef idx="minor">
+            <a:schemeClr val="lt1"/>
+          </a:fontRef>
+        </p:style>
+        <p:txBody>
+          <a:bodyPr rtlCol="0" anchor="ctr"/>
+          <a:p>
+            <a:pPr algn="ctr"/>
+            <a:r>
+              <a:rPr lang="zh-CN" altLang="en-US">
+                <a:solidFill>
+                  <a:schemeClr val="accent5"/>
+                </a:solidFill>
+              </a:rPr>
+              <a:t>创建订单</a:t>
+            </a:r>
+            <a:endParaRPr lang="zh-CN" altLang="en-US">
+              <a:solidFill>
+                <a:schemeClr val="accent5"/>
+              </a:solidFill>
+            </a:endParaRPr>
+          </a:p>
+        </p:txBody>
+      </p:sp>
+      <p:sp>
+        <p:nvSpPr>
+          <p:cNvPr id="73" name="文本框 72"/>
+          <p:cNvSpPr txBox="1"/>
+          <p:nvPr/>
+        </p:nvSpPr>
+        <p:spPr>
+          <a:xfrm>
+            <a:off x="4646930" y="1167765"/>
+            <a:ext cx="487680" cy="275590"/>
+          </a:xfrm>
+          <a:prstGeom prst="rect">
+            <a:avLst/>
+          </a:prstGeom>
+          <a:noFill/>
+        </p:spPr>
+        <p:txBody>
+          <a:bodyPr wrap="none" rtlCol="0">
+            <a:spAutoFit/>
+          </a:bodyPr>
+          <a:p>
+            <a:r>
+              <a:rPr lang="zh-CN" altLang="en-US" sz="1200"/>
+              <a:t>来源</a:t>
+            </a:r>
+            <a:endParaRPr lang="zh-CN" altLang="en-US" sz="1200"/>
+          </a:p>
+        </p:txBody>
+      </p:sp>
+      <p:sp>
+        <p:nvSpPr>
+          <p:cNvPr id="74" name="文本框 73"/>
+          <p:cNvSpPr txBox="1"/>
+          <p:nvPr/>
+        </p:nvSpPr>
+        <p:spPr>
+          <a:xfrm>
+            <a:off x="6026785" y="1167765"/>
+            <a:ext cx="487680" cy="275590"/>
+          </a:xfrm>
+          <a:prstGeom prst="rect">
+            <a:avLst/>
+          </a:prstGeom>
+          <a:noFill/>
+        </p:spPr>
+        <p:txBody>
+          <a:bodyPr wrap="none" rtlCol="0">
+            <a:spAutoFit/>
+          </a:bodyPr>
+          <a:p>
+            <a:r>
+              <a:rPr lang="zh-CN" sz="1200"/>
+              <a:t>美团</a:t>
+            </a:r>
+            <a:endParaRPr lang="zh-CN" sz="1200"/>
+          </a:p>
+        </p:txBody>
+      </p:sp>
+      <p:sp>
+        <p:nvSpPr>
+          <p:cNvPr id="75" name="文本框 74"/>
+          <p:cNvSpPr txBox="1"/>
+          <p:nvPr/>
+        </p:nvSpPr>
+        <p:spPr>
+          <a:xfrm>
+            <a:off x="4646930" y="1550670"/>
+            <a:ext cx="487680" cy="275590"/>
+          </a:xfrm>
+          <a:prstGeom prst="rect">
+            <a:avLst/>
+          </a:prstGeom>
+          <a:noFill/>
+        </p:spPr>
+        <p:txBody>
+          <a:bodyPr wrap="none" rtlCol="0">
+            <a:spAutoFit/>
+          </a:bodyPr>
+          <a:p>
+            <a:r>
+              <a:rPr lang="zh-CN" altLang="en-US" sz="1200"/>
+              <a:t>姓名</a:t>
+            </a:r>
+            <a:endParaRPr lang="zh-CN" altLang="en-US" sz="1200"/>
+          </a:p>
+        </p:txBody>
+      </p:sp>
+      <p:sp>
+        <p:nvSpPr>
+          <p:cNvPr id="77" name="文本框 76"/>
+          <p:cNvSpPr txBox="1"/>
+          <p:nvPr/>
+        </p:nvSpPr>
+        <p:spPr>
+          <a:xfrm>
+            <a:off x="6026785" y="1550670"/>
+            <a:ext cx="487680" cy="275590"/>
+          </a:xfrm>
+          <a:prstGeom prst="rect">
+            <a:avLst/>
+          </a:prstGeom>
+          <a:noFill/>
+        </p:spPr>
+        <p:txBody>
+          <a:bodyPr wrap="none" rtlCol="0">
+            <a:spAutoFit/>
+          </a:bodyPr>
+          <a:p>
+            <a:r>
+              <a:rPr lang="zh-CN" sz="1200"/>
+              <a:t>张三</a:t>
+            </a:r>
+            <a:endParaRPr lang="zh-CN" sz="1200"/>
+          </a:p>
+        </p:txBody>
+      </p:sp>
+      <p:sp>
+        <p:nvSpPr>
+          <p:cNvPr id="79" name="文本框 78"/>
+          <p:cNvSpPr txBox="1"/>
+          <p:nvPr/>
+        </p:nvSpPr>
+        <p:spPr>
+          <a:xfrm>
+            <a:off x="4646930" y="784860"/>
+            <a:ext cx="487680" cy="275590"/>
+          </a:xfrm>
+          <a:prstGeom prst="rect">
+            <a:avLst/>
+          </a:prstGeom>
+          <a:noFill/>
+        </p:spPr>
+        <p:txBody>
+          <a:bodyPr wrap="none" rtlCol="0">
+            <a:spAutoFit/>
+          </a:bodyPr>
+          <a:p>
+            <a:r>
+              <a:rPr lang="zh-CN" altLang="en-US" sz="1200"/>
+              <a:t>入离</a:t>
+            </a:r>
+            <a:endParaRPr lang="zh-CN" altLang="en-US" sz="1200"/>
+          </a:p>
+        </p:txBody>
+      </p:sp>
+      <p:sp>
+        <p:nvSpPr>
+          <p:cNvPr id="87" name="文本框 86"/>
+          <p:cNvSpPr txBox="1"/>
+          <p:nvPr/>
+        </p:nvSpPr>
+        <p:spPr>
+          <a:xfrm>
+            <a:off x="6026785" y="784860"/>
+            <a:ext cx="1722755" cy="275590"/>
+          </a:xfrm>
+          <a:prstGeom prst="rect">
+            <a:avLst/>
+          </a:prstGeom>
+          <a:noFill/>
+        </p:spPr>
+        <p:txBody>
+          <a:bodyPr wrap="none" rtlCol="0">
+            <a:spAutoFit/>
+          </a:bodyPr>
+          <a:p>
+            <a:pPr algn="l"/>
+            <a:r>
+              <a:rPr sz="1200"/>
+              <a:t>2020-06-12 - 2020-06-13</a:t>
+            </a:r>
+            <a:endParaRPr sz="1200"/>
+          </a:p>
+        </p:txBody>
+      </p:sp>
+      <p:sp>
+        <p:nvSpPr>
+          <p:cNvPr id="89" name="文本框 88"/>
+          <p:cNvSpPr txBox="1"/>
+          <p:nvPr/>
+        </p:nvSpPr>
+        <p:spPr>
+          <a:xfrm>
+            <a:off x="4646930" y="1938655"/>
+            <a:ext cx="487680" cy="275590"/>
+          </a:xfrm>
+          <a:prstGeom prst="rect">
+            <a:avLst/>
+          </a:prstGeom>
+          <a:noFill/>
+        </p:spPr>
+        <p:txBody>
+          <a:bodyPr wrap="none" rtlCol="0">
+            <a:spAutoFit/>
+          </a:bodyPr>
+          <a:p>
+            <a:r>
+              <a:rPr lang="zh-CN" altLang="en-US" sz="1200"/>
+              <a:t>电话</a:t>
+            </a:r>
+            <a:endParaRPr lang="zh-CN" altLang="en-US" sz="1200"/>
+          </a:p>
+        </p:txBody>
+      </p:sp>
+      <p:sp>
+        <p:nvSpPr>
+          <p:cNvPr id="90" name="文本框 89"/>
+          <p:cNvSpPr txBox="1"/>
+          <p:nvPr/>
+        </p:nvSpPr>
+        <p:spPr>
+          <a:xfrm>
+            <a:off x="6026785" y="1938655"/>
+            <a:ext cx="1035050" cy="275590"/>
+          </a:xfrm>
+          <a:prstGeom prst="rect">
+            <a:avLst/>
+          </a:prstGeom>
+          <a:noFill/>
+        </p:spPr>
+        <p:txBody>
+          <a:bodyPr wrap="none" rtlCol="0">
+            <a:spAutoFit/>
+          </a:bodyPr>
+          <a:p>
+            <a:r>
+              <a:rPr lang="en-US" sz="1200"/>
+              <a:t>13133333333</a:t>
+            </a:r>
+            <a:endParaRPr lang="en-US" sz="1200"/>
+          </a:p>
+        </p:txBody>
+      </p:sp>
+      <p:sp>
+        <p:nvSpPr>
+          <p:cNvPr id="92" name="文本框 91"/>
+          <p:cNvSpPr txBox="1"/>
+          <p:nvPr/>
+        </p:nvSpPr>
+        <p:spPr>
+          <a:xfrm>
+            <a:off x="4646930" y="2316480"/>
+            <a:ext cx="487680" cy="275590"/>
+          </a:xfrm>
+          <a:prstGeom prst="rect">
+            <a:avLst/>
+          </a:prstGeom>
+          <a:noFill/>
+        </p:spPr>
+        <p:txBody>
+          <a:bodyPr wrap="none" rtlCol="0">
+            <a:spAutoFit/>
+          </a:bodyPr>
+          <a:p>
+            <a:r>
+              <a:rPr lang="zh-CN" altLang="en-US" sz="1200"/>
+              <a:t>房型</a:t>
+            </a:r>
+            <a:endParaRPr lang="zh-CN" altLang="en-US" sz="1200"/>
+          </a:p>
+        </p:txBody>
+      </p:sp>
+      <p:sp>
+        <p:nvSpPr>
+          <p:cNvPr id="93" name="文本框 92"/>
+          <p:cNvSpPr txBox="1"/>
+          <p:nvPr/>
+        </p:nvSpPr>
+        <p:spPr>
+          <a:xfrm>
+            <a:off x="6026785" y="2316480"/>
+            <a:ext cx="944880" cy="275590"/>
+          </a:xfrm>
+          <a:prstGeom prst="rect">
+            <a:avLst/>
+          </a:prstGeom>
+          <a:noFill/>
+        </p:spPr>
+        <p:txBody>
+          <a:bodyPr wrap="none" rtlCol="0">
+            <a:spAutoFit/>
+          </a:bodyPr>
+          <a:p>
+            <a:r>
+              <a:rPr lang="zh-CN" sz="1200"/>
+              <a:t>智享大床房</a:t>
+            </a:r>
+            <a:endParaRPr lang="zh-CN" sz="1200"/>
+          </a:p>
+        </p:txBody>
+      </p:sp>
+      <p:sp>
+        <p:nvSpPr>
+          <p:cNvPr id="95" name="左箭头 94"/>
+          <p:cNvSpPr/>
+          <p:nvPr/>
+        </p:nvSpPr>
+        <p:spPr>
+          <a:xfrm>
+            <a:off x="4465955" y="281305"/>
+            <a:ext cx="323850" cy="212090"/>
+          </a:xfrm>
+          <a:prstGeom prst="leftArrow">
+            <a:avLst/>
+          </a:prstGeom>
+        </p:spPr>
+        <p:style>
+          <a:lnRef idx="1">
+            <a:schemeClr val="accent5"/>
+          </a:lnRef>
+          <a:fillRef idx="3">
+            <a:schemeClr val="accent5"/>
+          </a:fillRef>
+          <a:effectRef idx="2">
+            <a:schemeClr val="accent5"/>
+          </a:effectRef>
+          <a:fontRef idx="minor">
+            <a:schemeClr val="lt1"/>
+          </a:fontRef>
+        </p:style>
+        <p:txBody>
+          <a:bodyPr rtlCol="0" anchor="ctr"/>
+          <a:p>
+            <a:pPr algn="ctr"/>
+            <a:endParaRPr lang="zh-CN" altLang="en-US"/>
+          </a:p>
+        </p:txBody>
+      </p:sp>
+      <p:sp>
+        <p:nvSpPr>
+          <p:cNvPr id="6" name="文本框 5"/>
+          <p:cNvSpPr txBox="1"/>
+          <p:nvPr/>
+        </p:nvSpPr>
+        <p:spPr>
+          <a:xfrm>
+            <a:off x="4646930" y="2746375"/>
+            <a:ext cx="487680" cy="275590"/>
+          </a:xfrm>
+          <a:prstGeom prst="rect">
+            <a:avLst/>
+          </a:prstGeom>
+          <a:noFill/>
+        </p:spPr>
+        <p:txBody>
+          <a:bodyPr wrap="none" rtlCol="0">
+            <a:spAutoFit/>
+          </a:bodyPr>
+          <a:p>
+            <a:r>
+              <a:rPr lang="zh-CN" altLang="en-US" sz="1200"/>
+              <a:t>间数</a:t>
+            </a:r>
+            <a:endParaRPr lang="zh-CN" altLang="en-US" sz="1200"/>
+          </a:p>
+        </p:txBody>
+      </p:sp>
+      <p:sp>
+        <p:nvSpPr>
+          <p:cNvPr id="7" name="文本框 6"/>
+          <p:cNvSpPr txBox="1"/>
+          <p:nvPr/>
+        </p:nvSpPr>
+        <p:spPr>
+          <a:xfrm>
+            <a:off x="6026785" y="2746375"/>
+            <a:ext cx="260350" cy="275590"/>
+          </a:xfrm>
+          <a:prstGeom prst="rect">
+            <a:avLst/>
+          </a:prstGeom>
+          <a:noFill/>
+        </p:spPr>
+        <p:txBody>
+          <a:bodyPr wrap="none" rtlCol="0">
+            <a:spAutoFit/>
+          </a:bodyPr>
+          <a:p>
+            <a:r>
+              <a:rPr lang="en-US" altLang="zh-CN" sz="1200"/>
+              <a:t>2</a:t>
+            </a:r>
+            <a:endParaRPr lang="en-US" altLang="zh-CN" sz="1200"/>
+          </a:p>
+        </p:txBody>
+      </p:sp>
+      <p:sp>
+        <p:nvSpPr>
+          <p:cNvPr id="8" name="文本框 7"/>
+          <p:cNvSpPr txBox="1"/>
+          <p:nvPr/>
+        </p:nvSpPr>
+        <p:spPr>
+          <a:xfrm>
+            <a:off x="4646930" y="3134360"/>
+            <a:ext cx="487680" cy="275590"/>
+          </a:xfrm>
+          <a:prstGeom prst="rect">
+            <a:avLst/>
+          </a:prstGeom>
+          <a:noFill/>
+        </p:spPr>
+        <p:txBody>
+          <a:bodyPr wrap="none" rtlCol="0">
+            <a:spAutoFit/>
+          </a:bodyPr>
+          <a:p>
+            <a:r>
+              <a:rPr lang="zh-CN" altLang="en-US" sz="1200"/>
+              <a:t>房费</a:t>
+            </a:r>
+            <a:endParaRPr lang="zh-CN" altLang="en-US" sz="1200"/>
+          </a:p>
+        </p:txBody>
+      </p:sp>
+      <p:sp>
+        <p:nvSpPr>
+          <p:cNvPr id="11" name="文本框 10"/>
+          <p:cNvSpPr txBox="1"/>
+          <p:nvPr/>
+        </p:nvSpPr>
+        <p:spPr>
+          <a:xfrm>
+            <a:off x="6026785" y="3134360"/>
+            <a:ext cx="415290" cy="275590"/>
+          </a:xfrm>
+          <a:prstGeom prst="rect">
+            <a:avLst/>
+          </a:prstGeom>
+          <a:noFill/>
+        </p:spPr>
+        <p:txBody>
+          <a:bodyPr wrap="none" rtlCol="0">
+            <a:spAutoFit/>
+          </a:bodyPr>
+          <a:p>
+            <a:r>
+              <a:rPr lang="en-US" sz="1200"/>
+              <a:t>200</a:t>
+            </a:r>
+            <a:endParaRPr lang="en-US" sz="1200"/>
+          </a:p>
+        </p:txBody>
+      </p:sp>
+      <p:sp>
+        <p:nvSpPr>
+          <p:cNvPr id="12" name="文本框 11"/>
+          <p:cNvSpPr txBox="1"/>
+          <p:nvPr/>
+        </p:nvSpPr>
+        <p:spPr>
+          <a:xfrm>
+            <a:off x="4646930" y="3512185"/>
+            <a:ext cx="792480" cy="275590"/>
+          </a:xfrm>
+          <a:prstGeom prst="rect">
+            <a:avLst/>
+          </a:prstGeom>
+          <a:noFill/>
+        </p:spPr>
+        <p:txBody>
+          <a:bodyPr wrap="none" rtlCol="0">
+            <a:spAutoFit/>
+          </a:bodyPr>
+          <a:p>
+            <a:r>
+              <a:rPr lang="zh-CN" altLang="en-US" sz="1200"/>
+              <a:t>支付方式</a:t>
+            </a:r>
+            <a:endParaRPr lang="zh-CN" altLang="en-US" sz="1200"/>
+          </a:p>
+        </p:txBody>
+      </p:sp>
+      <p:sp>
+        <p:nvSpPr>
+          <p:cNvPr id="14" name="文本框 13"/>
+          <p:cNvSpPr txBox="1"/>
+          <p:nvPr/>
+        </p:nvSpPr>
+        <p:spPr>
+          <a:xfrm>
+            <a:off x="6026785" y="3512185"/>
+            <a:ext cx="1348740" cy="275590"/>
+          </a:xfrm>
+          <a:prstGeom prst="rect">
+            <a:avLst/>
+          </a:prstGeom>
+          <a:noFill/>
+        </p:spPr>
+        <p:txBody>
+          <a:bodyPr wrap="square" rtlCol="0">
+            <a:spAutoFit/>
+          </a:bodyPr>
+          <a:p>
+            <a:pPr algn="l"/>
+            <a:r>
+              <a:rPr lang="zh-CN" sz="1200"/>
+              <a:t>已支付</a:t>
+            </a:r>
+            <a:r>
+              <a:rPr lang="en-US" altLang="zh-CN" sz="1200"/>
+              <a:t>/</a:t>
+            </a:r>
+            <a:r>
+              <a:rPr lang="zh-CN" sz="1200">
+                <a:sym typeface="+mn-ea"/>
+              </a:rPr>
+              <a:t>到店支付</a:t>
+            </a:r>
+            <a:endParaRPr lang="en-US" altLang="zh-CN" sz="1200"/>
           </a:p>
         </p:txBody>
       </p:sp>

--- a/后台文档/后台移动端界面.pptx
+++ b/后台文档/后台移动端界面.pptx
@@ -4570,7 +4570,7 @@
         <p:spPr>
           <a:xfrm>
             <a:off x="8211185" y="2081530"/>
-            <a:ext cx="2080260" cy="460375"/>
+            <a:ext cx="2080260" cy="645160"/>
           </a:xfrm>
           <a:prstGeom prst="rect">
             <a:avLst/>
@@ -4594,6 +4594,22 @@
                 </a:solidFill>
               </a:rPr>
               <a:t>先试试日期选择器</a:t>
+            </a:r>
+            <a:endParaRPr lang="zh-CN" sz="1200">
+              <a:solidFill>
+                <a:srgbClr val="FF0000"/>
+              </a:solidFill>
+            </a:endParaRPr>
+          </a:p>
+          <a:p>
+            <a:pPr algn="l"/>
+            <a:r>
+              <a:rPr lang="en-US" altLang="zh-CN" sz="1200">
+                <a:solidFill>
+                  <a:srgbClr val="FF0000"/>
+                </a:solidFill>
+              </a:rPr>
+              <a:t>uni ui</a:t>
             </a:r>
             <a:endParaRPr lang="zh-CN" sz="1200"/>
           </a:p>

--- a/后台文档/后台移动端界面.pptx
+++ b/后台文档/后台移动端界面.pptx
@@ -11,6 +11,7 @@
     <p:sldId id="260" r:id="rId6"/>
     <p:sldId id="261" r:id="rId7"/>
     <p:sldId id="262" r:id="rId8"/>
+    <p:sldId id="263" r:id="rId9"/>
   </p:sldIdLst>
   <p:sldSz cx="12192000" cy="6858000"/>
   <p:notesSz cx="6858000" cy="9144000"/>
@@ -13738,6 +13739,80 @@
 </p:sld>
 </file>
 
+<file path=ppt/slides/slide7.xml><?xml version="1.0" encoding="utf-8"?>
+<p:sld xmlns:a="http://schemas.openxmlformats.org/drawingml/2006/main" xmlns:r="http://schemas.openxmlformats.org/officeDocument/2006/relationships" xmlns:p="http://schemas.openxmlformats.org/presentationml/2006/main">
+  <p:cSld>
+    <p:spTree>
+      <p:nvGrpSpPr>
+        <p:cNvPr id="1" name=""/>
+        <p:cNvGrpSpPr/>
+        <p:nvPr/>
+      </p:nvGrpSpPr>
+      <p:grpSpPr/>
+      <p:sp>
+        <p:nvSpPr>
+          <p:cNvPr id="33" name="文本框 32"/>
+          <p:cNvSpPr txBox="1"/>
+          <p:nvPr/>
+        </p:nvSpPr>
+        <p:spPr>
+          <a:xfrm>
+            <a:off x="812800" y="647065"/>
+            <a:ext cx="1097280" cy="368300"/>
+          </a:xfrm>
+          <a:prstGeom prst="rect">
+            <a:avLst/>
+          </a:prstGeom>
+          <a:noFill/>
+        </p:spPr>
+        <p:txBody>
+          <a:bodyPr wrap="none" rtlCol="0">
+            <a:spAutoFit/>
+          </a:bodyPr>
+          <a:p>
+            <a:pPr algn="l"/>
+            <a:r>
+              <a:rPr lang="zh-CN" altLang="en-US">
+                <a:sym typeface="+mn-ea"/>
+              </a:rPr>
+              <a:t>创建订单</a:t>
+            </a:r>
+            <a:endParaRPr lang="zh-CN" altLang="en-US"/>
+          </a:p>
+        </p:txBody>
+      </p:sp>
+      <p:pic>
+        <p:nvPicPr>
+          <p:cNvPr id="2" name="图片 1" descr="770b0a7785d3e439cf84ab128c965e9"/>
+          <p:cNvPicPr>
+            <a:picLocks noChangeAspect="1"/>
+          </p:cNvPicPr>
+          <p:nvPr/>
+        </p:nvPicPr>
+        <p:blipFill>
+          <a:blip r:embed="rId1"/>
+          <a:stretch>
+            <a:fillRect/>
+          </a:stretch>
+        </p:blipFill>
+        <p:spPr>
+          <a:xfrm>
+            <a:off x="4244340" y="96520"/>
+            <a:ext cx="3159760" cy="6531610"/>
+          </a:xfrm>
+          <a:prstGeom prst="rect">
+            <a:avLst/>
+          </a:prstGeom>
+        </p:spPr>
+      </p:pic>
+    </p:spTree>
+  </p:cSld>
+  <p:clrMapOvr>
+    <a:masterClrMapping/>
+  </p:clrMapOvr>
+</p:sld>
+</file>
+
 <file path=ppt/theme/theme1.xml><?xml version="1.0" encoding="utf-8"?>
 <a:theme xmlns:a="http://schemas.openxmlformats.org/drawingml/2006/main" name="Office 主题">
   <a:themeElements>
